--- a/Final Project - Web Programming.pptx
+++ b/Final Project - Web Programming.pptx
@@ -1,37 +1,29 @@
 
 <file path=ppt/presentation.xml><?xml version="1.0" encoding="utf-8"?>
-<p:presentation xmlns:a="http://schemas.openxmlformats.org/drawingml/2006/main" xmlns:r="http://schemas.openxmlformats.org/officeDocument/2006/relationships" xmlns:mc="http://schemas.openxmlformats.org/markup-compatibility/2006" xmlns:mv="urn:schemas-microsoft-com:mac:vml" xmlns:p="http://schemas.openxmlformats.org/presentationml/2006/main" xmlns:c="http://schemas.openxmlformats.org/drawingml/2006/chart" xmlns:dgm="http://schemas.openxmlformats.org/drawingml/2006/diagram" xmlns:o="urn:schemas-microsoft-com:office:office" xmlns:v="urn:schemas-microsoft-com:vml" xmlns:pvml="urn:schemas-microsoft-com:office:powerpoint" xmlns:com="http://schemas.openxmlformats.org/drawingml/2006/compatibility" xmlns:p14="http://schemas.microsoft.com/office/powerpoint/2010/main" xmlns:p15="http://schemas.microsoft.com/office/powerpoint/2012/main" autoCompressPictures="0" embedTrueTypeFonts="1" strictFirstAndLastChars="0" saveSubsetFonts="1">
+<p:presentation xmlns:a="http://schemas.openxmlformats.org/drawingml/2006/main" xmlns:r="http://schemas.openxmlformats.org/officeDocument/2006/relationships" xmlns:p="http://schemas.openxmlformats.org/presentationml/2006/main" strictFirstAndLastChars="0" saveSubsetFonts="1" autoCompressPictures="0">
   <p:sldMasterIdLst>
-    <p:sldMasterId id="2147483659" r:id="rId4"/>
+    <p:sldMasterId id="2147483659" r:id="rId1"/>
   </p:sldMasterIdLst>
   <p:notesMasterIdLst>
-    <p:notesMasterId r:id="rId5"/>
+    <p:notesMasterId r:id="rId13"/>
   </p:notesMasterIdLst>
   <p:sldIdLst>
-    <p:sldId id="256" r:id="rId6"/>
-    <p:sldId id="257" r:id="rId7"/>
-    <p:sldId id="258" r:id="rId8"/>
-    <p:sldId id="259" r:id="rId9"/>
-    <p:sldId id="260" r:id="rId10"/>
-    <p:sldId id="261" r:id="rId11"/>
-    <p:sldId id="262" r:id="rId12"/>
-    <p:sldId id="263" r:id="rId13"/>
-    <p:sldId id="264" r:id="rId14"/>
-    <p:sldId id="265" r:id="rId15"/>
-    <p:sldId id="266" r:id="rId16"/>
+    <p:sldId id="256" r:id="rId2"/>
+    <p:sldId id="257" r:id="rId3"/>
+    <p:sldId id="258" r:id="rId4"/>
+    <p:sldId id="259" r:id="rId5"/>
+    <p:sldId id="260" r:id="rId6"/>
+    <p:sldId id="261" r:id="rId7"/>
+    <p:sldId id="262" r:id="rId8"/>
+    <p:sldId id="263" r:id="rId9"/>
+    <p:sldId id="264" r:id="rId10"/>
+    <p:sldId id="265" r:id="rId11"/>
+    <p:sldId id="266" r:id="rId12"/>
   </p:sldIdLst>
-  <p:sldSz cy="5143500" cx="9144000"/>
+  <p:sldSz cx="9144000" cy="5143500" type="screen16x9"/>
   <p:notesSz cx="6858000" cy="9144000"/>
-  <p:embeddedFontLst>
-    <p:embeddedFont>
-      <p:font typeface="Old Standard TT"/>
-      <p:regular r:id="rId17"/>
-      <p:bold r:id="rId18"/>
-      <p:italic r:id="rId19"/>
-    </p:embeddedFont>
-  </p:embeddedFontLst>
   <p:defaultTextStyle>
-    <a:defPPr lvl="0" marR="0" rtl="0" algn="l">
+    <a:defPPr marR="0" lvl="0" algn="l" rtl="0">
       <a:lnSpc>
         <a:spcPct val="100000"/>
       </a:lnSpc>
@@ -42,7 +34,7 @@
         <a:spcPts val="0"/>
       </a:spcAft>
     </a:defPPr>
-    <a:lvl1pPr lvl="0" marR="0" rtl="0" algn="l">
+    <a:lvl1pPr marR="0" lvl="0" algn="l" rtl="0">
       <a:lnSpc>
         <a:spcPct val="100000"/>
       </a:lnSpc>
@@ -56,7 +48,7 @@
         <a:srgbClr val="000000"/>
       </a:buClr>
       <a:buFont typeface="Arial"/>
-      <a:defRPr b="0" i="0" sz="1400" u="none" cap="none" strike="noStrike">
+      <a:defRPr sz="1400" b="0" i="0" u="none" strike="noStrike" cap="none">
         <a:solidFill>
           <a:srgbClr val="000000"/>
         </a:solidFill>
@@ -66,7 +58,7 @@
         <a:sym typeface="Arial"/>
       </a:defRPr>
     </a:lvl1pPr>
-    <a:lvl2pPr lvl="1" marR="0" rtl="0" algn="l">
+    <a:lvl2pPr marR="0" lvl="1" algn="l" rtl="0">
       <a:lnSpc>
         <a:spcPct val="100000"/>
       </a:lnSpc>
@@ -80,7 +72,7 @@
         <a:srgbClr val="000000"/>
       </a:buClr>
       <a:buFont typeface="Arial"/>
-      <a:defRPr b="0" i="0" sz="1400" u="none" cap="none" strike="noStrike">
+      <a:defRPr sz="1400" b="0" i="0" u="none" strike="noStrike" cap="none">
         <a:solidFill>
           <a:srgbClr val="000000"/>
         </a:solidFill>
@@ -90,7 +82,7 @@
         <a:sym typeface="Arial"/>
       </a:defRPr>
     </a:lvl2pPr>
-    <a:lvl3pPr lvl="2" marR="0" rtl="0" algn="l">
+    <a:lvl3pPr marR="0" lvl="2" algn="l" rtl="0">
       <a:lnSpc>
         <a:spcPct val="100000"/>
       </a:lnSpc>
@@ -104,7 +96,7 @@
         <a:srgbClr val="000000"/>
       </a:buClr>
       <a:buFont typeface="Arial"/>
-      <a:defRPr b="0" i="0" sz="1400" u="none" cap="none" strike="noStrike">
+      <a:defRPr sz="1400" b="0" i="0" u="none" strike="noStrike" cap="none">
         <a:solidFill>
           <a:srgbClr val="000000"/>
         </a:solidFill>
@@ -114,7 +106,7 @@
         <a:sym typeface="Arial"/>
       </a:defRPr>
     </a:lvl3pPr>
-    <a:lvl4pPr lvl="3" marR="0" rtl="0" algn="l">
+    <a:lvl4pPr marR="0" lvl="3" algn="l" rtl="0">
       <a:lnSpc>
         <a:spcPct val="100000"/>
       </a:lnSpc>
@@ -128,7 +120,7 @@
         <a:srgbClr val="000000"/>
       </a:buClr>
       <a:buFont typeface="Arial"/>
-      <a:defRPr b="0" i="0" sz="1400" u="none" cap="none" strike="noStrike">
+      <a:defRPr sz="1400" b="0" i="0" u="none" strike="noStrike" cap="none">
         <a:solidFill>
           <a:srgbClr val="000000"/>
         </a:solidFill>
@@ -138,7 +130,7 @@
         <a:sym typeface="Arial"/>
       </a:defRPr>
     </a:lvl4pPr>
-    <a:lvl5pPr lvl="4" marR="0" rtl="0" algn="l">
+    <a:lvl5pPr marR="0" lvl="4" algn="l" rtl="0">
       <a:lnSpc>
         <a:spcPct val="100000"/>
       </a:lnSpc>
@@ -152,7 +144,7 @@
         <a:srgbClr val="000000"/>
       </a:buClr>
       <a:buFont typeface="Arial"/>
-      <a:defRPr b="0" i="0" sz="1400" u="none" cap="none" strike="noStrike">
+      <a:defRPr sz="1400" b="0" i="0" u="none" strike="noStrike" cap="none">
         <a:solidFill>
           <a:srgbClr val="000000"/>
         </a:solidFill>
@@ -162,7 +154,7 @@
         <a:sym typeface="Arial"/>
       </a:defRPr>
     </a:lvl5pPr>
-    <a:lvl6pPr lvl="5" marR="0" rtl="0" algn="l">
+    <a:lvl6pPr marR="0" lvl="5" algn="l" rtl="0">
       <a:lnSpc>
         <a:spcPct val="100000"/>
       </a:lnSpc>
@@ -176,7 +168,7 @@
         <a:srgbClr val="000000"/>
       </a:buClr>
       <a:buFont typeface="Arial"/>
-      <a:defRPr b="0" i="0" sz="1400" u="none" cap="none" strike="noStrike">
+      <a:defRPr sz="1400" b="0" i="0" u="none" strike="noStrike" cap="none">
         <a:solidFill>
           <a:srgbClr val="000000"/>
         </a:solidFill>
@@ -186,7 +178,7 @@
         <a:sym typeface="Arial"/>
       </a:defRPr>
     </a:lvl6pPr>
-    <a:lvl7pPr lvl="6" marR="0" rtl="0" algn="l">
+    <a:lvl7pPr marR="0" lvl="6" algn="l" rtl="0">
       <a:lnSpc>
         <a:spcPct val="100000"/>
       </a:lnSpc>
@@ -200,7 +192,7 @@
         <a:srgbClr val="000000"/>
       </a:buClr>
       <a:buFont typeface="Arial"/>
-      <a:defRPr b="0" i="0" sz="1400" u="none" cap="none" strike="noStrike">
+      <a:defRPr sz="1400" b="0" i="0" u="none" strike="noStrike" cap="none">
         <a:solidFill>
           <a:srgbClr val="000000"/>
         </a:solidFill>
@@ -210,7 +202,7 @@
         <a:sym typeface="Arial"/>
       </a:defRPr>
     </a:lvl7pPr>
-    <a:lvl8pPr lvl="7" marR="0" rtl="0" algn="l">
+    <a:lvl8pPr marR="0" lvl="7" algn="l" rtl="0">
       <a:lnSpc>
         <a:spcPct val="100000"/>
       </a:lnSpc>
@@ -224,7 +216,7 @@
         <a:srgbClr val="000000"/>
       </a:buClr>
       <a:buFont typeface="Arial"/>
-      <a:defRPr b="0" i="0" sz="1400" u="none" cap="none" strike="noStrike">
+      <a:defRPr sz="1400" b="0" i="0" u="none" strike="noStrike" cap="none">
         <a:solidFill>
           <a:srgbClr val="000000"/>
         </a:solidFill>
@@ -234,7 +226,7 @@
         <a:sym typeface="Arial"/>
       </a:defRPr>
     </a:lvl8pPr>
-    <a:lvl9pPr lvl="8" marR="0" rtl="0" algn="l">
+    <a:lvl9pPr marR="0" lvl="8" algn="l" rtl="0">
       <a:lnSpc>
         <a:spcPct val="100000"/>
       </a:lnSpc>
@@ -248,7 +240,7 @@
         <a:srgbClr val="000000"/>
       </a:buClr>
       <a:buFont typeface="Arial"/>
-      <a:defRPr b="0" i="0" sz="1400" u="none" cap="none" strike="noStrike">
+      <a:defRPr sz="1400" b="0" i="0" u="none" strike="noStrike" cap="none">
         <a:solidFill>
           <a:srgbClr val="000000"/>
         </a:solidFill>
@@ -261,7 +253,7 @@
   </p:defaultTextStyle>
   <p:extLst>
     <p:ext uri="{EFAFB233-063F-42B5-8137-9DF3F51BA10A}">
-      <p15:sldGuideLst>
+      <p15:sldGuideLst xmlns:p15="http://schemas.microsoft.com/office/powerpoint/2012/main">
         <p15:guide id="1" orient="horz" pos="1620">
           <p15:clr>
             <a:srgbClr val="A4A3A4"/>
@@ -279,11 +271,16 @@
 </file>
 
 <file path=ppt/notesMasters/notesMaster1.xml><?xml version="1.0" encoding="utf-8"?>
-<p:notesMaster xmlns:a="http://schemas.openxmlformats.org/drawingml/2006/main" xmlns:r="http://schemas.openxmlformats.org/officeDocument/2006/relationships" xmlns:mc="http://schemas.openxmlformats.org/markup-compatibility/2006" xmlns:mv="urn:schemas-microsoft-com:mac:vml" xmlns:p="http://schemas.openxmlformats.org/presentationml/2006/main" xmlns:c="http://schemas.openxmlformats.org/drawingml/2006/chart" xmlns:dgm="http://schemas.openxmlformats.org/drawingml/2006/diagram" xmlns:o="urn:schemas-microsoft-com:office:office" xmlns:v="urn:schemas-microsoft-com:vml" xmlns:pvml="urn:schemas-microsoft-com:office:powerpoint" xmlns:com="http://schemas.openxmlformats.org/drawingml/2006/compatibility" xmlns:p14="http://schemas.microsoft.com/office/powerpoint/2010/main" xmlns:p15="http://schemas.microsoft.com/office/powerpoint/2012/main">
+<p:notesMaster xmlns:a="http://schemas.openxmlformats.org/drawingml/2006/main" xmlns:r="http://schemas.openxmlformats.org/officeDocument/2006/relationships" xmlns:p="http://schemas.openxmlformats.org/presentationml/2006/main">
   <p:cSld>
+    <p:bg>
+      <p:bgRef idx="1001">
+        <a:schemeClr val="bg1"/>
+      </p:bgRef>
+    </p:bg>
     <p:spTree>
       <p:nvGrpSpPr>
-        <p:cNvPr id="2" name="Shape 2"/>
+        <p:cNvPr id="1" name="Shape 2"/>
         <p:cNvGrpSpPr/>
         <p:nvPr/>
       </p:nvGrpSpPr>
@@ -298,9 +295,11 @@
       <p:sp>
         <p:nvSpPr>
           <p:cNvPr id="3" name="Google Shape;3;n"/>
-          <p:cNvSpPr/>
+          <p:cNvSpPr>
+            <a:spLocks noGrp="1" noRot="1" noChangeAspect="1"/>
+          </p:cNvSpPr>
           <p:nvPr>
-            <p:ph idx="2" type="sldImg"/>
+            <p:ph type="sldImg" idx="2"/>
           </p:nvPr>
         </p:nvSpPr>
         <p:spPr>
@@ -309,9 +308,13 @@
             <a:ext cx="6096075" cy="3429000"/>
           </a:xfrm>
           <a:custGeom>
-            <a:rect b="b" l="l" r="r" t="t"/>
+            <a:avLst/>
+            <a:gdLst/>
+            <a:ahLst/>
+            <a:cxnLst/>
+            <a:rect l="l" t="t" r="r" b="b"/>
             <a:pathLst>
-              <a:path extrusionOk="0" h="120000" w="120000">
+              <a:path w="120000" h="120000" extrusionOk="0">
                 <a:moveTo>
                   <a:pt x="0" y="0"/>
                 </a:moveTo>
@@ -329,23 +332,25 @@
             </a:pathLst>
           </a:custGeom>
           <a:noFill/>
-          <a:ln cap="flat" cmpd="sng" w="9525">
+          <a:ln w="9525" cap="flat" cmpd="sng">
             <a:solidFill>
               <a:srgbClr val="000000"/>
             </a:solidFill>
             <a:prstDash val="solid"/>
             <a:round/>
-            <a:headEnd len="sm" w="sm" type="none"/>
-            <a:tailEnd len="sm" w="sm" type="none"/>
+            <a:headEnd type="none" w="sm" len="sm"/>
+            <a:tailEnd type="none" w="sm" len="sm"/>
           </a:ln>
         </p:spPr>
       </p:sp>
       <p:sp>
         <p:nvSpPr>
           <p:cNvPr id="4" name="Google Shape;4;n"/>
-          <p:cNvSpPr txBox="1"/>
+          <p:cNvSpPr txBox="1">
+            <a:spLocks noGrp="1"/>
+          </p:cNvSpPr>
           <p:nvPr>
-            <p:ph idx="1" type="body"/>
+            <p:ph type="body" idx="1"/>
           </p:nvPr>
         </p:nvSpPr>
         <p:spPr>
@@ -362,9 +367,9 @@
           </a:ln>
         </p:spPr>
         <p:txBody>
-          <a:bodyPr anchorCtr="0" anchor="t" bIns="91425" lIns="91425" spcFirstLastPara="1" rIns="91425" wrap="square" tIns="91425"/>
+          <a:bodyPr spcFirstLastPara="1" wrap="square" lIns="91425" tIns="91425" rIns="91425" bIns="91425" anchor="t" anchorCtr="0"/>
           <a:lstStyle>
-            <a:lvl1pPr indent="-298450" lvl="0" marL="457200">
+            <a:lvl1pPr marL="457200" lvl="0" indent="-298450">
               <a:spcBef>
                 <a:spcPts val="0"/>
               </a:spcBef>
@@ -375,7 +380,7 @@
               <a:buChar char="●"/>
               <a:defRPr sz="1100"/>
             </a:lvl1pPr>
-            <a:lvl2pPr indent="-298450" lvl="1" marL="914400">
+            <a:lvl2pPr marL="914400" lvl="1" indent="-298450">
               <a:spcBef>
                 <a:spcPts val="0"/>
               </a:spcBef>
@@ -386,7 +391,7 @@
               <a:buChar char="○"/>
               <a:defRPr sz="1100"/>
             </a:lvl2pPr>
-            <a:lvl3pPr indent="-298450" lvl="2" marL="1371600">
+            <a:lvl3pPr marL="1371600" lvl="2" indent="-298450">
               <a:spcBef>
                 <a:spcPts val="0"/>
               </a:spcBef>
@@ -397,7 +402,7 @@
               <a:buChar char="■"/>
               <a:defRPr sz="1100"/>
             </a:lvl3pPr>
-            <a:lvl4pPr indent="-298450" lvl="3" marL="1828800">
+            <a:lvl4pPr marL="1828800" lvl="3" indent="-298450">
               <a:spcBef>
                 <a:spcPts val="0"/>
               </a:spcBef>
@@ -408,7 +413,7 @@
               <a:buChar char="●"/>
               <a:defRPr sz="1100"/>
             </a:lvl4pPr>
-            <a:lvl5pPr indent="-298450" lvl="4" marL="2286000">
+            <a:lvl5pPr marL="2286000" lvl="4" indent="-298450">
               <a:spcBef>
                 <a:spcPts val="0"/>
               </a:spcBef>
@@ -419,7 +424,7 @@
               <a:buChar char="○"/>
               <a:defRPr sz="1100"/>
             </a:lvl5pPr>
-            <a:lvl6pPr indent="-298450" lvl="5" marL="2743200">
+            <a:lvl6pPr marL="2743200" lvl="5" indent="-298450">
               <a:spcBef>
                 <a:spcPts val="0"/>
               </a:spcBef>
@@ -430,7 +435,7 @@
               <a:buChar char="■"/>
               <a:defRPr sz="1100"/>
             </a:lvl6pPr>
-            <a:lvl7pPr indent="-298450" lvl="6" marL="3200400">
+            <a:lvl7pPr marL="3200400" lvl="6" indent="-298450">
               <a:spcBef>
                 <a:spcPts val="0"/>
               </a:spcBef>
@@ -441,7 +446,7 @@
               <a:buChar char="●"/>
               <a:defRPr sz="1100"/>
             </a:lvl7pPr>
-            <a:lvl8pPr indent="-298450" lvl="7" marL="3657600">
+            <a:lvl8pPr marL="3657600" lvl="7" indent="-298450">
               <a:spcBef>
                 <a:spcPts val="0"/>
               </a:spcBef>
@@ -452,7 +457,7 @@
               <a:buChar char="○"/>
               <a:defRPr sz="1100"/>
             </a:lvl8pPr>
-            <a:lvl9pPr indent="-298450" lvl="8" marL="4114800">
+            <a:lvl9pPr marL="4114800" lvl="8" indent="-298450">
               <a:spcBef>
                 <a:spcPts val="0"/>
               </a:spcBef>
@@ -464,14 +469,16 @@
               <a:defRPr sz="1100"/>
             </a:lvl9pPr>
           </a:lstStyle>
-          <a:p/>
+          <a:p>
+            <a:endParaRPr/>
+          </a:p>
         </p:txBody>
       </p:sp>
     </p:spTree>
   </p:cSld>
-  <p:clrMap accent1="accent1" accent2="accent2" accent3="accent3" accent4="accent4" accent5="accent5" accent6="accent6" bg1="lt1" bg2="dk2" tx1="dk1" tx2="lt2" folHlink="folHlink" hlink="hlink"/>
+  <p:clrMap bg1="lt1" tx1="dk1" bg2="dk2" tx2="lt2" accent1="accent1" accent2="accent2" accent3="accent3" accent4="accent4" accent5="accent5" accent6="accent6" hlink="hlink" folHlink="folHlink"/>
   <p:notesStyle>
-    <a:defPPr lvl="0" marR="0" rtl="0" algn="l">
+    <a:defPPr marR="0" lvl="0" algn="l" rtl="0">
       <a:lnSpc>
         <a:spcPct val="100000"/>
       </a:lnSpc>
@@ -482,7 +489,7 @@
         <a:spcPts val="0"/>
       </a:spcAft>
     </a:defPPr>
-    <a:lvl1pPr lvl="0" marR="0" rtl="0" algn="l">
+    <a:lvl1pPr marR="0" lvl="0" algn="l" rtl="0">
       <a:lnSpc>
         <a:spcPct val="100000"/>
       </a:lnSpc>
@@ -496,7 +503,7 @@
         <a:srgbClr val="000000"/>
       </a:buClr>
       <a:buFont typeface="Arial"/>
-      <a:defRPr b="0" i="0" sz="1400" u="none" cap="none" strike="noStrike">
+      <a:defRPr sz="1400" b="0" i="0" u="none" strike="noStrike" cap="none">
         <a:solidFill>
           <a:srgbClr val="000000"/>
         </a:solidFill>
@@ -506,7 +513,7 @@
         <a:sym typeface="Arial"/>
       </a:defRPr>
     </a:lvl1pPr>
-    <a:lvl2pPr lvl="1" marR="0" rtl="0" algn="l">
+    <a:lvl2pPr marR="0" lvl="1" algn="l" rtl="0">
       <a:lnSpc>
         <a:spcPct val="100000"/>
       </a:lnSpc>
@@ -520,7 +527,7 @@
         <a:srgbClr val="000000"/>
       </a:buClr>
       <a:buFont typeface="Arial"/>
-      <a:defRPr b="0" i="0" sz="1400" u="none" cap="none" strike="noStrike">
+      <a:defRPr sz="1400" b="0" i="0" u="none" strike="noStrike" cap="none">
         <a:solidFill>
           <a:srgbClr val="000000"/>
         </a:solidFill>
@@ -530,7 +537,7 @@
         <a:sym typeface="Arial"/>
       </a:defRPr>
     </a:lvl2pPr>
-    <a:lvl3pPr lvl="2" marR="0" rtl="0" algn="l">
+    <a:lvl3pPr marR="0" lvl="2" algn="l" rtl="0">
       <a:lnSpc>
         <a:spcPct val="100000"/>
       </a:lnSpc>
@@ -544,7 +551,7 @@
         <a:srgbClr val="000000"/>
       </a:buClr>
       <a:buFont typeface="Arial"/>
-      <a:defRPr b="0" i="0" sz="1400" u="none" cap="none" strike="noStrike">
+      <a:defRPr sz="1400" b="0" i="0" u="none" strike="noStrike" cap="none">
         <a:solidFill>
           <a:srgbClr val="000000"/>
         </a:solidFill>
@@ -554,7 +561,7 @@
         <a:sym typeface="Arial"/>
       </a:defRPr>
     </a:lvl3pPr>
-    <a:lvl4pPr lvl="3" marR="0" rtl="0" algn="l">
+    <a:lvl4pPr marR="0" lvl="3" algn="l" rtl="0">
       <a:lnSpc>
         <a:spcPct val="100000"/>
       </a:lnSpc>
@@ -568,7 +575,7 @@
         <a:srgbClr val="000000"/>
       </a:buClr>
       <a:buFont typeface="Arial"/>
-      <a:defRPr b="0" i="0" sz="1400" u="none" cap="none" strike="noStrike">
+      <a:defRPr sz="1400" b="0" i="0" u="none" strike="noStrike" cap="none">
         <a:solidFill>
           <a:srgbClr val="000000"/>
         </a:solidFill>
@@ -578,7 +585,7 @@
         <a:sym typeface="Arial"/>
       </a:defRPr>
     </a:lvl4pPr>
-    <a:lvl5pPr lvl="4" marR="0" rtl="0" algn="l">
+    <a:lvl5pPr marR="0" lvl="4" algn="l" rtl="0">
       <a:lnSpc>
         <a:spcPct val="100000"/>
       </a:lnSpc>
@@ -592,7 +599,7 @@
         <a:srgbClr val="000000"/>
       </a:buClr>
       <a:buFont typeface="Arial"/>
-      <a:defRPr b="0" i="0" sz="1400" u="none" cap="none" strike="noStrike">
+      <a:defRPr sz="1400" b="0" i="0" u="none" strike="noStrike" cap="none">
         <a:solidFill>
           <a:srgbClr val="000000"/>
         </a:solidFill>
@@ -602,7 +609,7 @@
         <a:sym typeface="Arial"/>
       </a:defRPr>
     </a:lvl5pPr>
-    <a:lvl6pPr lvl="5" marR="0" rtl="0" algn="l">
+    <a:lvl6pPr marR="0" lvl="5" algn="l" rtl="0">
       <a:lnSpc>
         <a:spcPct val="100000"/>
       </a:lnSpc>
@@ -616,7 +623,7 @@
         <a:srgbClr val="000000"/>
       </a:buClr>
       <a:buFont typeface="Arial"/>
-      <a:defRPr b="0" i="0" sz="1400" u="none" cap="none" strike="noStrike">
+      <a:defRPr sz="1400" b="0" i="0" u="none" strike="noStrike" cap="none">
         <a:solidFill>
           <a:srgbClr val="000000"/>
         </a:solidFill>
@@ -626,7 +633,7 @@
         <a:sym typeface="Arial"/>
       </a:defRPr>
     </a:lvl6pPr>
-    <a:lvl7pPr lvl="6" marR="0" rtl="0" algn="l">
+    <a:lvl7pPr marR="0" lvl="6" algn="l" rtl="0">
       <a:lnSpc>
         <a:spcPct val="100000"/>
       </a:lnSpc>
@@ -640,7 +647,7 @@
         <a:srgbClr val="000000"/>
       </a:buClr>
       <a:buFont typeface="Arial"/>
-      <a:defRPr b="0" i="0" sz="1400" u="none" cap="none" strike="noStrike">
+      <a:defRPr sz="1400" b="0" i="0" u="none" strike="noStrike" cap="none">
         <a:solidFill>
           <a:srgbClr val="000000"/>
         </a:solidFill>
@@ -650,7 +657,7 @@
         <a:sym typeface="Arial"/>
       </a:defRPr>
     </a:lvl7pPr>
-    <a:lvl8pPr lvl="7" marR="0" rtl="0" algn="l">
+    <a:lvl8pPr marR="0" lvl="7" algn="l" rtl="0">
       <a:lnSpc>
         <a:spcPct val="100000"/>
       </a:lnSpc>
@@ -664,7 +671,7 @@
         <a:srgbClr val="000000"/>
       </a:buClr>
       <a:buFont typeface="Arial"/>
-      <a:defRPr b="0" i="0" sz="1400" u="none" cap="none" strike="noStrike">
+      <a:defRPr sz="1400" b="0" i="0" u="none" strike="noStrike" cap="none">
         <a:solidFill>
           <a:srgbClr val="000000"/>
         </a:solidFill>
@@ -674,7 +681,7 @@
         <a:sym typeface="Arial"/>
       </a:defRPr>
     </a:lvl8pPr>
-    <a:lvl9pPr lvl="8" marR="0" rtl="0" algn="l">
+    <a:lvl9pPr marR="0" lvl="8" algn="l" rtl="0">
       <a:lnSpc>
         <a:spcPct val="100000"/>
       </a:lnSpc>
@@ -688,7 +695,7 @@
         <a:srgbClr val="000000"/>
       </a:buClr>
       <a:buFont typeface="Arial"/>
-      <a:defRPr b="0" i="0" sz="1400" u="none" cap="none" strike="noStrike">
+      <a:defRPr sz="1400" b="0" i="0" u="none" strike="noStrike" cap="none">
         <a:solidFill>
           <a:srgbClr val="000000"/>
         </a:solidFill>
@@ -703,11 +710,11 @@
 </file>
 
 <file path=ppt/notesSlides/notesSlide1.xml><?xml version="1.0" encoding="utf-8"?>
-<p:notes xmlns:a="http://schemas.openxmlformats.org/drawingml/2006/main" xmlns:r="http://schemas.openxmlformats.org/officeDocument/2006/relationships" xmlns:mc="http://schemas.openxmlformats.org/markup-compatibility/2006" xmlns:mv="urn:schemas-microsoft-com:mac:vml" xmlns:p="http://schemas.openxmlformats.org/presentationml/2006/main" xmlns:c="http://schemas.openxmlformats.org/drawingml/2006/chart" xmlns:dgm="http://schemas.openxmlformats.org/drawingml/2006/diagram" xmlns:o="urn:schemas-microsoft-com:office:office" xmlns:v="urn:schemas-microsoft-com:vml" xmlns:pvml="urn:schemas-microsoft-com:office:powerpoint" xmlns:com="http://schemas.openxmlformats.org/drawingml/2006/compatibility" xmlns:p14="http://schemas.microsoft.com/office/powerpoint/2010/main" xmlns:p15="http://schemas.microsoft.com/office/powerpoint/2012/main" showMasterPhAnim="0" showMasterSp="0">
+<p:notes xmlns:a="http://schemas.openxmlformats.org/drawingml/2006/main" xmlns:r="http://schemas.openxmlformats.org/officeDocument/2006/relationships" xmlns:p="http://schemas.openxmlformats.org/presentationml/2006/main" showMasterSp="0" showMasterPhAnim="0">
   <p:cSld>
     <p:spTree>
       <p:nvGrpSpPr>
-        <p:cNvPr id="55" name="Shape 55"/>
+        <p:cNvPr id="1" name="Shape 55"/>
         <p:cNvGrpSpPr/>
         <p:nvPr/>
       </p:nvGrpSpPr>
@@ -722,20 +729,26 @@
       <p:sp>
         <p:nvSpPr>
           <p:cNvPr id="56" name="Google Shape;56;p:notes"/>
-          <p:cNvSpPr/>
+          <p:cNvSpPr>
+            <a:spLocks noGrp="1" noRot="1" noChangeAspect="1"/>
+          </p:cNvSpPr>
           <p:nvPr>
-            <p:ph idx="2" type="sldImg"/>
+            <p:ph type="sldImg" idx="2"/>
           </p:nvPr>
         </p:nvSpPr>
         <p:spPr>
           <a:xfrm>
-            <a:off x="381300" y="685800"/>
-            <a:ext cx="6096075" cy="3429000"/>
+            <a:off x="381000" y="685800"/>
+            <a:ext cx="6096000" cy="3429000"/>
           </a:xfrm>
           <a:custGeom>
-            <a:rect b="b" l="l" r="r" t="t"/>
+            <a:avLst/>
+            <a:gdLst/>
+            <a:ahLst/>
+            <a:cxnLst/>
+            <a:rect l="l" t="t" r="r" b="b"/>
             <a:pathLst>
-              <a:path extrusionOk="0" h="120000" w="120000">
+              <a:path w="120000" h="120000" extrusionOk="0">
                 <a:moveTo>
                   <a:pt x="0" y="0"/>
                 </a:moveTo>
@@ -757,9 +770,11 @@
       <p:sp>
         <p:nvSpPr>
           <p:cNvPr id="57" name="Google Shape;57;p:notes"/>
-          <p:cNvSpPr txBox="1"/>
+          <p:cNvSpPr txBox="1">
+            <a:spLocks noGrp="1"/>
+          </p:cNvSpPr>
           <p:nvPr>
-            <p:ph idx="1" type="body"/>
+            <p:ph type="body" idx="1"/>
           </p:nvPr>
         </p:nvSpPr>
         <p:spPr>
@@ -772,12 +787,12 @@
           </a:prstGeom>
         </p:spPr>
         <p:txBody>
-          <a:bodyPr anchorCtr="0" anchor="t" bIns="91425" lIns="91425" spcFirstLastPara="1" rIns="91425" wrap="square" tIns="91425">
+          <a:bodyPr spcFirstLastPara="1" wrap="square" lIns="91425" tIns="91425" rIns="91425" bIns="91425" anchor="t" anchorCtr="0">
             <a:noAutofit/>
           </a:bodyPr>
           <a:lstStyle/>
           <a:p>
-            <a:pPr indent="0" lvl="0" marL="0" rtl="0" algn="l">
+            <a:pPr marL="0" lvl="0" indent="0" algn="l" rtl="0">
               <a:spcBef>
                 <a:spcPts val="0"/>
               </a:spcBef>
@@ -786,9 +801,6 @@
               </a:spcAft>
               <a:buNone/>
             </a:pPr>
-            <a:r>
-              <a:t/>
-            </a:r>
             <a:endParaRPr/>
           </a:p>
         </p:txBody>
@@ -802,11 +814,11 @@
 </file>
 
 <file path=ppt/notesSlides/notesSlide10.xml><?xml version="1.0" encoding="utf-8"?>
-<p:notes xmlns:a="http://schemas.openxmlformats.org/drawingml/2006/main" xmlns:r="http://schemas.openxmlformats.org/officeDocument/2006/relationships" xmlns:mc="http://schemas.openxmlformats.org/markup-compatibility/2006" xmlns:mv="urn:schemas-microsoft-com:mac:vml" xmlns:p="http://schemas.openxmlformats.org/presentationml/2006/main" xmlns:c="http://schemas.openxmlformats.org/drawingml/2006/chart" xmlns:dgm="http://schemas.openxmlformats.org/drawingml/2006/diagram" xmlns:o="urn:schemas-microsoft-com:office:office" xmlns:v="urn:schemas-microsoft-com:vml" xmlns:pvml="urn:schemas-microsoft-com:office:powerpoint" xmlns:com="http://schemas.openxmlformats.org/drawingml/2006/compatibility" xmlns:p14="http://schemas.microsoft.com/office/powerpoint/2010/main" xmlns:p15="http://schemas.microsoft.com/office/powerpoint/2012/main" showMasterPhAnim="0" showMasterSp="0">
+<p:notes xmlns:a="http://schemas.openxmlformats.org/drawingml/2006/main" xmlns:r="http://schemas.openxmlformats.org/officeDocument/2006/relationships" xmlns:p="http://schemas.openxmlformats.org/presentationml/2006/main" showMasterSp="0" showMasterPhAnim="0">
   <p:cSld>
     <p:spTree>
       <p:nvGrpSpPr>
-        <p:cNvPr id="146" name="Shape 146"/>
+        <p:cNvPr id="1" name="Shape 146"/>
         <p:cNvGrpSpPr/>
         <p:nvPr/>
       </p:nvGrpSpPr>
@@ -821,9 +833,11 @@
       <p:sp>
         <p:nvSpPr>
           <p:cNvPr id="147" name="Google Shape;147;g4a3ed87189_0_10:notes"/>
-          <p:cNvSpPr/>
+          <p:cNvSpPr>
+            <a:spLocks noGrp="1" noRot="1" noChangeAspect="1"/>
+          </p:cNvSpPr>
           <p:nvPr>
-            <p:ph idx="2" type="sldImg"/>
+            <p:ph type="sldImg" idx="2"/>
           </p:nvPr>
         </p:nvSpPr>
         <p:spPr>
@@ -832,9 +846,13 @@
             <a:ext cx="6096000" cy="3429000"/>
           </a:xfrm>
           <a:custGeom>
-            <a:rect b="b" l="l" r="r" t="t"/>
+            <a:avLst/>
+            <a:gdLst/>
+            <a:ahLst/>
+            <a:cxnLst/>
+            <a:rect l="l" t="t" r="r" b="b"/>
             <a:pathLst>
-              <a:path extrusionOk="0" h="120000" w="120000">
+              <a:path w="120000" h="120000" extrusionOk="0">
                 <a:moveTo>
                   <a:pt x="0" y="0"/>
                 </a:moveTo>
@@ -856,9 +874,11 @@
       <p:sp>
         <p:nvSpPr>
           <p:cNvPr id="148" name="Google Shape;148;g4a3ed87189_0_10:notes"/>
-          <p:cNvSpPr txBox="1"/>
+          <p:cNvSpPr txBox="1">
+            <a:spLocks noGrp="1"/>
+          </p:cNvSpPr>
           <p:nvPr>
-            <p:ph idx="1" type="body"/>
+            <p:ph type="body" idx="1"/>
           </p:nvPr>
         </p:nvSpPr>
         <p:spPr>
@@ -871,12 +891,12 @@
           </a:prstGeom>
         </p:spPr>
         <p:txBody>
-          <a:bodyPr anchorCtr="0" anchor="t" bIns="91425" lIns="91425" spcFirstLastPara="1" rIns="91425" wrap="square" tIns="91425">
+          <a:bodyPr spcFirstLastPara="1" wrap="square" lIns="91425" tIns="91425" rIns="91425" bIns="91425" anchor="t" anchorCtr="0">
             <a:noAutofit/>
           </a:bodyPr>
           <a:lstStyle/>
           <a:p>
-            <a:pPr indent="0" lvl="0" marL="0" rtl="0" algn="l">
+            <a:pPr marL="0" lvl="0" indent="0" algn="l" rtl="0">
               <a:spcBef>
                 <a:spcPts val="0"/>
               </a:spcBef>
@@ -885,9 +905,6 @@
               </a:spcAft>
               <a:buNone/>
             </a:pPr>
-            <a:r>
-              <a:t/>
-            </a:r>
             <a:endParaRPr/>
           </a:p>
         </p:txBody>
@@ -901,11 +918,11 @@
 </file>
 
 <file path=ppt/notesSlides/notesSlide11.xml><?xml version="1.0" encoding="utf-8"?>
-<p:notes xmlns:a="http://schemas.openxmlformats.org/drawingml/2006/main" xmlns:r="http://schemas.openxmlformats.org/officeDocument/2006/relationships" xmlns:mc="http://schemas.openxmlformats.org/markup-compatibility/2006" xmlns:mv="urn:schemas-microsoft-com:mac:vml" xmlns:p="http://schemas.openxmlformats.org/presentationml/2006/main" xmlns:c="http://schemas.openxmlformats.org/drawingml/2006/chart" xmlns:dgm="http://schemas.openxmlformats.org/drawingml/2006/diagram" xmlns:o="urn:schemas-microsoft-com:office:office" xmlns:v="urn:schemas-microsoft-com:vml" xmlns:pvml="urn:schemas-microsoft-com:office:powerpoint" xmlns:com="http://schemas.openxmlformats.org/drawingml/2006/compatibility" xmlns:p14="http://schemas.microsoft.com/office/powerpoint/2010/main" xmlns:p15="http://schemas.microsoft.com/office/powerpoint/2012/main" showMasterPhAnim="0" showMasterSp="0">
+<p:notes xmlns:a="http://schemas.openxmlformats.org/drawingml/2006/main" xmlns:r="http://schemas.openxmlformats.org/officeDocument/2006/relationships" xmlns:p="http://schemas.openxmlformats.org/presentationml/2006/main" showMasterSp="0" showMasterPhAnim="0">
   <p:cSld>
     <p:spTree>
       <p:nvGrpSpPr>
-        <p:cNvPr id="152" name="Shape 152"/>
+        <p:cNvPr id="1" name="Shape 152"/>
         <p:cNvGrpSpPr/>
         <p:nvPr/>
       </p:nvGrpSpPr>
@@ -920,9 +937,11 @@
       <p:sp>
         <p:nvSpPr>
           <p:cNvPr id="153" name="Google Shape;153;g4a3ed87189_0_15:notes"/>
-          <p:cNvSpPr/>
+          <p:cNvSpPr>
+            <a:spLocks noGrp="1" noRot="1" noChangeAspect="1"/>
+          </p:cNvSpPr>
           <p:nvPr>
-            <p:ph idx="2" type="sldImg"/>
+            <p:ph type="sldImg" idx="2"/>
           </p:nvPr>
         </p:nvSpPr>
         <p:spPr>
@@ -931,9 +950,13 @@
             <a:ext cx="6096000" cy="3429000"/>
           </a:xfrm>
           <a:custGeom>
-            <a:rect b="b" l="l" r="r" t="t"/>
+            <a:avLst/>
+            <a:gdLst/>
+            <a:ahLst/>
+            <a:cxnLst/>
+            <a:rect l="l" t="t" r="r" b="b"/>
             <a:pathLst>
-              <a:path extrusionOk="0" h="120000" w="120000">
+              <a:path w="120000" h="120000" extrusionOk="0">
                 <a:moveTo>
                   <a:pt x="0" y="0"/>
                 </a:moveTo>
@@ -955,9 +978,11 @@
       <p:sp>
         <p:nvSpPr>
           <p:cNvPr id="154" name="Google Shape;154;g4a3ed87189_0_15:notes"/>
-          <p:cNvSpPr txBox="1"/>
+          <p:cNvSpPr txBox="1">
+            <a:spLocks noGrp="1"/>
+          </p:cNvSpPr>
           <p:nvPr>
-            <p:ph idx="1" type="body"/>
+            <p:ph type="body" idx="1"/>
           </p:nvPr>
         </p:nvSpPr>
         <p:spPr>
@@ -970,12 +995,12 @@
           </a:prstGeom>
         </p:spPr>
         <p:txBody>
-          <a:bodyPr anchorCtr="0" anchor="t" bIns="91425" lIns="91425" spcFirstLastPara="1" rIns="91425" wrap="square" tIns="91425">
+          <a:bodyPr spcFirstLastPara="1" wrap="square" lIns="91425" tIns="91425" rIns="91425" bIns="91425" anchor="t" anchorCtr="0">
             <a:noAutofit/>
           </a:bodyPr>
           <a:lstStyle/>
           <a:p>
-            <a:pPr indent="0" lvl="0" marL="0" rtl="0" algn="l">
+            <a:pPr marL="0" lvl="0" indent="0" algn="l" rtl="0">
               <a:spcBef>
                 <a:spcPts val="0"/>
               </a:spcBef>
@@ -984,9 +1009,6 @@
               </a:spcAft>
               <a:buNone/>
             </a:pPr>
-            <a:r>
-              <a:t/>
-            </a:r>
             <a:endParaRPr/>
           </a:p>
         </p:txBody>
@@ -1000,11 +1022,11 @@
 </file>
 
 <file path=ppt/notesSlides/notesSlide2.xml><?xml version="1.0" encoding="utf-8"?>
-<p:notes xmlns:a="http://schemas.openxmlformats.org/drawingml/2006/main" xmlns:r="http://schemas.openxmlformats.org/officeDocument/2006/relationships" xmlns:mc="http://schemas.openxmlformats.org/markup-compatibility/2006" xmlns:mv="urn:schemas-microsoft-com:mac:vml" xmlns:p="http://schemas.openxmlformats.org/presentationml/2006/main" xmlns:c="http://schemas.openxmlformats.org/drawingml/2006/chart" xmlns:dgm="http://schemas.openxmlformats.org/drawingml/2006/diagram" xmlns:o="urn:schemas-microsoft-com:office:office" xmlns:v="urn:schemas-microsoft-com:vml" xmlns:pvml="urn:schemas-microsoft-com:office:powerpoint" xmlns:com="http://schemas.openxmlformats.org/drawingml/2006/compatibility" xmlns:p14="http://schemas.microsoft.com/office/powerpoint/2010/main" xmlns:p15="http://schemas.microsoft.com/office/powerpoint/2012/main" showMasterPhAnim="0" showMasterSp="0">
+<p:notes xmlns:a="http://schemas.openxmlformats.org/drawingml/2006/main" xmlns:r="http://schemas.openxmlformats.org/officeDocument/2006/relationships" xmlns:p="http://schemas.openxmlformats.org/presentationml/2006/main" showMasterSp="0" showMasterPhAnim="0">
   <p:cSld>
     <p:spTree>
       <p:nvGrpSpPr>
-        <p:cNvPr id="62" name="Shape 62"/>
+        <p:cNvPr id="1" name="Shape 62"/>
         <p:cNvGrpSpPr/>
         <p:nvPr/>
       </p:nvGrpSpPr>
@@ -1019,9 +1041,11 @@
       <p:sp>
         <p:nvSpPr>
           <p:cNvPr id="63" name="Google Shape;63;g496cc71f7a_0_47:notes"/>
-          <p:cNvSpPr/>
+          <p:cNvSpPr>
+            <a:spLocks noGrp="1" noRot="1" noChangeAspect="1"/>
+          </p:cNvSpPr>
           <p:nvPr>
-            <p:ph idx="2" type="sldImg"/>
+            <p:ph type="sldImg" idx="2"/>
           </p:nvPr>
         </p:nvSpPr>
         <p:spPr>
@@ -1030,9 +1054,13 @@
             <a:ext cx="6096000" cy="3429000"/>
           </a:xfrm>
           <a:custGeom>
-            <a:rect b="b" l="l" r="r" t="t"/>
+            <a:avLst/>
+            <a:gdLst/>
+            <a:ahLst/>
+            <a:cxnLst/>
+            <a:rect l="l" t="t" r="r" b="b"/>
             <a:pathLst>
-              <a:path extrusionOk="0" h="120000" w="120000">
+              <a:path w="120000" h="120000" extrusionOk="0">
                 <a:moveTo>
                   <a:pt x="0" y="0"/>
                 </a:moveTo>
@@ -1054,9 +1082,11 @@
       <p:sp>
         <p:nvSpPr>
           <p:cNvPr id="64" name="Google Shape;64;g496cc71f7a_0_47:notes"/>
-          <p:cNvSpPr txBox="1"/>
+          <p:cNvSpPr txBox="1">
+            <a:spLocks noGrp="1"/>
+          </p:cNvSpPr>
           <p:nvPr>
-            <p:ph idx="1" type="body"/>
+            <p:ph type="body" idx="1"/>
           </p:nvPr>
         </p:nvSpPr>
         <p:spPr>
@@ -1069,12 +1099,12 @@
           </a:prstGeom>
         </p:spPr>
         <p:txBody>
-          <a:bodyPr anchorCtr="0" anchor="t" bIns="91425" lIns="91425" spcFirstLastPara="1" rIns="91425" wrap="square" tIns="91425">
+          <a:bodyPr spcFirstLastPara="1" wrap="square" lIns="91425" tIns="91425" rIns="91425" bIns="91425" anchor="t" anchorCtr="0">
             <a:noAutofit/>
           </a:bodyPr>
           <a:lstStyle/>
           <a:p>
-            <a:pPr indent="0" lvl="0" marL="0" rtl="0" algn="l">
+            <a:pPr marL="0" lvl="0" indent="0" algn="l" rtl="0">
               <a:spcBef>
                 <a:spcPts val="0"/>
               </a:spcBef>
@@ -1083,9 +1113,6 @@
               </a:spcAft>
               <a:buNone/>
             </a:pPr>
-            <a:r>
-              <a:t/>
-            </a:r>
             <a:endParaRPr/>
           </a:p>
         </p:txBody>
@@ -1099,11 +1126,11 @@
 </file>
 
 <file path=ppt/notesSlides/notesSlide3.xml><?xml version="1.0" encoding="utf-8"?>
-<p:notes xmlns:a="http://schemas.openxmlformats.org/drawingml/2006/main" xmlns:r="http://schemas.openxmlformats.org/officeDocument/2006/relationships" xmlns:mc="http://schemas.openxmlformats.org/markup-compatibility/2006" xmlns:mv="urn:schemas-microsoft-com:mac:vml" xmlns:p="http://schemas.openxmlformats.org/presentationml/2006/main" xmlns:c="http://schemas.openxmlformats.org/drawingml/2006/chart" xmlns:dgm="http://schemas.openxmlformats.org/drawingml/2006/diagram" xmlns:o="urn:schemas-microsoft-com:office:office" xmlns:v="urn:schemas-microsoft-com:vml" xmlns:pvml="urn:schemas-microsoft-com:office:powerpoint" xmlns:com="http://schemas.openxmlformats.org/drawingml/2006/compatibility" xmlns:p14="http://schemas.microsoft.com/office/powerpoint/2010/main" xmlns:p15="http://schemas.microsoft.com/office/powerpoint/2012/main" showMasterPhAnim="0" showMasterSp="0">
+<p:notes xmlns:a="http://schemas.openxmlformats.org/drawingml/2006/main" xmlns:r="http://schemas.openxmlformats.org/officeDocument/2006/relationships" xmlns:p="http://schemas.openxmlformats.org/presentationml/2006/main" showMasterSp="0" showMasterPhAnim="0">
   <p:cSld>
     <p:spTree>
       <p:nvGrpSpPr>
-        <p:cNvPr id="68" name="Shape 68"/>
+        <p:cNvPr id="1" name="Shape 68"/>
         <p:cNvGrpSpPr/>
         <p:nvPr/>
       </p:nvGrpSpPr>
@@ -1118,9 +1145,11 @@
       <p:sp>
         <p:nvSpPr>
           <p:cNvPr id="69" name="Google Shape;69;g4a3ed87189_0_0:notes"/>
-          <p:cNvSpPr/>
+          <p:cNvSpPr>
+            <a:spLocks noGrp="1" noRot="1" noChangeAspect="1"/>
+          </p:cNvSpPr>
           <p:nvPr>
-            <p:ph idx="2" type="sldImg"/>
+            <p:ph type="sldImg" idx="2"/>
           </p:nvPr>
         </p:nvSpPr>
         <p:spPr>
@@ -1129,9 +1158,13 @@
             <a:ext cx="6096000" cy="3429000"/>
           </a:xfrm>
           <a:custGeom>
-            <a:rect b="b" l="l" r="r" t="t"/>
+            <a:avLst/>
+            <a:gdLst/>
+            <a:ahLst/>
+            <a:cxnLst/>
+            <a:rect l="l" t="t" r="r" b="b"/>
             <a:pathLst>
-              <a:path extrusionOk="0" h="120000" w="120000">
+              <a:path w="120000" h="120000" extrusionOk="0">
                 <a:moveTo>
                   <a:pt x="0" y="0"/>
                 </a:moveTo>
@@ -1153,9 +1186,11 @@
       <p:sp>
         <p:nvSpPr>
           <p:cNvPr id="70" name="Google Shape;70;g4a3ed87189_0_0:notes"/>
-          <p:cNvSpPr txBox="1"/>
+          <p:cNvSpPr txBox="1">
+            <a:spLocks noGrp="1"/>
+          </p:cNvSpPr>
           <p:nvPr>
-            <p:ph idx="1" type="body"/>
+            <p:ph type="body" idx="1"/>
           </p:nvPr>
         </p:nvSpPr>
         <p:spPr>
@@ -1168,12 +1203,12 @@
           </a:prstGeom>
         </p:spPr>
         <p:txBody>
-          <a:bodyPr anchorCtr="0" anchor="t" bIns="91425" lIns="91425" spcFirstLastPara="1" rIns="91425" wrap="square" tIns="91425">
+          <a:bodyPr spcFirstLastPara="1" wrap="square" lIns="91425" tIns="91425" rIns="91425" bIns="91425" anchor="t" anchorCtr="0">
             <a:noAutofit/>
           </a:bodyPr>
           <a:lstStyle/>
           <a:p>
-            <a:pPr indent="0" lvl="0" marL="0" rtl="0" algn="l">
+            <a:pPr marL="0" lvl="0" indent="0" algn="l" rtl="0">
               <a:spcBef>
                 <a:spcPts val="0"/>
               </a:spcBef>
@@ -1182,9 +1217,6 @@
               </a:spcAft>
               <a:buNone/>
             </a:pPr>
-            <a:r>
-              <a:t/>
-            </a:r>
             <a:endParaRPr/>
           </a:p>
         </p:txBody>
@@ -1198,11 +1230,11 @@
 </file>
 
 <file path=ppt/notesSlides/notesSlide4.xml><?xml version="1.0" encoding="utf-8"?>
-<p:notes xmlns:a="http://schemas.openxmlformats.org/drawingml/2006/main" xmlns:r="http://schemas.openxmlformats.org/officeDocument/2006/relationships" xmlns:mc="http://schemas.openxmlformats.org/markup-compatibility/2006" xmlns:mv="urn:schemas-microsoft-com:mac:vml" xmlns:p="http://schemas.openxmlformats.org/presentationml/2006/main" xmlns:c="http://schemas.openxmlformats.org/drawingml/2006/chart" xmlns:dgm="http://schemas.openxmlformats.org/drawingml/2006/diagram" xmlns:o="urn:schemas-microsoft-com:office:office" xmlns:v="urn:schemas-microsoft-com:vml" xmlns:pvml="urn:schemas-microsoft-com:office:powerpoint" xmlns:com="http://schemas.openxmlformats.org/drawingml/2006/compatibility" xmlns:p14="http://schemas.microsoft.com/office/powerpoint/2010/main" xmlns:p15="http://schemas.microsoft.com/office/powerpoint/2012/main" showMasterPhAnim="0" showMasterSp="0">
+<p:notes xmlns:a="http://schemas.openxmlformats.org/drawingml/2006/main" xmlns:r="http://schemas.openxmlformats.org/officeDocument/2006/relationships" xmlns:p="http://schemas.openxmlformats.org/presentationml/2006/main" showMasterSp="0" showMasterPhAnim="0">
   <p:cSld>
     <p:spTree>
       <p:nvGrpSpPr>
-        <p:cNvPr id="74" name="Shape 74"/>
+        <p:cNvPr id="1" name="Shape 74"/>
         <p:cNvGrpSpPr/>
         <p:nvPr/>
       </p:nvGrpSpPr>
@@ -1217,9 +1249,11 @@
       <p:sp>
         <p:nvSpPr>
           <p:cNvPr id="75" name="Google Shape;75;g4a3ed87189_0_25:notes"/>
-          <p:cNvSpPr/>
+          <p:cNvSpPr>
+            <a:spLocks noGrp="1" noRot="1" noChangeAspect="1"/>
+          </p:cNvSpPr>
           <p:nvPr>
-            <p:ph idx="2" type="sldImg"/>
+            <p:ph type="sldImg" idx="2"/>
           </p:nvPr>
         </p:nvSpPr>
         <p:spPr>
@@ -1228,9 +1262,13 @@
             <a:ext cx="6096000" cy="3429000"/>
           </a:xfrm>
           <a:custGeom>
-            <a:rect b="b" l="l" r="r" t="t"/>
+            <a:avLst/>
+            <a:gdLst/>
+            <a:ahLst/>
+            <a:cxnLst/>
+            <a:rect l="l" t="t" r="r" b="b"/>
             <a:pathLst>
-              <a:path extrusionOk="0" h="120000" w="120000">
+              <a:path w="120000" h="120000" extrusionOk="0">
                 <a:moveTo>
                   <a:pt x="0" y="0"/>
                 </a:moveTo>
@@ -1252,9 +1290,11 @@
       <p:sp>
         <p:nvSpPr>
           <p:cNvPr id="76" name="Google Shape;76;g4a3ed87189_0_25:notes"/>
-          <p:cNvSpPr txBox="1"/>
+          <p:cNvSpPr txBox="1">
+            <a:spLocks noGrp="1"/>
+          </p:cNvSpPr>
           <p:nvPr>
-            <p:ph idx="1" type="body"/>
+            <p:ph type="body" idx="1"/>
           </p:nvPr>
         </p:nvSpPr>
         <p:spPr>
@@ -1267,12 +1307,12 @@
           </a:prstGeom>
         </p:spPr>
         <p:txBody>
-          <a:bodyPr anchorCtr="0" anchor="t" bIns="91425" lIns="91425" spcFirstLastPara="1" rIns="91425" wrap="square" tIns="91425">
+          <a:bodyPr spcFirstLastPara="1" wrap="square" lIns="91425" tIns="91425" rIns="91425" bIns="91425" anchor="t" anchorCtr="0">
             <a:noAutofit/>
           </a:bodyPr>
           <a:lstStyle/>
           <a:p>
-            <a:pPr indent="0" lvl="0" marL="0" rtl="0" algn="l">
+            <a:pPr marL="0" lvl="0" indent="0" algn="l" rtl="0">
               <a:spcBef>
                 <a:spcPts val="0"/>
               </a:spcBef>
@@ -1281,9 +1321,6 @@
               </a:spcAft>
               <a:buNone/>
             </a:pPr>
-            <a:r>
-              <a:t/>
-            </a:r>
             <a:endParaRPr/>
           </a:p>
         </p:txBody>
@@ -1297,11 +1334,11 @@
 </file>
 
 <file path=ppt/notesSlides/notesSlide5.xml><?xml version="1.0" encoding="utf-8"?>
-<p:notes xmlns:a="http://schemas.openxmlformats.org/drawingml/2006/main" xmlns:r="http://schemas.openxmlformats.org/officeDocument/2006/relationships" xmlns:mc="http://schemas.openxmlformats.org/markup-compatibility/2006" xmlns:mv="urn:schemas-microsoft-com:mac:vml" xmlns:p="http://schemas.openxmlformats.org/presentationml/2006/main" xmlns:c="http://schemas.openxmlformats.org/drawingml/2006/chart" xmlns:dgm="http://schemas.openxmlformats.org/drawingml/2006/diagram" xmlns:o="urn:schemas-microsoft-com:office:office" xmlns:v="urn:schemas-microsoft-com:vml" xmlns:pvml="urn:schemas-microsoft-com:office:powerpoint" xmlns:com="http://schemas.openxmlformats.org/drawingml/2006/compatibility" xmlns:p14="http://schemas.microsoft.com/office/powerpoint/2010/main" xmlns:p15="http://schemas.microsoft.com/office/powerpoint/2012/main" showMasterPhAnim="0" showMasterSp="0">
+<p:notes xmlns:a="http://schemas.openxmlformats.org/drawingml/2006/main" xmlns:r="http://schemas.openxmlformats.org/officeDocument/2006/relationships" xmlns:p="http://schemas.openxmlformats.org/presentationml/2006/main" showMasterSp="0" showMasterPhAnim="0">
   <p:cSld>
     <p:spTree>
       <p:nvGrpSpPr>
-        <p:cNvPr id="115" name="Shape 115"/>
+        <p:cNvPr id="1" name="Shape 115"/>
         <p:cNvGrpSpPr/>
         <p:nvPr/>
       </p:nvGrpSpPr>
@@ -1316,9 +1353,11 @@
       <p:sp>
         <p:nvSpPr>
           <p:cNvPr id="116" name="Google Shape;116;g4a3ed87189_0_20:notes"/>
-          <p:cNvSpPr/>
+          <p:cNvSpPr>
+            <a:spLocks noGrp="1" noRot="1" noChangeAspect="1"/>
+          </p:cNvSpPr>
           <p:nvPr>
-            <p:ph idx="2" type="sldImg"/>
+            <p:ph type="sldImg" idx="2"/>
           </p:nvPr>
         </p:nvSpPr>
         <p:spPr>
@@ -1327,9 +1366,13 @@
             <a:ext cx="6096000" cy="3429000"/>
           </a:xfrm>
           <a:custGeom>
-            <a:rect b="b" l="l" r="r" t="t"/>
+            <a:avLst/>
+            <a:gdLst/>
+            <a:ahLst/>
+            <a:cxnLst/>
+            <a:rect l="l" t="t" r="r" b="b"/>
             <a:pathLst>
-              <a:path extrusionOk="0" h="120000" w="120000">
+              <a:path w="120000" h="120000" extrusionOk="0">
                 <a:moveTo>
                   <a:pt x="0" y="0"/>
                 </a:moveTo>
@@ -1351,9 +1394,11 @@
       <p:sp>
         <p:nvSpPr>
           <p:cNvPr id="117" name="Google Shape;117;g4a3ed87189_0_20:notes"/>
-          <p:cNvSpPr txBox="1"/>
+          <p:cNvSpPr txBox="1">
+            <a:spLocks noGrp="1"/>
+          </p:cNvSpPr>
           <p:nvPr>
-            <p:ph idx="1" type="body"/>
+            <p:ph type="body" idx="1"/>
           </p:nvPr>
         </p:nvSpPr>
         <p:spPr>
@@ -1366,12 +1411,12 @@
           </a:prstGeom>
         </p:spPr>
         <p:txBody>
-          <a:bodyPr anchorCtr="0" anchor="t" bIns="91425" lIns="91425" spcFirstLastPara="1" rIns="91425" wrap="square" tIns="91425">
+          <a:bodyPr spcFirstLastPara="1" wrap="square" lIns="91425" tIns="91425" rIns="91425" bIns="91425" anchor="t" anchorCtr="0">
             <a:noAutofit/>
           </a:bodyPr>
           <a:lstStyle/>
           <a:p>
-            <a:pPr indent="0" lvl="0" marL="0" rtl="0" algn="l">
+            <a:pPr marL="0" lvl="0" indent="0" algn="l" rtl="0">
               <a:spcBef>
                 <a:spcPts val="0"/>
               </a:spcBef>
@@ -1380,9 +1425,6 @@
               </a:spcAft>
               <a:buNone/>
             </a:pPr>
-            <a:r>
-              <a:t/>
-            </a:r>
             <a:endParaRPr/>
           </a:p>
         </p:txBody>
@@ -1396,11 +1438,11 @@
 </file>
 
 <file path=ppt/notesSlides/notesSlide6.xml><?xml version="1.0" encoding="utf-8"?>
-<p:notes xmlns:a="http://schemas.openxmlformats.org/drawingml/2006/main" xmlns:r="http://schemas.openxmlformats.org/officeDocument/2006/relationships" xmlns:mc="http://schemas.openxmlformats.org/markup-compatibility/2006" xmlns:mv="urn:schemas-microsoft-com:mac:vml" xmlns:p="http://schemas.openxmlformats.org/presentationml/2006/main" xmlns:c="http://schemas.openxmlformats.org/drawingml/2006/chart" xmlns:dgm="http://schemas.openxmlformats.org/drawingml/2006/diagram" xmlns:o="urn:schemas-microsoft-com:office:office" xmlns:v="urn:schemas-microsoft-com:vml" xmlns:pvml="urn:schemas-microsoft-com:office:powerpoint" xmlns:com="http://schemas.openxmlformats.org/drawingml/2006/compatibility" xmlns:p14="http://schemas.microsoft.com/office/powerpoint/2010/main" xmlns:p15="http://schemas.microsoft.com/office/powerpoint/2012/main" showMasterPhAnim="0" showMasterSp="0">
+<p:notes xmlns:a="http://schemas.openxmlformats.org/drawingml/2006/main" xmlns:r="http://schemas.openxmlformats.org/officeDocument/2006/relationships" xmlns:p="http://schemas.openxmlformats.org/presentationml/2006/main" showMasterSp="0" showMasterPhAnim="0">
   <p:cSld>
     <p:spTree>
       <p:nvGrpSpPr>
-        <p:cNvPr id="121" name="Shape 121"/>
+        <p:cNvPr id="1" name="Shape 121"/>
         <p:cNvGrpSpPr/>
         <p:nvPr/>
       </p:nvGrpSpPr>
@@ -1415,9 +1457,11 @@
       <p:sp>
         <p:nvSpPr>
           <p:cNvPr id="122" name="Google Shape;122;g4a3ed87189_0_102:notes"/>
-          <p:cNvSpPr/>
+          <p:cNvSpPr>
+            <a:spLocks noGrp="1" noRot="1" noChangeAspect="1"/>
+          </p:cNvSpPr>
           <p:nvPr>
-            <p:ph idx="2" type="sldImg"/>
+            <p:ph type="sldImg" idx="2"/>
           </p:nvPr>
         </p:nvSpPr>
         <p:spPr>
@@ -1426,9 +1470,13 @@
             <a:ext cx="6096000" cy="3429000"/>
           </a:xfrm>
           <a:custGeom>
-            <a:rect b="b" l="l" r="r" t="t"/>
+            <a:avLst/>
+            <a:gdLst/>
+            <a:ahLst/>
+            <a:cxnLst/>
+            <a:rect l="l" t="t" r="r" b="b"/>
             <a:pathLst>
-              <a:path extrusionOk="0" h="120000" w="120000">
+              <a:path w="120000" h="120000" extrusionOk="0">
                 <a:moveTo>
                   <a:pt x="0" y="0"/>
                 </a:moveTo>
@@ -1450,9 +1498,11 @@
       <p:sp>
         <p:nvSpPr>
           <p:cNvPr id="123" name="Google Shape;123;g4a3ed87189_0_102:notes"/>
-          <p:cNvSpPr txBox="1"/>
+          <p:cNvSpPr txBox="1">
+            <a:spLocks noGrp="1"/>
+          </p:cNvSpPr>
           <p:nvPr>
-            <p:ph idx="1" type="body"/>
+            <p:ph type="body" idx="1"/>
           </p:nvPr>
         </p:nvSpPr>
         <p:spPr>
@@ -1465,12 +1515,12 @@
           </a:prstGeom>
         </p:spPr>
         <p:txBody>
-          <a:bodyPr anchorCtr="0" anchor="t" bIns="91425" lIns="91425" spcFirstLastPara="1" rIns="91425" wrap="square" tIns="91425">
+          <a:bodyPr spcFirstLastPara="1" wrap="square" lIns="91425" tIns="91425" rIns="91425" bIns="91425" anchor="t" anchorCtr="0">
             <a:noAutofit/>
           </a:bodyPr>
           <a:lstStyle/>
           <a:p>
-            <a:pPr indent="0" lvl="0" marL="0" rtl="0" algn="l">
+            <a:pPr marL="0" lvl="0" indent="0" algn="l" rtl="0">
               <a:spcBef>
                 <a:spcPts val="0"/>
               </a:spcBef>
@@ -1479,9 +1529,6 @@
               </a:spcAft>
               <a:buNone/>
             </a:pPr>
-            <a:r>
-              <a:t/>
-            </a:r>
             <a:endParaRPr/>
           </a:p>
         </p:txBody>
@@ -1495,11 +1542,11 @@
 </file>
 
 <file path=ppt/notesSlides/notesSlide7.xml><?xml version="1.0" encoding="utf-8"?>
-<p:notes xmlns:a="http://schemas.openxmlformats.org/drawingml/2006/main" xmlns:r="http://schemas.openxmlformats.org/officeDocument/2006/relationships" xmlns:mc="http://schemas.openxmlformats.org/markup-compatibility/2006" xmlns:mv="urn:schemas-microsoft-com:mac:vml" xmlns:p="http://schemas.openxmlformats.org/presentationml/2006/main" xmlns:c="http://schemas.openxmlformats.org/drawingml/2006/chart" xmlns:dgm="http://schemas.openxmlformats.org/drawingml/2006/diagram" xmlns:o="urn:schemas-microsoft-com:office:office" xmlns:v="urn:schemas-microsoft-com:vml" xmlns:pvml="urn:schemas-microsoft-com:office:powerpoint" xmlns:com="http://schemas.openxmlformats.org/drawingml/2006/compatibility" xmlns:p14="http://schemas.microsoft.com/office/powerpoint/2010/main" xmlns:p15="http://schemas.microsoft.com/office/powerpoint/2012/main" showMasterPhAnim="0" showMasterSp="0">
+<p:notes xmlns:a="http://schemas.openxmlformats.org/drawingml/2006/main" xmlns:r="http://schemas.openxmlformats.org/officeDocument/2006/relationships" xmlns:p="http://schemas.openxmlformats.org/presentationml/2006/main" showMasterSp="0" showMasterPhAnim="0">
   <p:cSld>
     <p:spTree>
       <p:nvGrpSpPr>
-        <p:cNvPr id="127" name="Shape 127"/>
+        <p:cNvPr id="1" name="Shape 127"/>
         <p:cNvGrpSpPr/>
         <p:nvPr/>
       </p:nvGrpSpPr>
@@ -1514,9 +1561,11 @@
       <p:sp>
         <p:nvSpPr>
           <p:cNvPr id="128" name="Google Shape;128;g4a3ed87189_0_107:notes"/>
-          <p:cNvSpPr/>
+          <p:cNvSpPr>
+            <a:spLocks noGrp="1" noRot="1" noChangeAspect="1"/>
+          </p:cNvSpPr>
           <p:nvPr>
-            <p:ph idx="2" type="sldImg"/>
+            <p:ph type="sldImg" idx="2"/>
           </p:nvPr>
         </p:nvSpPr>
         <p:spPr>
@@ -1525,9 +1574,13 @@
             <a:ext cx="6096000" cy="3429000"/>
           </a:xfrm>
           <a:custGeom>
-            <a:rect b="b" l="l" r="r" t="t"/>
+            <a:avLst/>
+            <a:gdLst/>
+            <a:ahLst/>
+            <a:cxnLst/>
+            <a:rect l="l" t="t" r="r" b="b"/>
             <a:pathLst>
-              <a:path extrusionOk="0" h="120000" w="120000">
+              <a:path w="120000" h="120000" extrusionOk="0">
                 <a:moveTo>
                   <a:pt x="0" y="0"/>
                 </a:moveTo>
@@ -1549,9 +1602,11 @@
       <p:sp>
         <p:nvSpPr>
           <p:cNvPr id="129" name="Google Shape;129;g4a3ed87189_0_107:notes"/>
-          <p:cNvSpPr txBox="1"/>
+          <p:cNvSpPr txBox="1">
+            <a:spLocks noGrp="1"/>
+          </p:cNvSpPr>
           <p:nvPr>
-            <p:ph idx="1" type="body"/>
+            <p:ph type="body" idx="1"/>
           </p:nvPr>
         </p:nvSpPr>
         <p:spPr>
@@ -1564,12 +1619,12 @@
           </a:prstGeom>
         </p:spPr>
         <p:txBody>
-          <a:bodyPr anchorCtr="0" anchor="t" bIns="91425" lIns="91425" spcFirstLastPara="1" rIns="91425" wrap="square" tIns="91425">
+          <a:bodyPr spcFirstLastPara="1" wrap="square" lIns="91425" tIns="91425" rIns="91425" bIns="91425" anchor="t" anchorCtr="0">
             <a:noAutofit/>
           </a:bodyPr>
           <a:lstStyle/>
           <a:p>
-            <a:pPr indent="0" lvl="0" marL="0" rtl="0" algn="l">
+            <a:pPr marL="0" lvl="0" indent="0" algn="l" rtl="0">
               <a:spcBef>
                 <a:spcPts val="0"/>
               </a:spcBef>
@@ -1578,9 +1633,6 @@
               </a:spcAft>
               <a:buNone/>
             </a:pPr>
-            <a:r>
-              <a:t/>
-            </a:r>
             <a:endParaRPr/>
           </a:p>
         </p:txBody>
@@ -1594,11 +1646,11 @@
 </file>
 
 <file path=ppt/notesSlides/notesSlide8.xml><?xml version="1.0" encoding="utf-8"?>
-<p:notes xmlns:a="http://schemas.openxmlformats.org/drawingml/2006/main" xmlns:r="http://schemas.openxmlformats.org/officeDocument/2006/relationships" xmlns:mc="http://schemas.openxmlformats.org/markup-compatibility/2006" xmlns:mv="urn:schemas-microsoft-com:mac:vml" xmlns:p="http://schemas.openxmlformats.org/presentationml/2006/main" xmlns:c="http://schemas.openxmlformats.org/drawingml/2006/chart" xmlns:dgm="http://schemas.openxmlformats.org/drawingml/2006/diagram" xmlns:o="urn:schemas-microsoft-com:office:office" xmlns:v="urn:schemas-microsoft-com:vml" xmlns:pvml="urn:schemas-microsoft-com:office:powerpoint" xmlns:com="http://schemas.openxmlformats.org/drawingml/2006/compatibility" xmlns:p14="http://schemas.microsoft.com/office/powerpoint/2010/main" xmlns:p15="http://schemas.microsoft.com/office/powerpoint/2012/main" showMasterPhAnim="0" showMasterSp="0">
+<p:notes xmlns:a="http://schemas.openxmlformats.org/drawingml/2006/main" xmlns:r="http://schemas.openxmlformats.org/officeDocument/2006/relationships" xmlns:p="http://schemas.openxmlformats.org/presentationml/2006/main" showMasterSp="0" showMasterPhAnim="0">
   <p:cSld>
     <p:spTree>
       <p:nvGrpSpPr>
-        <p:cNvPr id="133" name="Shape 133"/>
+        <p:cNvPr id="1" name="Shape 133"/>
         <p:cNvGrpSpPr/>
         <p:nvPr/>
       </p:nvGrpSpPr>
@@ -1613,9 +1665,11 @@
       <p:sp>
         <p:nvSpPr>
           <p:cNvPr id="134" name="Google Shape;134;g4a3ed87189_0_112:notes"/>
-          <p:cNvSpPr/>
+          <p:cNvSpPr>
+            <a:spLocks noGrp="1" noRot="1" noChangeAspect="1"/>
+          </p:cNvSpPr>
           <p:nvPr>
-            <p:ph idx="2" type="sldImg"/>
+            <p:ph type="sldImg" idx="2"/>
           </p:nvPr>
         </p:nvSpPr>
         <p:spPr>
@@ -1624,9 +1678,13 @@
             <a:ext cx="6096000" cy="3429000"/>
           </a:xfrm>
           <a:custGeom>
-            <a:rect b="b" l="l" r="r" t="t"/>
+            <a:avLst/>
+            <a:gdLst/>
+            <a:ahLst/>
+            <a:cxnLst/>
+            <a:rect l="l" t="t" r="r" b="b"/>
             <a:pathLst>
-              <a:path extrusionOk="0" h="120000" w="120000">
+              <a:path w="120000" h="120000" extrusionOk="0">
                 <a:moveTo>
                   <a:pt x="0" y="0"/>
                 </a:moveTo>
@@ -1648,9 +1706,11 @@
       <p:sp>
         <p:nvSpPr>
           <p:cNvPr id="135" name="Google Shape;135;g4a3ed87189_0_112:notes"/>
-          <p:cNvSpPr txBox="1"/>
+          <p:cNvSpPr txBox="1">
+            <a:spLocks noGrp="1"/>
+          </p:cNvSpPr>
           <p:nvPr>
-            <p:ph idx="1" type="body"/>
+            <p:ph type="body" idx="1"/>
           </p:nvPr>
         </p:nvSpPr>
         <p:spPr>
@@ -1663,12 +1723,12 @@
           </a:prstGeom>
         </p:spPr>
         <p:txBody>
-          <a:bodyPr anchorCtr="0" anchor="t" bIns="91425" lIns="91425" spcFirstLastPara="1" rIns="91425" wrap="square" tIns="91425">
+          <a:bodyPr spcFirstLastPara="1" wrap="square" lIns="91425" tIns="91425" rIns="91425" bIns="91425" anchor="t" anchorCtr="0">
             <a:noAutofit/>
           </a:bodyPr>
           <a:lstStyle/>
           <a:p>
-            <a:pPr indent="0" lvl="0" marL="0" rtl="0" algn="l">
+            <a:pPr marL="0" lvl="0" indent="0" algn="l" rtl="0">
               <a:spcBef>
                 <a:spcPts val="0"/>
               </a:spcBef>
@@ -1677,9 +1737,6 @@
               </a:spcAft>
               <a:buNone/>
             </a:pPr>
-            <a:r>
-              <a:t/>
-            </a:r>
             <a:endParaRPr/>
           </a:p>
         </p:txBody>
@@ -1693,11 +1750,11 @@
 </file>
 
 <file path=ppt/notesSlides/notesSlide9.xml><?xml version="1.0" encoding="utf-8"?>
-<p:notes xmlns:a="http://schemas.openxmlformats.org/drawingml/2006/main" xmlns:r="http://schemas.openxmlformats.org/officeDocument/2006/relationships" xmlns:mc="http://schemas.openxmlformats.org/markup-compatibility/2006" xmlns:mv="urn:schemas-microsoft-com:mac:vml" xmlns:p="http://schemas.openxmlformats.org/presentationml/2006/main" xmlns:c="http://schemas.openxmlformats.org/drawingml/2006/chart" xmlns:dgm="http://schemas.openxmlformats.org/drawingml/2006/diagram" xmlns:o="urn:schemas-microsoft-com:office:office" xmlns:v="urn:schemas-microsoft-com:vml" xmlns:pvml="urn:schemas-microsoft-com:office:powerpoint" xmlns:com="http://schemas.openxmlformats.org/drawingml/2006/compatibility" xmlns:p14="http://schemas.microsoft.com/office/powerpoint/2010/main" xmlns:p15="http://schemas.microsoft.com/office/powerpoint/2012/main" showMasterPhAnim="0" showMasterSp="0">
+<p:notes xmlns:a="http://schemas.openxmlformats.org/drawingml/2006/main" xmlns:r="http://schemas.openxmlformats.org/officeDocument/2006/relationships" xmlns:p="http://schemas.openxmlformats.org/presentationml/2006/main" showMasterSp="0" showMasterPhAnim="0">
   <p:cSld>
     <p:spTree>
       <p:nvGrpSpPr>
-        <p:cNvPr id="139" name="Shape 139"/>
+        <p:cNvPr id="1" name="Shape 139"/>
         <p:cNvGrpSpPr/>
         <p:nvPr/>
       </p:nvGrpSpPr>
@@ -1712,9 +1769,11 @@
       <p:sp>
         <p:nvSpPr>
           <p:cNvPr id="140" name="Google Shape;140;g4a3ed87189_0_5:notes"/>
-          <p:cNvSpPr/>
+          <p:cNvSpPr>
+            <a:spLocks noGrp="1" noRot="1" noChangeAspect="1"/>
+          </p:cNvSpPr>
           <p:nvPr>
-            <p:ph idx="2" type="sldImg"/>
+            <p:ph type="sldImg" idx="2"/>
           </p:nvPr>
         </p:nvSpPr>
         <p:spPr>
@@ -1723,9 +1782,13 @@
             <a:ext cx="6096000" cy="3429000"/>
           </a:xfrm>
           <a:custGeom>
-            <a:rect b="b" l="l" r="r" t="t"/>
+            <a:avLst/>
+            <a:gdLst/>
+            <a:ahLst/>
+            <a:cxnLst/>
+            <a:rect l="l" t="t" r="r" b="b"/>
             <a:pathLst>
-              <a:path extrusionOk="0" h="120000" w="120000">
+              <a:path w="120000" h="120000" extrusionOk="0">
                 <a:moveTo>
                   <a:pt x="0" y="0"/>
                 </a:moveTo>
@@ -1747,9 +1810,11 @@
       <p:sp>
         <p:nvSpPr>
           <p:cNvPr id="141" name="Google Shape;141;g4a3ed87189_0_5:notes"/>
-          <p:cNvSpPr txBox="1"/>
+          <p:cNvSpPr txBox="1">
+            <a:spLocks noGrp="1"/>
+          </p:cNvSpPr>
           <p:nvPr>
-            <p:ph idx="1" type="body"/>
+            <p:ph type="body" idx="1"/>
           </p:nvPr>
         </p:nvSpPr>
         <p:spPr>
@@ -1762,12 +1827,12 @@
           </a:prstGeom>
         </p:spPr>
         <p:txBody>
-          <a:bodyPr anchorCtr="0" anchor="t" bIns="91425" lIns="91425" spcFirstLastPara="1" rIns="91425" wrap="square" tIns="91425">
+          <a:bodyPr spcFirstLastPara="1" wrap="square" lIns="91425" tIns="91425" rIns="91425" bIns="91425" anchor="t" anchorCtr="0">
             <a:noAutofit/>
           </a:bodyPr>
           <a:lstStyle/>
           <a:p>
-            <a:pPr indent="0" lvl="0" marL="0" rtl="0" algn="l">
+            <a:pPr marL="0" lvl="0" indent="0" algn="l" rtl="0">
               <a:spcBef>
                 <a:spcPts val="0"/>
               </a:spcBef>
@@ -1776,9 +1841,6 @@
               </a:spcAft>
               <a:buNone/>
             </a:pPr>
-            <a:r>
-              <a:t/>
-            </a:r>
             <a:endParaRPr/>
           </a:p>
         </p:txBody>
@@ -1792,18 +1854,19 @@
 </file>
 
 <file path=ppt/slideLayouts/slideLayout1.xml><?xml version="1.0" encoding="utf-8"?>
-<p:sldLayout xmlns:a="http://schemas.openxmlformats.org/drawingml/2006/main" xmlns:r="http://schemas.openxmlformats.org/officeDocument/2006/relationships" xmlns:mc="http://schemas.openxmlformats.org/markup-compatibility/2006" xmlns:mv="urn:schemas-microsoft-com:mac:vml" xmlns:p="http://schemas.openxmlformats.org/presentationml/2006/main" xmlns:c="http://schemas.openxmlformats.org/drawingml/2006/chart" xmlns:dgm="http://schemas.openxmlformats.org/drawingml/2006/diagram" xmlns:o="urn:schemas-microsoft-com:office:office" xmlns:v="urn:schemas-microsoft-com:vml" xmlns:pvml="urn:schemas-microsoft-com:office:powerpoint" xmlns:com="http://schemas.openxmlformats.org/drawingml/2006/compatibility" xmlns:p14="http://schemas.microsoft.com/office/powerpoint/2010/main" xmlns:p15="http://schemas.microsoft.com/office/powerpoint/2012/main" matchingName="Title slide" type="title">
+<p:sldLayout xmlns:a="http://schemas.openxmlformats.org/drawingml/2006/main" xmlns:r="http://schemas.openxmlformats.org/officeDocument/2006/relationships" xmlns:p="http://schemas.openxmlformats.org/presentationml/2006/main" matchingName="Title slide" type="title">
   <p:cSld name="TITLE">
     <p:bg>
       <p:bgPr>
         <a:solidFill>
           <a:schemeClr val="dk1"/>
         </a:solidFill>
+        <a:effectLst/>
       </p:bgPr>
     </p:bg>
     <p:spTree>
       <p:nvGrpSpPr>
-        <p:cNvPr id="9" name="Shape 9"/>
+        <p:cNvPr id="1" name="Shape 9"/>
         <p:cNvGrpSpPr/>
         <p:nvPr/>
       </p:nvGrpSpPr>
@@ -1837,12 +1900,12 @@
           </a:ln>
         </p:spPr>
         <p:txBody>
-          <a:bodyPr anchorCtr="0" anchor="ctr" bIns="91425" lIns="91425" spcFirstLastPara="1" rIns="91425" wrap="square" tIns="91425">
+          <a:bodyPr spcFirstLastPara="1" wrap="square" lIns="91425" tIns="91425" rIns="91425" bIns="91425" anchor="ctr" anchorCtr="0">
             <a:noAutofit/>
           </a:bodyPr>
           <a:lstStyle/>
           <a:p>
-            <a:pPr indent="0" lvl="0" marL="0" rtl="0" algn="l">
+            <a:pPr marL="0" lvl="0" indent="0" algn="l" rtl="0">
               <a:spcBef>
                 <a:spcPts val="0"/>
               </a:spcBef>
@@ -1851,9 +1914,6 @@
               </a:spcAft>
               <a:buNone/>
             </a:pPr>
-            <a:r>
-              <a:t/>
-            </a:r>
             <a:endParaRPr/>
           </a:p>
         </p:txBody>
@@ -1873,21 +1933,23 @@
             <a:avLst/>
           </a:prstGeom>
           <a:noFill/>
-          <a:ln cap="flat" cmpd="sng" w="28575">
+          <a:ln w="28575" cap="flat" cmpd="sng">
             <a:solidFill>
               <a:schemeClr val="accent1"/>
             </a:solidFill>
             <a:prstDash val="solid"/>
             <a:round/>
-            <a:headEnd len="sm" w="sm" type="none"/>
-            <a:tailEnd len="sm" w="sm" type="none"/>
+            <a:headEnd type="none" w="sm" len="sm"/>
+            <a:tailEnd type="none" w="sm" len="sm"/>
           </a:ln>
         </p:spPr>
       </p:cxnSp>
       <p:sp>
         <p:nvSpPr>
           <p:cNvPr id="12" name="Google Shape;12;p2"/>
-          <p:cNvSpPr txBox="1"/>
+          <p:cNvSpPr txBox="1">
+            <a:spLocks noGrp="1"/>
+          </p:cNvSpPr>
           <p:nvPr>
             <p:ph type="ctrTitle"/>
           </p:nvPr>
@@ -1902,7 +1964,7 @@
           </a:prstGeom>
         </p:spPr>
         <p:txBody>
-          <a:bodyPr anchorCtr="0" anchor="b" bIns="91425" lIns="91425" spcFirstLastPara="1" rIns="91425" wrap="square" tIns="91425"/>
+          <a:bodyPr spcFirstLastPara="1" wrap="square" lIns="91425" tIns="91425" rIns="91425" bIns="91425" anchor="b" anchorCtr="0"/>
           <a:lstStyle>
             <a:lvl1pPr lvl="0">
               <a:spcBef>
@@ -2067,15 +2129,19 @@
               </a:defRPr>
             </a:lvl9pPr>
           </a:lstStyle>
-          <a:p/>
+          <a:p>
+            <a:endParaRPr/>
+          </a:p>
         </p:txBody>
       </p:sp>
       <p:sp>
         <p:nvSpPr>
           <p:cNvPr id="13" name="Google Shape;13;p2"/>
-          <p:cNvSpPr txBox="1"/>
+          <p:cNvSpPr txBox="1">
+            <a:spLocks noGrp="1"/>
+          </p:cNvSpPr>
           <p:nvPr>
-            <p:ph idx="1" type="subTitle"/>
+            <p:ph type="subTitle" idx="1"/>
           </p:nvPr>
         </p:nvSpPr>
         <p:spPr>
@@ -2088,7 +2154,7 @@
           </a:prstGeom>
         </p:spPr>
         <p:txBody>
-          <a:bodyPr anchorCtr="0" anchor="t" bIns="91425" lIns="91425" spcFirstLastPara="1" rIns="91425" wrap="square" tIns="91425"/>
+          <a:bodyPr spcFirstLastPara="1" wrap="square" lIns="91425" tIns="91425" rIns="91425" bIns="91425" anchor="t" anchorCtr="0"/>
           <a:lstStyle>
             <a:lvl1pPr lvl="0">
               <a:lnSpc>
@@ -2280,15 +2346,19 @@
               </a:defRPr>
             </a:lvl9pPr>
           </a:lstStyle>
-          <a:p/>
+          <a:p>
+            <a:endParaRPr/>
+          </a:p>
         </p:txBody>
       </p:sp>
       <p:sp>
         <p:nvSpPr>
           <p:cNvPr id="14" name="Google Shape;14;p2"/>
-          <p:cNvSpPr txBox="1"/>
+          <p:cNvSpPr txBox="1">
+            <a:spLocks noGrp="1"/>
+          </p:cNvSpPr>
           <p:nvPr>
-            <p:ph idx="12" type="sldNum"/>
+            <p:ph type="sldNum" idx="12"/>
           </p:nvPr>
         </p:nvSpPr>
         <p:spPr>
@@ -2301,7 +2371,7 @@
           </a:prstGeom>
         </p:spPr>
         <p:txBody>
-          <a:bodyPr anchorCtr="0" anchor="ctr" bIns="91425" lIns="91425" spcFirstLastPara="1" rIns="91425" wrap="square" tIns="91425">
+          <a:bodyPr spcFirstLastPara="1" wrap="square" lIns="91425" tIns="91425" rIns="91425" bIns="91425" anchor="ctr" anchorCtr="0">
             <a:noAutofit/>
           </a:bodyPr>
           <a:lstStyle>
@@ -2379,7 +2449,7 @@
             </a:lvl9pPr>
           </a:lstStyle>
           <a:p>
-            <a:pPr indent="0" lvl="0" marL="0" rtl="0" algn="r">
+            <a:pPr marL="0" lvl="0" indent="0" algn="r" rtl="0">
               <a:spcBef>
                 <a:spcPts val="0"/>
               </a:spcBef>
@@ -2405,11 +2475,11 @@
 </file>
 
 <file path=ppt/slideLayouts/slideLayout10.xml><?xml version="1.0" encoding="utf-8"?>
-<p:sldLayout xmlns:a="http://schemas.openxmlformats.org/drawingml/2006/main" xmlns:r="http://schemas.openxmlformats.org/officeDocument/2006/relationships" xmlns:mc="http://schemas.openxmlformats.org/markup-compatibility/2006" xmlns:mv="urn:schemas-microsoft-com:mac:vml" xmlns:p="http://schemas.openxmlformats.org/presentationml/2006/main" xmlns:c="http://schemas.openxmlformats.org/drawingml/2006/chart" xmlns:dgm="http://schemas.openxmlformats.org/drawingml/2006/diagram" xmlns:o="urn:schemas-microsoft-com:office:office" xmlns:v="urn:schemas-microsoft-com:vml" xmlns:pvml="urn:schemas-microsoft-com:office:powerpoint" xmlns:com="http://schemas.openxmlformats.org/drawingml/2006/compatibility" xmlns:p14="http://schemas.microsoft.com/office/powerpoint/2010/main" xmlns:p15="http://schemas.microsoft.com/office/powerpoint/2012/main" matchingName="Big number">
+<p:sldLayout xmlns:a="http://schemas.openxmlformats.org/drawingml/2006/main" xmlns:r="http://schemas.openxmlformats.org/officeDocument/2006/relationships" xmlns:p="http://schemas.openxmlformats.org/presentationml/2006/main" matchingName="Big number">
   <p:cSld name="BIG_NUMBER">
     <p:spTree>
       <p:nvGrpSpPr>
-        <p:cNvPr id="49" name="Shape 49"/>
+        <p:cNvPr id="1" name="Shape 49"/>
         <p:cNvGrpSpPr/>
         <p:nvPr/>
       </p:nvGrpSpPr>
@@ -2424,9 +2494,11 @@
       <p:sp>
         <p:nvSpPr>
           <p:cNvPr id="50" name="Google Shape;50;p11"/>
-          <p:cNvSpPr txBox="1"/>
+          <p:cNvSpPr txBox="1">
+            <a:spLocks noGrp="1"/>
+          </p:cNvSpPr>
           <p:nvPr>
-            <p:ph hasCustomPrompt="1" type="title"/>
+            <p:ph type="title" hasCustomPrompt="1"/>
           </p:nvPr>
         </p:nvSpPr>
         <p:spPr>
@@ -2439,7 +2511,7 @@
           </a:prstGeom>
         </p:spPr>
         <p:txBody>
-          <a:bodyPr anchorCtr="0" anchor="b" bIns="91425" lIns="91425" spcFirstLastPara="1" rIns="91425" wrap="square" tIns="91425"/>
+          <a:bodyPr spcFirstLastPara="1" wrap="square" lIns="91425" tIns="91425" rIns="91425" bIns="91425" anchor="b" anchorCtr="0"/>
           <a:lstStyle>
             <a:lvl1pPr lvl="0" algn="ctr">
               <a:spcBef>
@@ -2450,7 +2522,7 @@
               </a:spcAft>
               <a:buSzPts val="14000"/>
               <a:buNone/>
-              <a:defRPr b="1" sz="14000"/>
+              <a:defRPr sz="14000" b="1"/>
             </a:lvl1pPr>
             <a:lvl2pPr lvl="1" algn="ctr">
               <a:spcBef>
@@ -2461,7 +2533,7 @@
               </a:spcAft>
               <a:buSzPts val="14000"/>
               <a:buNone/>
-              <a:defRPr b="1" sz="14000"/>
+              <a:defRPr sz="14000" b="1"/>
             </a:lvl2pPr>
             <a:lvl3pPr lvl="2" algn="ctr">
               <a:spcBef>
@@ -2472,7 +2544,7 @@
               </a:spcAft>
               <a:buSzPts val="14000"/>
               <a:buNone/>
-              <a:defRPr b="1" sz="14000"/>
+              <a:defRPr sz="14000" b="1"/>
             </a:lvl3pPr>
             <a:lvl4pPr lvl="3" algn="ctr">
               <a:spcBef>
@@ -2483,7 +2555,7 @@
               </a:spcAft>
               <a:buSzPts val="14000"/>
               <a:buNone/>
-              <a:defRPr b="1" sz="14000"/>
+              <a:defRPr sz="14000" b="1"/>
             </a:lvl4pPr>
             <a:lvl5pPr lvl="4" algn="ctr">
               <a:spcBef>
@@ -2494,7 +2566,7 @@
               </a:spcAft>
               <a:buSzPts val="14000"/>
               <a:buNone/>
-              <a:defRPr b="1" sz="14000"/>
+              <a:defRPr sz="14000" b="1"/>
             </a:lvl5pPr>
             <a:lvl6pPr lvl="5" algn="ctr">
               <a:spcBef>
@@ -2505,7 +2577,7 @@
               </a:spcAft>
               <a:buSzPts val="14000"/>
               <a:buNone/>
-              <a:defRPr b="1" sz="14000"/>
+              <a:defRPr sz="14000" b="1"/>
             </a:lvl6pPr>
             <a:lvl7pPr lvl="6" algn="ctr">
               <a:spcBef>
@@ -2516,7 +2588,7 @@
               </a:spcAft>
               <a:buSzPts val="14000"/>
               <a:buNone/>
-              <a:defRPr b="1" sz="14000"/>
+              <a:defRPr sz="14000" b="1"/>
             </a:lvl7pPr>
             <a:lvl8pPr lvl="7" algn="ctr">
               <a:spcBef>
@@ -2527,7 +2599,7 @@
               </a:spcAft>
               <a:buSzPts val="14000"/>
               <a:buNone/>
-              <a:defRPr b="1" sz="14000"/>
+              <a:defRPr sz="14000" b="1"/>
             </a:lvl8pPr>
             <a:lvl9pPr lvl="8" algn="ctr">
               <a:spcBef>
@@ -2538,7 +2610,7 @@
               </a:spcAft>
               <a:buSzPts val="14000"/>
               <a:buNone/>
-              <a:defRPr b="1" sz="14000"/>
+              <a:defRPr sz="14000" b="1"/>
             </a:lvl9pPr>
           </a:lstStyle>
           <a:p>
@@ -2551,9 +2623,11 @@
       <p:sp>
         <p:nvSpPr>
           <p:cNvPr id="51" name="Google Shape;51;p11"/>
-          <p:cNvSpPr txBox="1"/>
+          <p:cNvSpPr txBox="1">
+            <a:spLocks noGrp="1"/>
+          </p:cNvSpPr>
           <p:nvPr>
-            <p:ph idx="1" type="body"/>
+            <p:ph type="body" idx="1"/>
           </p:nvPr>
         </p:nvSpPr>
         <p:spPr>
@@ -2566,9 +2640,9 @@
           </a:prstGeom>
         </p:spPr>
         <p:txBody>
-          <a:bodyPr anchorCtr="0" anchor="t" bIns="91425" lIns="91425" spcFirstLastPara="1" rIns="91425" wrap="square" tIns="91425"/>
+          <a:bodyPr spcFirstLastPara="1" wrap="square" lIns="91425" tIns="91425" rIns="91425" bIns="91425" anchor="t" anchorCtr="0"/>
           <a:lstStyle>
-            <a:lvl1pPr indent="-342900" lvl="0" marL="457200" algn="ctr">
+            <a:lvl1pPr marL="457200" lvl="0" indent="-342900" algn="ctr">
               <a:spcBef>
                 <a:spcPts val="0"/>
               </a:spcBef>
@@ -2579,7 +2653,7 @@
               <a:buChar char="●"/>
               <a:defRPr/>
             </a:lvl1pPr>
-            <a:lvl2pPr indent="-317500" lvl="1" marL="914400" algn="ctr">
+            <a:lvl2pPr marL="914400" lvl="1" indent="-317500" algn="ctr">
               <a:spcBef>
                 <a:spcPts val="1600"/>
               </a:spcBef>
@@ -2590,7 +2664,7 @@
               <a:buChar char="○"/>
               <a:defRPr/>
             </a:lvl2pPr>
-            <a:lvl3pPr indent="-317500" lvl="2" marL="1371600" algn="ctr">
+            <a:lvl3pPr marL="1371600" lvl="2" indent="-317500" algn="ctr">
               <a:spcBef>
                 <a:spcPts val="1600"/>
               </a:spcBef>
@@ -2601,7 +2675,7 @@
               <a:buChar char="■"/>
               <a:defRPr/>
             </a:lvl3pPr>
-            <a:lvl4pPr indent="-317500" lvl="3" marL="1828800" algn="ctr">
+            <a:lvl4pPr marL="1828800" lvl="3" indent="-317500" algn="ctr">
               <a:spcBef>
                 <a:spcPts val="1600"/>
               </a:spcBef>
@@ -2612,7 +2686,7 @@
               <a:buChar char="●"/>
               <a:defRPr/>
             </a:lvl4pPr>
-            <a:lvl5pPr indent="-317500" lvl="4" marL="2286000" algn="ctr">
+            <a:lvl5pPr marL="2286000" lvl="4" indent="-317500" algn="ctr">
               <a:spcBef>
                 <a:spcPts val="1600"/>
               </a:spcBef>
@@ -2623,7 +2697,7 @@
               <a:buChar char="○"/>
               <a:defRPr/>
             </a:lvl5pPr>
-            <a:lvl6pPr indent="-317500" lvl="5" marL="2743200" algn="ctr">
+            <a:lvl6pPr marL="2743200" lvl="5" indent="-317500" algn="ctr">
               <a:spcBef>
                 <a:spcPts val="1600"/>
               </a:spcBef>
@@ -2634,7 +2708,7 @@
               <a:buChar char="■"/>
               <a:defRPr/>
             </a:lvl6pPr>
-            <a:lvl7pPr indent="-317500" lvl="6" marL="3200400" algn="ctr">
+            <a:lvl7pPr marL="3200400" lvl="6" indent="-317500" algn="ctr">
               <a:spcBef>
                 <a:spcPts val="1600"/>
               </a:spcBef>
@@ -2645,7 +2719,7 @@
               <a:buChar char="●"/>
               <a:defRPr/>
             </a:lvl7pPr>
-            <a:lvl8pPr indent="-317500" lvl="7" marL="3657600" algn="ctr">
+            <a:lvl8pPr marL="3657600" lvl="7" indent="-317500" algn="ctr">
               <a:spcBef>
                 <a:spcPts val="1600"/>
               </a:spcBef>
@@ -2656,7 +2730,7 @@
               <a:buChar char="○"/>
               <a:defRPr/>
             </a:lvl8pPr>
-            <a:lvl9pPr indent="-317500" lvl="8" marL="4114800" algn="ctr">
+            <a:lvl9pPr marL="4114800" lvl="8" indent="-317500" algn="ctr">
               <a:spcBef>
                 <a:spcPts val="1600"/>
               </a:spcBef>
@@ -2668,15 +2742,19 @@
               <a:defRPr/>
             </a:lvl9pPr>
           </a:lstStyle>
-          <a:p/>
+          <a:p>
+            <a:endParaRPr/>
+          </a:p>
         </p:txBody>
       </p:sp>
       <p:sp>
         <p:nvSpPr>
           <p:cNvPr id="52" name="Google Shape;52;p11"/>
-          <p:cNvSpPr txBox="1"/>
+          <p:cNvSpPr txBox="1">
+            <a:spLocks noGrp="1"/>
+          </p:cNvSpPr>
           <p:nvPr>
-            <p:ph idx="12" type="sldNum"/>
+            <p:ph type="sldNum" idx="12"/>
           </p:nvPr>
         </p:nvSpPr>
         <p:spPr>
@@ -2689,7 +2767,7 @@
           </a:prstGeom>
         </p:spPr>
         <p:txBody>
-          <a:bodyPr anchorCtr="0" anchor="ctr" bIns="91425" lIns="91425" spcFirstLastPara="1" rIns="91425" wrap="square" tIns="91425">
+          <a:bodyPr spcFirstLastPara="1" wrap="square" lIns="91425" tIns="91425" rIns="91425" bIns="91425" anchor="ctr" anchorCtr="0">
             <a:noAutofit/>
           </a:bodyPr>
           <a:lstStyle>
@@ -2731,7 +2809,7 @@
             </a:lvl9pPr>
           </a:lstStyle>
           <a:p>
-            <a:pPr indent="0" lvl="0" marL="0" rtl="0" algn="r">
+            <a:pPr marL="0" lvl="0" indent="0" algn="r" rtl="0">
               <a:spcBef>
                 <a:spcPts val="0"/>
               </a:spcBef>
@@ -2757,11 +2835,11 @@
 </file>
 
 <file path=ppt/slideLayouts/slideLayout11.xml><?xml version="1.0" encoding="utf-8"?>
-<p:sldLayout xmlns:a="http://schemas.openxmlformats.org/drawingml/2006/main" xmlns:r="http://schemas.openxmlformats.org/officeDocument/2006/relationships" xmlns:mc="http://schemas.openxmlformats.org/markup-compatibility/2006" xmlns:mv="urn:schemas-microsoft-com:mac:vml" xmlns:p="http://schemas.openxmlformats.org/presentationml/2006/main" xmlns:c="http://schemas.openxmlformats.org/drawingml/2006/chart" xmlns:dgm="http://schemas.openxmlformats.org/drawingml/2006/diagram" xmlns:o="urn:schemas-microsoft-com:office:office" xmlns:v="urn:schemas-microsoft-com:vml" xmlns:pvml="urn:schemas-microsoft-com:office:powerpoint" xmlns:com="http://schemas.openxmlformats.org/drawingml/2006/compatibility" xmlns:p14="http://schemas.microsoft.com/office/powerpoint/2010/main" xmlns:p15="http://schemas.microsoft.com/office/powerpoint/2012/main" matchingName="Blank" type="blank">
+<p:sldLayout xmlns:a="http://schemas.openxmlformats.org/drawingml/2006/main" xmlns:r="http://schemas.openxmlformats.org/officeDocument/2006/relationships" xmlns:p="http://schemas.openxmlformats.org/presentationml/2006/main" matchingName="Blank" type="blank">
   <p:cSld name="BLANK">
     <p:spTree>
       <p:nvGrpSpPr>
-        <p:cNvPr id="53" name="Shape 53"/>
+        <p:cNvPr id="1" name="Shape 53"/>
         <p:cNvGrpSpPr/>
         <p:nvPr/>
       </p:nvGrpSpPr>
@@ -2776,9 +2854,11 @@
       <p:sp>
         <p:nvSpPr>
           <p:cNvPr id="54" name="Google Shape;54;p12"/>
-          <p:cNvSpPr txBox="1"/>
+          <p:cNvSpPr txBox="1">
+            <a:spLocks noGrp="1"/>
+          </p:cNvSpPr>
           <p:nvPr>
-            <p:ph idx="12" type="sldNum"/>
+            <p:ph type="sldNum" idx="12"/>
           </p:nvPr>
         </p:nvSpPr>
         <p:spPr>
@@ -2791,7 +2871,7 @@
           </a:prstGeom>
         </p:spPr>
         <p:txBody>
-          <a:bodyPr anchorCtr="0" anchor="ctr" bIns="91425" lIns="91425" spcFirstLastPara="1" rIns="91425" wrap="square" tIns="91425">
+          <a:bodyPr spcFirstLastPara="1" wrap="square" lIns="91425" tIns="91425" rIns="91425" bIns="91425" anchor="ctr" anchorCtr="0">
             <a:noAutofit/>
           </a:bodyPr>
           <a:lstStyle>
@@ -2833,7 +2913,7 @@
             </a:lvl9pPr>
           </a:lstStyle>
           <a:p>
-            <a:pPr indent="0" lvl="0" marL="0" rtl="0" algn="r">
+            <a:pPr marL="0" lvl="0" indent="0" algn="r" rtl="0">
               <a:spcBef>
                 <a:spcPts val="0"/>
               </a:spcBef>
@@ -2859,18 +2939,19 @@
 </file>
 
 <file path=ppt/slideLayouts/slideLayout2.xml><?xml version="1.0" encoding="utf-8"?>
-<p:sldLayout xmlns:a="http://schemas.openxmlformats.org/drawingml/2006/main" xmlns:r="http://schemas.openxmlformats.org/officeDocument/2006/relationships" xmlns:mc="http://schemas.openxmlformats.org/markup-compatibility/2006" xmlns:mv="urn:schemas-microsoft-com:mac:vml" xmlns:p="http://schemas.openxmlformats.org/presentationml/2006/main" xmlns:c="http://schemas.openxmlformats.org/drawingml/2006/chart" xmlns:dgm="http://schemas.openxmlformats.org/drawingml/2006/diagram" xmlns:o="urn:schemas-microsoft-com:office:office" xmlns:v="urn:schemas-microsoft-com:vml" xmlns:pvml="urn:schemas-microsoft-com:office:powerpoint" xmlns:com="http://schemas.openxmlformats.org/drawingml/2006/compatibility" xmlns:p14="http://schemas.microsoft.com/office/powerpoint/2010/main" xmlns:p15="http://schemas.microsoft.com/office/powerpoint/2012/main" matchingName="Section header" type="secHead">
+<p:sldLayout xmlns:a="http://schemas.openxmlformats.org/drawingml/2006/main" xmlns:r="http://schemas.openxmlformats.org/officeDocument/2006/relationships" xmlns:p="http://schemas.openxmlformats.org/presentationml/2006/main" matchingName="Section header" type="secHead">
   <p:cSld name="SECTION_HEADER">
     <p:bg>
       <p:bgPr>
         <a:solidFill>
           <a:schemeClr val="dk1"/>
         </a:solidFill>
+        <a:effectLst/>
       </p:bgPr>
     </p:bg>
     <p:spTree>
       <p:nvGrpSpPr>
-        <p:cNvPr id="15" name="Shape 15"/>
+        <p:cNvPr id="1" name="Shape 15"/>
         <p:cNvGrpSpPr/>
         <p:nvPr/>
       </p:nvGrpSpPr>
@@ -2897,21 +2978,23 @@
             <a:avLst/>
           </a:prstGeom>
           <a:noFill/>
-          <a:ln cap="flat" cmpd="sng" w="28575">
+          <a:ln w="28575" cap="flat" cmpd="sng">
             <a:solidFill>
               <a:schemeClr val="lt2"/>
             </a:solidFill>
             <a:prstDash val="solid"/>
             <a:round/>
-            <a:headEnd len="sm" w="sm" type="none"/>
-            <a:tailEnd len="sm" w="sm" type="none"/>
+            <a:headEnd type="none" w="sm" len="sm"/>
+            <a:tailEnd type="none" w="sm" len="sm"/>
           </a:ln>
         </p:spPr>
       </p:cxnSp>
       <p:sp>
         <p:nvSpPr>
           <p:cNvPr id="17" name="Google Shape;17;p3"/>
-          <p:cNvSpPr txBox="1"/>
+          <p:cNvSpPr txBox="1">
+            <a:spLocks noGrp="1"/>
+          </p:cNvSpPr>
           <p:nvPr>
             <p:ph type="title"/>
           </p:nvPr>
@@ -2926,7 +3009,7 @@
           </a:prstGeom>
         </p:spPr>
         <p:txBody>
-          <a:bodyPr anchorCtr="0" anchor="b" bIns="91425" lIns="91425" spcFirstLastPara="1" rIns="91425" wrap="square" tIns="91425"/>
+          <a:bodyPr spcFirstLastPara="1" wrap="square" lIns="91425" tIns="91425" rIns="91425" bIns="91425" anchor="b" anchorCtr="0"/>
           <a:lstStyle>
             <a:lvl1pPr lvl="0">
               <a:spcBef>
@@ -3091,15 +3174,19 @@
               </a:defRPr>
             </a:lvl9pPr>
           </a:lstStyle>
-          <a:p/>
+          <a:p>
+            <a:endParaRPr/>
+          </a:p>
         </p:txBody>
       </p:sp>
       <p:sp>
         <p:nvSpPr>
           <p:cNvPr id="18" name="Google Shape;18;p3"/>
-          <p:cNvSpPr txBox="1"/>
+          <p:cNvSpPr txBox="1">
+            <a:spLocks noGrp="1"/>
+          </p:cNvSpPr>
           <p:nvPr>
-            <p:ph idx="12" type="sldNum"/>
+            <p:ph type="sldNum" idx="12"/>
           </p:nvPr>
         </p:nvSpPr>
         <p:spPr>
@@ -3112,7 +3199,7 @@
           </a:prstGeom>
         </p:spPr>
         <p:txBody>
-          <a:bodyPr anchorCtr="0" anchor="ctr" bIns="91425" lIns="91425" spcFirstLastPara="1" rIns="91425" wrap="square" tIns="91425">
+          <a:bodyPr spcFirstLastPara="1" wrap="square" lIns="91425" tIns="91425" rIns="91425" bIns="91425" anchor="ctr" anchorCtr="0">
             <a:noAutofit/>
           </a:bodyPr>
           <a:lstStyle>
@@ -3190,7 +3277,7 @@
             </a:lvl9pPr>
           </a:lstStyle>
           <a:p>
-            <a:pPr indent="0" lvl="0" marL="0" rtl="0" algn="r">
+            <a:pPr marL="0" lvl="0" indent="0" algn="r" rtl="0">
               <a:spcBef>
                 <a:spcPts val="0"/>
               </a:spcBef>
@@ -3216,11 +3303,11 @@
 </file>
 
 <file path=ppt/slideLayouts/slideLayout3.xml><?xml version="1.0" encoding="utf-8"?>
-<p:sldLayout xmlns:a="http://schemas.openxmlformats.org/drawingml/2006/main" xmlns:r="http://schemas.openxmlformats.org/officeDocument/2006/relationships" xmlns:mc="http://schemas.openxmlformats.org/markup-compatibility/2006" xmlns:mv="urn:schemas-microsoft-com:mac:vml" xmlns:p="http://schemas.openxmlformats.org/presentationml/2006/main" xmlns:c="http://schemas.openxmlformats.org/drawingml/2006/chart" xmlns:dgm="http://schemas.openxmlformats.org/drawingml/2006/diagram" xmlns:o="urn:schemas-microsoft-com:office:office" xmlns:v="urn:schemas-microsoft-com:vml" xmlns:pvml="urn:schemas-microsoft-com:office:powerpoint" xmlns:com="http://schemas.openxmlformats.org/drawingml/2006/compatibility" xmlns:p14="http://schemas.microsoft.com/office/powerpoint/2010/main" xmlns:p15="http://schemas.microsoft.com/office/powerpoint/2012/main" matchingName="Title and body" type="tx">
+<p:sldLayout xmlns:a="http://schemas.openxmlformats.org/drawingml/2006/main" xmlns:r="http://schemas.openxmlformats.org/officeDocument/2006/relationships" xmlns:p="http://schemas.openxmlformats.org/presentationml/2006/main" matchingName="Title and body" type="tx">
   <p:cSld name="TITLE_AND_BODY">
     <p:spTree>
       <p:nvGrpSpPr>
-        <p:cNvPr id="19" name="Shape 19"/>
+        <p:cNvPr id="1" name="Shape 19"/>
         <p:cNvGrpSpPr/>
         <p:nvPr/>
       </p:nvGrpSpPr>
@@ -3254,12 +3341,12 @@
           </a:ln>
         </p:spPr>
         <p:txBody>
-          <a:bodyPr anchorCtr="0" anchor="ctr" bIns="91425" lIns="91425" spcFirstLastPara="1" rIns="91425" wrap="square" tIns="91425">
+          <a:bodyPr spcFirstLastPara="1" wrap="square" lIns="91425" tIns="91425" rIns="91425" bIns="91425" anchor="ctr" anchorCtr="0">
             <a:noAutofit/>
           </a:bodyPr>
           <a:lstStyle/>
           <a:p>
-            <a:pPr indent="0" lvl="0" marL="0" rtl="0" algn="l">
+            <a:pPr marL="0" lvl="0" indent="0" algn="l" rtl="0">
               <a:spcBef>
                 <a:spcPts val="0"/>
               </a:spcBef>
@@ -3268,9 +3355,6 @@
               </a:spcAft>
               <a:buNone/>
             </a:pPr>
-            <a:r>
-              <a:t/>
-            </a:r>
             <a:endParaRPr/>
           </a:p>
         </p:txBody>
@@ -3278,7 +3362,9 @@
       <p:sp>
         <p:nvSpPr>
           <p:cNvPr id="21" name="Google Shape;21;p4"/>
-          <p:cNvSpPr txBox="1"/>
+          <p:cNvSpPr txBox="1">
+            <a:spLocks noGrp="1"/>
+          </p:cNvSpPr>
           <p:nvPr>
             <p:ph type="title"/>
           </p:nvPr>
@@ -3293,7 +3379,7 @@
           </a:prstGeom>
         </p:spPr>
         <p:txBody>
-          <a:bodyPr anchorCtr="0" anchor="t" bIns="91425" lIns="91425" spcFirstLastPara="1" rIns="91425" wrap="square" tIns="91425"/>
+          <a:bodyPr spcFirstLastPara="1" wrap="square" lIns="91425" tIns="91425" rIns="91425" bIns="91425" anchor="t" anchorCtr="0"/>
           <a:lstStyle>
             <a:lvl1pPr lvl="0">
               <a:spcBef>
@@ -3395,15 +3481,19 @@
               <a:defRPr/>
             </a:lvl9pPr>
           </a:lstStyle>
-          <a:p/>
+          <a:p>
+            <a:endParaRPr/>
+          </a:p>
         </p:txBody>
       </p:sp>
       <p:sp>
         <p:nvSpPr>
           <p:cNvPr id="22" name="Google Shape;22;p4"/>
-          <p:cNvSpPr txBox="1"/>
+          <p:cNvSpPr txBox="1">
+            <a:spLocks noGrp="1"/>
+          </p:cNvSpPr>
           <p:nvPr>
-            <p:ph idx="1" type="body"/>
+            <p:ph type="body" idx="1"/>
           </p:nvPr>
         </p:nvSpPr>
         <p:spPr>
@@ -3416,9 +3506,9 @@
           </a:prstGeom>
         </p:spPr>
         <p:txBody>
-          <a:bodyPr anchorCtr="0" anchor="t" bIns="91425" lIns="91425" spcFirstLastPara="1" rIns="91425" wrap="square" tIns="91425"/>
+          <a:bodyPr spcFirstLastPara="1" wrap="square" lIns="91425" tIns="91425" rIns="91425" bIns="91425" anchor="t" anchorCtr="0"/>
           <a:lstStyle>
-            <a:lvl1pPr indent="-342900" lvl="0" marL="457200">
+            <a:lvl1pPr marL="457200" lvl="0" indent="-342900">
               <a:spcBef>
                 <a:spcPts val="0"/>
               </a:spcBef>
@@ -3429,7 +3519,7 @@
               <a:buChar char="●"/>
               <a:defRPr/>
             </a:lvl1pPr>
-            <a:lvl2pPr indent="-317500" lvl="1" marL="914400">
+            <a:lvl2pPr marL="914400" lvl="1" indent="-317500">
               <a:spcBef>
                 <a:spcPts val="1600"/>
               </a:spcBef>
@@ -3440,7 +3530,7 @@
               <a:buChar char="○"/>
               <a:defRPr/>
             </a:lvl2pPr>
-            <a:lvl3pPr indent="-317500" lvl="2" marL="1371600">
+            <a:lvl3pPr marL="1371600" lvl="2" indent="-317500">
               <a:spcBef>
                 <a:spcPts val="1600"/>
               </a:spcBef>
@@ -3451,7 +3541,7 @@
               <a:buChar char="■"/>
               <a:defRPr/>
             </a:lvl3pPr>
-            <a:lvl4pPr indent="-317500" lvl="3" marL="1828800">
+            <a:lvl4pPr marL="1828800" lvl="3" indent="-317500">
               <a:spcBef>
                 <a:spcPts val="1600"/>
               </a:spcBef>
@@ -3462,7 +3552,7 @@
               <a:buChar char="●"/>
               <a:defRPr/>
             </a:lvl4pPr>
-            <a:lvl5pPr indent="-317500" lvl="4" marL="2286000">
+            <a:lvl5pPr marL="2286000" lvl="4" indent="-317500">
               <a:spcBef>
                 <a:spcPts val="1600"/>
               </a:spcBef>
@@ -3473,7 +3563,7 @@
               <a:buChar char="○"/>
               <a:defRPr/>
             </a:lvl5pPr>
-            <a:lvl6pPr indent="-317500" lvl="5" marL="2743200">
+            <a:lvl6pPr marL="2743200" lvl="5" indent="-317500">
               <a:spcBef>
                 <a:spcPts val="1600"/>
               </a:spcBef>
@@ -3484,7 +3574,7 @@
               <a:buChar char="■"/>
               <a:defRPr/>
             </a:lvl6pPr>
-            <a:lvl7pPr indent="-317500" lvl="6" marL="3200400">
+            <a:lvl7pPr marL="3200400" lvl="6" indent="-317500">
               <a:spcBef>
                 <a:spcPts val="1600"/>
               </a:spcBef>
@@ -3495,7 +3585,7 @@
               <a:buChar char="●"/>
               <a:defRPr/>
             </a:lvl7pPr>
-            <a:lvl8pPr indent="-317500" lvl="7" marL="3657600">
+            <a:lvl8pPr marL="3657600" lvl="7" indent="-317500">
               <a:spcBef>
                 <a:spcPts val="1600"/>
               </a:spcBef>
@@ -3506,7 +3596,7 @@
               <a:buChar char="○"/>
               <a:defRPr/>
             </a:lvl8pPr>
-            <a:lvl9pPr indent="-317500" lvl="8" marL="4114800">
+            <a:lvl9pPr marL="4114800" lvl="8" indent="-317500">
               <a:spcBef>
                 <a:spcPts val="1600"/>
               </a:spcBef>
@@ -3518,15 +3608,19 @@
               <a:defRPr/>
             </a:lvl9pPr>
           </a:lstStyle>
-          <a:p/>
+          <a:p>
+            <a:endParaRPr/>
+          </a:p>
         </p:txBody>
       </p:sp>
       <p:sp>
         <p:nvSpPr>
           <p:cNvPr id="23" name="Google Shape;23;p4"/>
-          <p:cNvSpPr txBox="1"/>
+          <p:cNvSpPr txBox="1">
+            <a:spLocks noGrp="1"/>
+          </p:cNvSpPr>
           <p:nvPr>
-            <p:ph idx="12" type="sldNum"/>
+            <p:ph type="sldNum" idx="12"/>
           </p:nvPr>
         </p:nvSpPr>
         <p:spPr>
@@ -3539,7 +3633,7 @@
           </a:prstGeom>
         </p:spPr>
         <p:txBody>
-          <a:bodyPr anchorCtr="0" anchor="ctr" bIns="91425" lIns="91425" spcFirstLastPara="1" rIns="91425" wrap="square" tIns="91425">
+          <a:bodyPr spcFirstLastPara="1" wrap="square" lIns="91425" tIns="91425" rIns="91425" bIns="91425" anchor="ctr" anchorCtr="0">
             <a:noAutofit/>
           </a:bodyPr>
           <a:lstStyle>
@@ -3581,7 +3675,7 @@
             </a:lvl9pPr>
           </a:lstStyle>
           <a:p>
-            <a:pPr indent="0" lvl="0" marL="0" rtl="0" algn="r">
+            <a:pPr marL="0" lvl="0" indent="0" algn="r" rtl="0">
               <a:spcBef>
                 <a:spcPts val="0"/>
               </a:spcBef>
@@ -3607,11 +3701,11 @@
 </file>
 
 <file path=ppt/slideLayouts/slideLayout4.xml><?xml version="1.0" encoding="utf-8"?>
-<p:sldLayout xmlns:a="http://schemas.openxmlformats.org/drawingml/2006/main" xmlns:r="http://schemas.openxmlformats.org/officeDocument/2006/relationships" xmlns:mc="http://schemas.openxmlformats.org/markup-compatibility/2006" xmlns:mv="urn:schemas-microsoft-com:mac:vml" xmlns:p="http://schemas.openxmlformats.org/presentationml/2006/main" xmlns:c="http://schemas.openxmlformats.org/drawingml/2006/chart" xmlns:dgm="http://schemas.openxmlformats.org/drawingml/2006/diagram" xmlns:o="urn:schemas-microsoft-com:office:office" xmlns:v="urn:schemas-microsoft-com:vml" xmlns:pvml="urn:schemas-microsoft-com:office:powerpoint" xmlns:com="http://schemas.openxmlformats.org/drawingml/2006/compatibility" xmlns:p14="http://schemas.microsoft.com/office/powerpoint/2010/main" xmlns:p15="http://schemas.microsoft.com/office/powerpoint/2012/main" matchingName="Title and two columns" type="twoColTx">
+<p:sldLayout xmlns:a="http://schemas.openxmlformats.org/drawingml/2006/main" xmlns:r="http://schemas.openxmlformats.org/officeDocument/2006/relationships" xmlns:p="http://schemas.openxmlformats.org/presentationml/2006/main" matchingName="Title and two columns" type="twoColTx">
   <p:cSld name="TITLE_AND_TWO_COLUMNS">
     <p:spTree>
       <p:nvGrpSpPr>
-        <p:cNvPr id="24" name="Shape 24"/>
+        <p:cNvPr id="1" name="Shape 24"/>
         <p:cNvGrpSpPr/>
         <p:nvPr/>
       </p:nvGrpSpPr>
@@ -3626,7 +3720,9 @@
       <p:sp>
         <p:nvSpPr>
           <p:cNvPr id="25" name="Google Shape;25;p5"/>
-          <p:cNvSpPr txBox="1"/>
+          <p:cNvSpPr txBox="1">
+            <a:spLocks noGrp="1"/>
+          </p:cNvSpPr>
           <p:nvPr>
             <p:ph type="title"/>
           </p:nvPr>
@@ -3641,7 +3737,7 @@
           </a:prstGeom>
         </p:spPr>
         <p:txBody>
-          <a:bodyPr anchorCtr="0" anchor="t" bIns="91425" lIns="91425" spcFirstLastPara="1" rIns="91425" wrap="square" tIns="91425"/>
+          <a:bodyPr spcFirstLastPara="1" wrap="square" lIns="91425" tIns="91425" rIns="91425" bIns="91425" anchor="t" anchorCtr="0"/>
           <a:lstStyle>
             <a:lvl1pPr lvl="0">
               <a:spcBef>
@@ -3743,15 +3839,19 @@
               <a:defRPr/>
             </a:lvl9pPr>
           </a:lstStyle>
-          <a:p/>
+          <a:p>
+            <a:endParaRPr/>
+          </a:p>
         </p:txBody>
       </p:sp>
       <p:sp>
         <p:nvSpPr>
           <p:cNvPr id="26" name="Google Shape;26;p5"/>
-          <p:cNvSpPr txBox="1"/>
+          <p:cNvSpPr txBox="1">
+            <a:spLocks noGrp="1"/>
+          </p:cNvSpPr>
           <p:nvPr>
-            <p:ph idx="1" type="body"/>
+            <p:ph type="body" idx="1"/>
           </p:nvPr>
         </p:nvSpPr>
         <p:spPr>
@@ -3764,9 +3864,9 @@
           </a:prstGeom>
         </p:spPr>
         <p:txBody>
-          <a:bodyPr anchorCtr="0" anchor="t" bIns="91425" lIns="91425" spcFirstLastPara="1" rIns="91425" wrap="square" tIns="91425"/>
+          <a:bodyPr spcFirstLastPara="1" wrap="square" lIns="91425" tIns="91425" rIns="91425" bIns="91425" anchor="t" anchorCtr="0"/>
           <a:lstStyle>
-            <a:lvl1pPr indent="-317500" lvl="0" marL="457200">
+            <a:lvl1pPr marL="457200" lvl="0" indent="-317500">
               <a:spcBef>
                 <a:spcPts val="0"/>
               </a:spcBef>
@@ -3777,7 +3877,7 @@
               <a:buChar char="●"/>
               <a:defRPr sz="1400"/>
             </a:lvl1pPr>
-            <a:lvl2pPr indent="-304800" lvl="1" marL="914400">
+            <a:lvl2pPr marL="914400" lvl="1" indent="-304800">
               <a:spcBef>
                 <a:spcPts val="1600"/>
               </a:spcBef>
@@ -3788,7 +3888,7 @@
               <a:buChar char="○"/>
               <a:defRPr sz="1200"/>
             </a:lvl2pPr>
-            <a:lvl3pPr indent="-304800" lvl="2" marL="1371600">
+            <a:lvl3pPr marL="1371600" lvl="2" indent="-304800">
               <a:spcBef>
                 <a:spcPts val="1600"/>
               </a:spcBef>
@@ -3799,7 +3899,7 @@
               <a:buChar char="■"/>
               <a:defRPr sz="1200"/>
             </a:lvl3pPr>
-            <a:lvl4pPr indent="-304800" lvl="3" marL="1828800">
+            <a:lvl4pPr marL="1828800" lvl="3" indent="-304800">
               <a:spcBef>
                 <a:spcPts val="1600"/>
               </a:spcBef>
@@ -3810,7 +3910,7 @@
               <a:buChar char="●"/>
               <a:defRPr sz="1200"/>
             </a:lvl4pPr>
-            <a:lvl5pPr indent="-304800" lvl="4" marL="2286000">
+            <a:lvl5pPr marL="2286000" lvl="4" indent="-304800">
               <a:spcBef>
                 <a:spcPts val="1600"/>
               </a:spcBef>
@@ -3821,7 +3921,7 @@
               <a:buChar char="○"/>
               <a:defRPr sz="1200"/>
             </a:lvl5pPr>
-            <a:lvl6pPr indent="-304800" lvl="5" marL="2743200">
+            <a:lvl6pPr marL="2743200" lvl="5" indent="-304800">
               <a:spcBef>
                 <a:spcPts val="1600"/>
               </a:spcBef>
@@ -3832,7 +3932,7 @@
               <a:buChar char="■"/>
               <a:defRPr sz="1200"/>
             </a:lvl6pPr>
-            <a:lvl7pPr indent="-304800" lvl="6" marL="3200400">
+            <a:lvl7pPr marL="3200400" lvl="6" indent="-304800">
               <a:spcBef>
                 <a:spcPts val="1600"/>
               </a:spcBef>
@@ -3843,7 +3943,7 @@
               <a:buChar char="●"/>
               <a:defRPr sz="1200"/>
             </a:lvl7pPr>
-            <a:lvl8pPr indent="-304800" lvl="7" marL="3657600">
+            <a:lvl8pPr marL="3657600" lvl="7" indent="-304800">
               <a:spcBef>
                 <a:spcPts val="1600"/>
               </a:spcBef>
@@ -3854,7 +3954,7 @@
               <a:buChar char="○"/>
               <a:defRPr sz="1200"/>
             </a:lvl8pPr>
-            <a:lvl9pPr indent="-304800" lvl="8" marL="4114800">
+            <a:lvl9pPr marL="4114800" lvl="8" indent="-304800">
               <a:spcBef>
                 <a:spcPts val="1600"/>
               </a:spcBef>
@@ -3866,15 +3966,19 @@
               <a:defRPr sz="1200"/>
             </a:lvl9pPr>
           </a:lstStyle>
-          <a:p/>
+          <a:p>
+            <a:endParaRPr/>
+          </a:p>
         </p:txBody>
       </p:sp>
       <p:sp>
         <p:nvSpPr>
           <p:cNvPr id="27" name="Google Shape;27;p5"/>
-          <p:cNvSpPr txBox="1"/>
+          <p:cNvSpPr txBox="1">
+            <a:spLocks noGrp="1"/>
+          </p:cNvSpPr>
           <p:nvPr>
-            <p:ph idx="2" type="body"/>
+            <p:ph type="body" idx="2"/>
           </p:nvPr>
         </p:nvSpPr>
         <p:spPr>
@@ -3887,9 +3991,9 @@
           </a:prstGeom>
         </p:spPr>
         <p:txBody>
-          <a:bodyPr anchorCtr="0" anchor="t" bIns="91425" lIns="91425" spcFirstLastPara="1" rIns="91425" wrap="square" tIns="91425"/>
+          <a:bodyPr spcFirstLastPara="1" wrap="square" lIns="91425" tIns="91425" rIns="91425" bIns="91425" anchor="t" anchorCtr="0"/>
           <a:lstStyle>
-            <a:lvl1pPr indent="-317500" lvl="0" marL="457200">
+            <a:lvl1pPr marL="457200" lvl="0" indent="-317500">
               <a:spcBef>
                 <a:spcPts val="0"/>
               </a:spcBef>
@@ -3900,7 +4004,7 @@
               <a:buChar char="●"/>
               <a:defRPr sz="1400"/>
             </a:lvl1pPr>
-            <a:lvl2pPr indent="-304800" lvl="1" marL="914400">
+            <a:lvl2pPr marL="914400" lvl="1" indent="-304800">
               <a:spcBef>
                 <a:spcPts val="1600"/>
               </a:spcBef>
@@ -3911,7 +4015,7 @@
               <a:buChar char="○"/>
               <a:defRPr sz="1200"/>
             </a:lvl2pPr>
-            <a:lvl3pPr indent="-304800" lvl="2" marL="1371600">
+            <a:lvl3pPr marL="1371600" lvl="2" indent="-304800">
               <a:spcBef>
                 <a:spcPts val="1600"/>
               </a:spcBef>
@@ -3922,7 +4026,7 @@
               <a:buChar char="■"/>
               <a:defRPr sz="1200"/>
             </a:lvl3pPr>
-            <a:lvl4pPr indent="-304800" lvl="3" marL="1828800">
+            <a:lvl4pPr marL="1828800" lvl="3" indent="-304800">
               <a:spcBef>
                 <a:spcPts val="1600"/>
               </a:spcBef>
@@ -3933,7 +4037,7 @@
               <a:buChar char="●"/>
               <a:defRPr sz="1200"/>
             </a:lvl4pPr>
-            <a:lvl5pPr indent="-304800" lvl="4" marL="2286000">
+            <a:lvl5pPr marL="2286000" lvl="4" indent="-304800">
               <a:spcBef>
                 <a:spcPts val="1600"/>
               </a:spcBef>
@@ -3944,7 +4048,7 @@
               <a:buChar char="○"/>
               <a:defRPr sz="1200"/>
             </a:lvl5pPr>
-            <a:lvl6pPr indent="-304800" lvl="5" marL="2743200">
+            <a:lvl6pPr marL="2743200" lvl="5" indent="-304800">
               <a:spcBef>
                 <a:spcPts val="1600"/>
               </a:spcBef>
@@ -3955,7 +4059,7 @@
               <a:buChar char="■"/>
               <a:defRPr sz="1200"/>
             </a:lvl6pPr>
-            <a:lvl7pPr indent="-304800" lvl="6" marL="3200400">
+            <a:lvl7pPr marL="3200400" lvl="6" indent="-304800">
               <a:spcBef>
                 <a:spcPts val="1600"/>
               </a:spcBef>
@@ -3966,7 +4070,7 @@
               <a:buChar char="●"/>
               <a:defRPr sz="1200"/>
             </a:lvl7pPr>
-            <a:lvl8pPr indent="-304800" lvl="7" marL="3657600">
+            <a:lvl8pPr marL="3657600" lvl="7" indent="-304800">
               <a:spcBef>
                 <a:spcPts val="1600"/>
               </a:spcBef>
@@ -3977,7 +4081,7 @@
               <a:buChar char="○"/>
               <a:defRPr sz="1200"/>
             </a:lvl8pPr>
-            <a:lvl9pPr indent="-304800" lvl="8" marL="4114800">
+            <a:lvl9pPr marL="4114800" lvl="8" indent="-304800">
               <a:spcBef>
                 <a:spcPts val="1600"/>
               </a:spcBef>
@@ -3989,15 +4093,19 @@
               <a:defRPr sz="1200"/>
             </a:lvl9pPr>
           </a:lstStyle>
-          <a:p/>
+          <a:p>
+            <a:endParaRPr/>
+          </a:p>
         </p:txBody>
       </p:sp>
       <p:sp>
         <p:nvSpPr>
           <p:cNvPr id="28" name="Google Shape;28;p5"/>
-          <p:cNvSpPr txBox="1"/>
+          <p:cNvSpPr txBox="1">
+            <a:spLocks noGrp="1"/>
+          </p:cNvSpPr>
           <p:nvPr>
-            <p:ph idx="12" type="sldNum"/>
+            <p:ph type="sldNum" idx="12"/>
           </p:nvPr>
         </p:nvSpPr>
         <p:spPr>
@@ -4010,7 +4118,7 @@
           </a:prstGeom>
         </p:spPr>
         <p:txBody>
-          <a:bodyPr anchorCtr="0" anchor="ctr" bIns="91425" lIns="91425" spcFirstLastPara="1" rIns="91425" wrap="square" tIns="91425">
+          <a:bodyPr spcFirstLastPara="1" wrap="square" lIns="91425" tIns="91425" rIns="91425" bIns="91425" anchor="ctr" anchorCtr="0">
             <a:noAutofit/>
           </a:bodyPr>
           <a:lstStyle>
@@ -4052,7 +4160,7 @@
             </a:lvl9pPr>
           </a:lstStyle>
           <a:p>
-            <a:pPr indent="0" lvl="0" marL="0" rtl="0" algn="r">
+            <a:pPr marL="0" lvl="0" indent="0" algn="r" rtl="0">
               <a:spcBef>
                 <a:spcPts val="0"/>
               </a:spcBef>
@@ -4078,11 +4186,11 @@
 </file>
 
 <file path=ppt/slideLayouts/slideLayout5.xml><?xml version="1.0" encoding="utf-8"?>
-<p:sldLayout xmlns:a="http://schemas.openxmlformats.org/drawingml/2006/main" xmlns:r="http://schemas.openxmlformats.org/officeDocument/2006/relationships" xmlns:mc="http://schemas.openxmlformats.org/markup-compatibility/2006" xmlns:mv="urn:schemas-microsoft-com:mac:vml" xmlns:p="http://schemas.openxmlformats.org/presentationml/2006/main" xmlns:c="http://schemas.openxmlformats.org/drawingml/2006/chart" xmlns:dgm="http://schemas.openxmlformats.org/drawingml/2006/diagram" xmlns:o="urn:schemas-microsoft-com:office:office" xmlns:v="urn:schemas-microsoft-com:vml" xmlns:pvml="urn:schemas-microsoft-com:office:powerpoint" xmlns:com="http://schemas.openxmlformats.org/drawingml/2006/compatibility" xmlns:p14="http://schemas.microsoft.com/office/powerpoint/2010/main" xmlns:p15="http://schemas.microsoft.com/office/powerpoint/2012/main" matchingName="Title only" type="titleOnly">
+<p:sldLayout xmlns:a="http://schemas.openxmlformats.org/drawingml/2006/main" xmlns:r="http://schemas.openxmlformats.org/officeDocument/2006/relationships" xmlns:p="http://schemas.openxmlformats.org/presentationml/2006/main" matchingName="Title only" type="titleOnly">
   <p:cSld name="TITLE_ONLY">
     <p:spTree>
       <p:nvGrpSpPr>
-        <p:cNvPr id="29" name="Shape 29"/>
+        <p:cNvPr id="1" name="Shape 29"/>
         <p:cNvGrpSpPr/>
         <p:nvPr/>
       </p:nvGrpSpPr>
@@ -4097,7 +4205,9 @@
       <p:sp>
         <p:nvSpPr>
           <p:cNvPr id="30" name="Google Shape;30;p6"/>
-          <p:cNvSpPr txBox="1"/>
+          <p:cNvSpPr txBox="1">
+            <a:spLocks noGrp="1"/>
+          </p:cNvSpPr>
           <p:nvPr>
             <p:ph type="title"/>
           </p:nvPr>
@@ -4112,7 +4222,7 @@
           </a:prstGeom>
         </p:spPr>
         <p:txBody>
-          <a:bodyPr anchorCtr="0" anchor="t" bIns="91425" lIns="91425" spcFirstLastPara="1" rIns="91425" wrap="square" tIns="91425"/>
+          <a:bodyPr spcFirstLastPara="1" wrap="square" lIns="91425" tIns="91425" rIns="91425" bIns="91425" anchor="t" anchorCtr="0"/>
           <a:lstStyle>
             <a:lvl1pPr lvl="0">
               <a:spcBef>
@@ -4214,15 +4324,19 @@
               <a:defRPr/>
             </a:lvl9pPr>
           </a:lstStyle>
-          <a:p/>
+          <a:p>
+            <a:endParaRPr/>
+          </a:p>
         </p:txBody>
       </p:sp>
       <p:sp>
         <p:nvSpPr>
           <p:cNvPr id="31" name="Google Shape;31;p6"/>
-          <p:cNvSpPr txBox="1"/>
+          <p:cNvSpPr txBox="1">
+            <a:spLocks noGrp="1"/>
+          </p:cNvSpPr>
           <p:nvPr>
-            <p:ph idx="12" type="sldNum"/>
+            <p:ph type="sldNum" idx="12"/>
           </p:nvPr>
         </p:nvSpPr>
         <p:spPr>
@@ -4235,7 +4349,7 @@
           </a:prstGeom>
         </p:spPr>
         <p:txBody>
-          <a:bodyPr anchorCtr="0" anchor="ctr" bIns="91425" lIns="91425" spcFirstLastPara="1" rIns="91425" wrap="square" tIns="91425">
+          <a:bodyPr spcFirstLastPara="1" wrap="square" lIns="91425" tIns="91425" rIns="91425" bIns="91425" anchor="ctr" anchorCtr="0">
             <a:noAutofit/>
           </a:bodyPr>
           <a:lstStyle>
@@ -4277,7 +4391,7 @@
             </a:lvl9pPr>
           </a:lstStyle>
           <a:p>
-            <a:pPr indent="0" lvl="0" marL="0" rtl="0" algn="r">
+            <a:pPr marL="0" lvl="0" indent="0" algn="r" rtl="0">
               <a:spcBef>
                 <a:spcPts val="0"/>
               </a:spcBef>
@@ -4303,11 +4417,11 @@
 </file>
 
 <file path=ppt/slideLayouts/slideLayout6.xml><?xml version="1.0" encoding="utf-8"?>
-<p:sldLayout xmlns:a="http://schemas.openxmlformats.org/drawingml/2006/main" xmlns:r="http://schemas.openxmlformats.org/officeDocument/2006/relationships" xmlns:mc="http://schemas.openxmlformats.org/markup-compatibility/2006" xmlns:mv="urn:schemas-microsoft-com:mac:vml" xmlns:p="http://schemas.openxmlformats.org/presentationml/2006/main" xmlns:c="http://schemas.openxmlformats.org/drawingml/2006/chart" xmlns:dgm="http://schemas.openxmlformats.org/drawingml/2006/diagram" xmlns:o="urn:schemas-microsoft-com:office:office" xmlns:v="urn:schemas-microsoft-com:vml" xmlns:pvml="urn:schemas-microsoft-com:office:powerpoint" xmlns:com="http://schemas.openxmlformats.org/drawingml/2006/compatibility" xmlns:p14="http://schemas.microsoft.com/office/powerpoint/2010/main" xmlns:p15="http://schemas.microsoft.com/office/powerpoint/2012/main" matchingName="One column text">
+<p:sldLayout xmlns:a="http://schemas.openxmlformats.org/drawingml/2006/main" xmlns:r="http://schemas.openxmlformats.org/officeDocument/2006/relationships" xmlns:p="http://schemas.openxmlformats.org/presentationml/2006/main" matchingName="One column text">
   <p:cSld name="ONE_COLUMN_TEXT">
     <p:spTree>
       <p:nvGrpSpPr>
-        <p:cNvPr id="32" name="Shape 32"/>
+        <p:cNvPr id="1" name="Shape 32"/>
         <p:cNvGrpSpPr/>
         <p:nvPr/>
       </p:nvGrpSpPr>
@@ -4322,7 +4436,9 @@
       <p:sp>
         <p:nvSpPr>
           <p:cNvPr id="33" name="Google Shape;33;p7"/>
-          <p:cNvSpPr txBox="1"/>
+          <p:cNvSpPr txBox="1">
+            <a:spLocks noGrp="1"/>
+          </p:cNvSpPr>
           <p:nvPr>
             <p:ph type="title"/>
           </p:nvPr>
@@ -4337,7 +4453,7 @@
           </a:prstGeom>
         </p:spPr>
         <p:txBody>
-          <a:bodyPr anchorCtr="0" anchor="b" bIns="91425" lIns="91425" spcFirstLastPara="1" rIns="91425" wrap="square" tIns="91425"/>
+          <a:bodyPr spcFirstLastPara="1" wrap="square" lIns="91425" tIns="91425" rIns="91425" bIns="91425" anchor="b" anchorCtr="0"/>
           <a:lstStyle>
             <a:lvl1pPr lvl="0">
               <a:spcBef>
@@ -4439,15 +4555,19 @@
               <a:defRPr sz="2400"/>
             </a:lvl9pPr>
           </a:lstStyle>
-          <a:p/>
+          <a:p>
+            <a:endParaRPr/>
+          </a:p>
         </p:txBody>
       </p:sp>
       <p:sp>
         <p:nvSpPr>
           <p:cNvPr id="34" name="Google Shape;34;p7"/>
-          <p:cNvSpPr txBox="1"/>
+          <p:cNvSpPr txBox="1">
+            <a:spLocks noGrp="1"/>
+          </p:cNvSpPr>
           <p:nvPr>
-            <p:ph idx="1" type="body"/>
+            <p:ph type="body" idx="1"/>
           </p:nvPr>
         </p:nvSpPr>
         <p:spPr>
@@ -4460,9 +4580,9 @@
           </a:prstGeom>
         </p:spPr>
         <p:txBody>
-          <a:bodyPr anchorCtr="0" anchor="t" bIns="91425" lIns="91425" spcFirstLastPara="1" rIns="91425" wrap="square" tIns="91425"/>
+          <a:bodyPr spcFirstLastPara="1" wrap="square" lIns="91425" tIns="91425" rIns="91425" bIns="91425" anchor="t" anchorCtr="0"/>
           <a:lstStyle>
-            <a:lvl1pPr indent="-304800" lvl="0" marL="457200">
+            <a:lvl1pPr marL="457200" lvl="0" indent="-304800">
               <a:spcBef>
                 <a:spcPts val="0"/>
               </a:spcBef>
@@ -4473,7 +4593,7 @@
               <a:buChar char="●"/>
               <a:defRPr sz="1200"/>
             </a:lvl1pPr>
-            <a:lvl2pPr indent="-304800" lvl="1" marL="914400">
+            <a:lvl2pPr marL="914400" lvl="1" indent="-304800">
               <a:spcBef>
                 <a:spcPts val="1600"/>
               </a:spcBef>
@@ -4484,7 +4604,7 @@
               <a:buChar char="○"/>
               <a:defRPr sz="1200"/>
             </a:lvl2pPr>
-            <a:lvl3pPr indent="-304800" lvl="2" marL="1371600">
+            <a:lvl3pPr marL="1371600" lvl="2" indent="-304800">
               <a:spcBef>
                 <a:spcPts val="1600"/>
               </a:spcBef>
@@ -4495,7 +4615,7 @@
               <a:buChar char="■"/>
               <a:defRPr sz="1200"/>
             </a:lvl3pPr>
-            <a:lvl4pPr indent="-304800" lvl="3" marL="1828800">
+            <a:lvl4pPr marL="1828800" lvl="3" indent="-304800">
               <a:spcBef>
                 <a:spcPts val="1600"/>
               </a:spcBef>
@@ -4506,7 +4626,7 @@
               <a:buChar char="●"/>
               <a:defRPr sz="1200"/>
             </a:lvl4pPr>
-            <a:lvl5pPr indent="-304800" lvl="4" marL="2286000">
+            <a:lvl5pPr marL="2286000" lvl="4" indent="-304800">
               <a:spcBef>
                 <a:spcPts val="1600"/>
               </a:spcBef>
@@ -4517,7 +4637,7 @@
               <a:buChar char="○"/>
               <a:defRPr sz="1200"/>
             </a:lvl5pPr>
-            <a:lvl6pPr indent="-304800" lvl="5" marL="2743200">
+            <a:lvl6pPr marL="2743200" lvl="5" indent="-304800">
               <a:spcBef>
                 <a:spcPts val="1600"/>
               </a:spcBef>
@@ -4528,7 +4648,7 @@
               <a:buChar char="■"/>
               <a:defRPr sz="1200"/>
             </a:lvl6pPr>
-            <a:lvl7pPr indent="-304800" lvl="6" marL="3200400">
+            <a:lvl7pPr marL="3200400" lvl="6" indent="-304800">
               <a:spcBef>
                 <a:spcPts val="1600"/>
               </a:spcBef>
@@ -4539,7 +4659,7 @@
               <a:buChar char="●"/>
               <a:defRPr sz="1200"/>
             </a:lvl7pPr>
-            <a:lvl8pPr indent="-304800" lvl="7" marL="3657600">
+            <a:lvl8pPr marL="3657600" lvl="7" indent="-304800">
               <a:spcBef>
                 <a:spcPts val="1600"/>
               </a:spcBef>
@@ -4550,7 +4670,7 @@
               <a:buChar char="○"/>
               <a:defRPr sz="1200"/>
             </a:lvl8pPr>
-            <a:lvl9pPr indent="-304800" lvl="8" marL="4114800">
+            <a:lvl9pPr marL="4114800" lvl="8" indent="-304800">
               <a:spcBef>
                 <a:spcPts val="1600"/>
               </a:spcBef>
@@ -4562,15 +4682,19 @@
               <a:defRPr sz="1200"/>
             </a:lvl9pPr>
           </a:lstStyle>
-          <a:p/>
+          <a:p>
+            <a:endParaRPr/>
+          </a:p>
         </p:txBody>
       </p:sp>
       <p:sp>
         <p:nvSpPr>
           <p:cNvPr id="35" name="Google Shape;35;p7"/>
-          <p:cNvSpPr txBox="1"/>
+          <p:cNvSpPr txBox="1">
+            <a:spLocks noGrp="1"/>
+          </p:cNvSpPr>
           <p:nvPr>
-            <p:ph idx="12" type="sldNum"/>
+            <p:ph type="sldNum" idx="12"/>
           </p:nvPr>
         </p:nvSpPr>
         <p:spPr>
@@ -4583,7 +4707,7 @@
           </a:prstGeom>
         </p:spPr>
         <p:txBody>
-          <a:bodyPr anchorCtr="0" anchor="ctr" bIns="91425" lIns="91425" spcFirstLastPara="1" rIns="91425" wrap="square" tIns="91425">
+          <a:bodyPr spcFirstLastPara="1" wrap="square" lIns="91425" tIns="91425" rIns="91425" bIns="91425" anchor="ctr" anchorCtr="0">
             <a:noAutofit/>
           </a:bodyPr>
           <a:lstStyle>
@@ -4625,7 +4749,7 @@
             </a:lvl9pPr>
           </a:lstStyle>
           <a:p>
-            <a:pPr indent="0" lvl="0" marL="0" rtl="0" algn="r">
+            <a:pPr marL="0" lvl="0" indent="0" algn="r" rtl="0">
               <a:spcBef>
                 <a:spcPts val="0"/>
               </a:spcBef>
@@ -4651,18 +4775,19 @@
 </file>
 
 <file path=ppt/slideLayouts/slideLayout7.xml><?xml version="1.0" encoding="utf-8"?>
-<p:sldLayout xmlns:a="http://schemas.openxmlformats.org/drawingml/2006/main" xmlns:r="http://schemas.openxmlformats.org/officeDocument/2006/relationships" xmlns:mc="http://schemas.openxmlformats.org/markup-compatibility/2006" xmlns:mv="urn:schemas-microsoft-com:mac:vml" xmlns:p="http://schemas.openxmlformats.org/presentationml/2006/main" xmlns:c="http://schemas.openxmlformats.org/drawingml/2006/chart" xmlns:dgm="http://schemas.openxmlformats.org/drawingml/2006/diagram" xmlns:o="urn:schemas-microsoft-com:office:office" xmlns:v="urn:schemas-microsoft-com:vml" xmlns:pvml="urn:schemas-microsoft-com:office:powerpoint" xmlns:com="http://schemas.openxmlformats.org/drawingml/2006/compatibility" xmlns:p14="http://schemas.microsoft.com/office/powerpoint/2010/main" xmlns:p15="http://schemas.microsoft.com/office/powerpoint/2012/main" matchingName="Main point">
+<p:sldLayout xmlns:a="http://schemas.openxmlformats.org/drawingml/2006/main" xmlns:r="http://schemas.openxmlformats.org/officeDocument/2006/relationships" xmlns:p="http://schemas.openxmlformats.org/presentationml/2006/main" matchingName="Main point">
   <p:cSld name="MAIN_POINT">
     <p:bg>
       <p:bgPr>
         <a:solidFill>
           <a:schemeClr val="lt2"/>
         </a:solidFill>
+        <a:effectLst/>
       </p:bgPr>
     </p:bg>
     <p:spTree>
       <p:nvGrpSpPr>
-        <p:cNvPr id="36" name="Shape 36"/>
+        <p:cNvPr id="1" name="Shape 36"/>
         <p:cNvGrpSpPr/>
         <p:nvPr/>
       </p:nvGrpSpPr>
@@ -4677,7 +4802,9 @@
       <p:sp>
         <p:nvSpPr>
           <p:cNvPr id="37" name="Google Shape;37;p8"/>
-          <p:cNvSpPr txBox="1"/>
+          <p:cNvSpPr txBox="1">
+            <a:spLocks noGrp="1"/>
+          </p:cNvSpPr>
           <p:nvPr>
             <p:ph type="title"/>
           </p:nvPr>
@@ -4692,7 +4819,7 @@
           </a:prstGeom>
         </p:spPr>
         <p:txBody>
-          <a:bodyPr anchorCtr="0" anchor="ctr" bIns="91425" lIns="91425" spcFirstLastPara="1" rIns="91425" wrap="square" tIns="91425"/>
+          <a:bodyPr spcFirstLastPara="1" wrap="square" lIns="91425" tIns="91425" rIns="91425" bIns="91425" anchor="ctr" anchorCtr="0"/>
           <a:lstStyle>
             <a:lvl1pPr lvl="0">
               <a:spcBef>
@@ -4857,15 +4984,19 @@
               </a:defRPr>
             </a:lvl9pPr>
           </a:lstStyle>
-          <a:p/>
+          <a:p>
+            <a:endParaRPr/>
+          </a:p>
         </p:txBody>
       </p:sp>
       <p:sp>
         <p:nvSpPr>
           <p:cNvPr id="38" name="Google Shape;38;p8"/>
-          <p:cNvSpPr txBox="1"/>
+          <p:cNvSpPr txBox="1">
+            <a:spLocks noGrp="1"/>
+          </p:cNvSpPr>
           <p:nvPr>
-            <p:ph idx="12" type="sldNum"/>
+            <p:ph type="sldNum" idx="12"/>
           </p:nvPr>
         </p:nvSpPr>
         <p:spPr>
@@ -4878,7 +5009,7 @@
           </a:prstGeom>
         </p:spPr>
         <p:txBody>
-          <a:bodyPr anchorCtr="0" anchor="ctr" bIns="91425" lIns="91425" spcFirstLastPara="1" rIns="91425" wrap="square" tIns="91425">
+          <a:bodyPr spcFirstLastPara="1" wrap="square" lIns="91425" tIns="91425" rIns="91425" bIns="91425" anchor="ctr" anchorCtr="0">
             <a:noAutofit/>
           </a:bodyPr>
           <a:lstStyle>
@@ -4956,7 +5087,7 @@
             </a:lvl9pPr>
           </a:lstStyle>
           <a:p>
-            <a:pPr indent="0" lvl="0" marL="0" rtl="0" algn="r">
+            <a:pPr marL="0" lvl="0" indent="0" algn="r" rtl="0">
               <a:spcBef>
                 <a:spcPts val="0"/>
               </a:spcBef>
@@ -4982,11 +5113,11 @@
 </file>
 
 <file path=ppt/slideLayouts/slideLayout8.xml><?xml version="1.0" encoding="utf-8"?>
-<p:sldLayout xmlns:a="http://schemas.openxmlformats.org/drawingml/2006/main" xmlns:r="http://schemas.openxmlformats.org/officeDocument/2006/relationships" xmlns:mc="http://schemas.openxmlformats.org/markup-compatibility/2006" xmlns:mv="urn:schemas-microsoft-com:mac:vml" xmlns:p="http://schemas.openxmlformats.org/presentationml/2006/main" xmlns:c="http://schemas.openxmlformats.org/drawingml/2006/chart" xmlns:dgm="http://schemas.openxmlformats.org/drawingml/2006/diagram" xmlns:o="urn:schemas-microsoft-com:office:office" xmlns:v="urn:schemas-microsoft-com:vml" xmlns:pvml="urn:schemas-microsoft-com:office:powerpoint" xmlns:com="http://schemas.openxmlformats.org/drawingml/2006/compatibility" xmlns:p14="http://schemas.microsoft.com/office/powerpoint/2010/main" xmlns:p15="http://schemas.microsoft.com/office/powerpoint/2012/main" matchingName="Section title and description">
+<p:sldLayout xmlns:a="http://schemas.openxmlformats.org/drawingml/2006/main" xmlns:r="http://schemas.openxmlformats.org/officeDocument/2006/relationships" xmlns:p="http://schemas.openxmlformats.org/presentationml/2006/main" matchingName="Section title and description">
   <p:cSld name="SECTION_TITLE_AND_DESCRIPTION">
     <p:spTree>
       <p:nvGrpSpPr>
-        <p:cNvPr id="39" name="Shape 39"/>
+        <p:cNvPr id="1" name="Shape 39"/>
         <p:cNvGrpSpPr/>
         <p:nvPr/>
       </p:nvGrpSpPr>
@@ -5020,12 +5151,12 @@
           </a:ln>
         </p:spPr>
         <p:txBody>
-          <a:bodyPr anchorCtr="0" anchor="ctr" bIns="91425" lIns="91425" spcFirstLastPara="1" rIns="91425" wrap="square" tIns="91425">
+          <a:bodyPr spcFirstLastPara="1" wrap="square" lIns="91425" tIns="91425" rIns="91425" bIns="91425" anchor="ctr" anchorCtr="0">
             <a:noAutofit/>
           </a:bodyPr>
           <a:lstStyle/>
           <a:p>
-            <a:pPr indent="0" lvl="0" marL="0" rtl="0" algn="l">
+            <a:pPr marL="0" lvl="0" indent="0" algn="l" rtl="0">
               <a:spcBef>
                 <a:spcPts val="0"/>
               </a:spcBef>
@@ -5034,9 +5165,6 @@
               </a:spcAft>
               <a:buNone/>
             </a:pPr>
-            <a:r>
-              <a:t/>
-            </a:r>
             <a:endParaRPr/>
           </a:p>
         </p:txBody>
@@ -5056,21 +5184,23 @@
             <a:avLst/>
           </a:prstGeom>
           <a:noFill/>
-          <a:ln cap="flat" cmpd="sng" w="19050">
+          <a:ln w="19050" cap="flat" cmpd="sng">
             <a:solidFill>
               <a:schemeClr val="lt2"/>
             </a:solidFill>
             <a:prstDash val="solid"/>
             <a:round/>
-            <a:headEnd len="sm" w="sm" type="none"/>
-            <a:tailEnd len="sm" w="sm" type="none"/>
+            <a:headEnd type="none" w="sm" len="sm"/>
+            <a:tailEnd type="none" w="sm" len="sm"/>
           </a:ln>
         </p:spPr>
       </p:cxnSp>
       <p:sp>
         <p:nvSpPr>
           <p:cNvPr id="42" name="Google Shape;42;p9"/>
-          <p:cNvSpPr txBox="1"/>
+          <p:cNvSpPr txBox="1">
+            <a:spLocks noGrp="1"/>
+          </p:cNvSpPr>
           <p:nvPr>
             <p:ph type="title"/>
           </p:nvPr>
@@ -5085,7 +5215,7 @@
           </a:prstGeom>
         </p:spPr>
         <p:txBody>
-          <a:bodyPr anchorCtr="0" anchor="b" bIns="91425" lIns="91425" spcFirstLastPara="1" rIns="91425" wrap="square" tIns="91425"/>
+          <a:bodyPr spcFirstLastPara="1" wrap="square" lIns="91425" tIns="91425" rIns="91425" bIns="91425" anchor="b" anchorCtr="0"/>
           <a:lstStyle>
             <a:lvl1pPr lvl="0" algn="ctr">
               <a:spcBef>
@@ -5250,15 +5380,19 @@
               </a:defRPr>
             </a:lvl9pPr>
           </a:lstStyle>
-          <a:p/>
+          <a:p>
+            <a:endParaRPr/>
+          </a:p>
         </p:txBody>
       </p:sp>
       <p:sp>
         <p:nvSpPr>
           <p:cNvPr id="43" name="Google Shape;43;p9"/>
-          <p:cNvSpPr txBox="1"/>
+          <p:cNvSpPr txBox="1">
+            <a:spLocks noGrp="1"/>
+          </p:cNvSpPr>
           <p:nvPr>
-            <p:ph idx="1" type="subTitle"/>
+            <p:ph type="subTitle" idx="1"/>
           </p:nvPr>
         </p:nvSpPr>
         <p:spPr>
@@ -5271,7 +5405,7 @@
           </a:prstGeom>
         </p:spPr>
         <p:txBody>
-          <a:bodyPr anchorCtr="0" anchor="t" bIns="91425" lIns="91425" spcFirstLastPara="1" rIns="91425" wrap="square" tIns="91425"/>
+          <a:bodyPr spcFirstLastPara="1" wrap="square" lIns="91425" tIns="91425" rIns="91425" bIns="91425" anchor="t" anchorCtr="0"/>
           <a:lstStyle>
             <a:lvl1pPr lvl="0" algn="ctr">
               <a:lnSpc>
@@ -5400,15 +5534,19 @@
               <a:defRPr sz="2100"/>
             </a:lvl9pPr>
           </a:lstStyle>
-          <a:p/>
+          <a:p>
+            <a:endParaRPr/>
+          </a:p>
         </p:txBody>
       </p:sp>
       <p:sp>
         <p:nvSpPr>
           <p:cNvPr id="44" name="Google Shape;44;p9"/>
-          <p:cNvSpPr txBox="1"/>
+          <p:cNvSpPr txBox="1">
+            <a:spLocks noGrp="1"/>
+          </p:cNvSpPr>
           <p:nvPr>
-            <p:ph idx="2" type="body"/>
+            <p:ph type="body" idx="2"/>
           </p:nvPr>
         </p:nvSpPr>
         <p:spPr>
@@ -5421,9 +5559,9 @@
           </a:prstGeom>
         </p:spPr>
         <p:txBody>
-          <a:bodyPr anchorCtr="0" anchor="ctr" bIns="91425" lIns="91425" spcFirstLastPara="1" rIns="91425" wrap="square" tIns="91425"/>
+          <a:bodyPr spcFirstLastPara="1" wrap="square" lIns="91425" tIns="91425" rIns="91425" bIns="91425" anchor="ctr" anchorCtr="0"/>
           <a:lstStyle>
-            <a:lvl1pPr indent="-342900" lvl="0" marL="457200">
+            <a:lvl1pPr marL="457200" lvl="0" indent="-342900">
               <a:spcBef>
                 <a:spcPts val="0"/>
               </a:spcBef>
@@ -5441,7 +5579,7 @@
                 </a:solidFill>
               </a:defRPr>
             </a:lvl1pPr>
-            <a:lvl2pPr indent="-317500" lvl="1" marL="914400">
+            <a:lvl2pPr marL="914400" lvl="1" indent="-317500">
               <a:spcBef>
                 <a:spcPts val="1600"/>
               </a:spcBef>
@@ -5459,7 +5597,7 @@
                 </a:solidFill>
               </a:defRPr>
             </a:lvl2pPr>
-            <a:lvl3pPr indent="-317500" lvl="2" marL="1371600">
+            <a:lvl3pPr marL="1371600" lvl="2" indent="-317500">
               <a:spcBef>
                 <a:spcPts val="1600"/>
               </a:spcBef>
@@ -5477,7 +5615,7 @@
                 </a:solidFill>
               </a:defRPr>
             </a:lvl3pPr>
-            <a:lvl4pPr indent="-317500" lvl="3" marL="1828800">
+            <a:lvl4pPr marL="1828800" lvl="3" indent="-317500">
               <a:spcBef>
                 <a:spcPts val="1600"/>
               </a:spcBef>
@@ -5495,7 +5633,7 @@
                 </a:solidFill>
               </a:defRPr>
             </a:lvl4pPr>
-            <a:lvl5pPr indent="-317500" lvl="4" marL="2286000">
+            <a:lvl5pPr marL="2286000" lvl="4" indent="-317500">
               <a:spcBef>
                 <a:spcPts val="1600"/>
               </a:spcBef>
@@ -5513,7 +5651,7 @@
                 </a:solidFill>
               </a:defRPr>
             </a:lvl5pPr>
-            <a:lvl6pPr indent="-317500" lvl="5" marL="2743200">
+            <a:lvl6pPr marL="2743200" lvl="5" indent="-317500">
               <a:spcBef>
                 <a:spcPts val="1600"/>
               </a:spcBef>
@@ -5531,7 +5669,7 @@
                 </a:solidFill>
               </a:defRPr>
             </a:lvl6pPr>
-            <a:lvl7pPr indent="-317500" lvl="6" marL="3200400">
+            <a:lvl7pPr marL="3200400" lvl="6" indent="-317500">
               <a:spcBef>
                 <a:spcPts val="1600"/>
               </a:spcBef>
@@ -5549,7 +5687,7 @@
                 </a:solidFill>
               </a:defRPr>
             </a:lvl7pPr>
-            <a:lvl8pPr indent="-317500" lvl="7" marL="3657600">
+            <a:lvl8pPr marL="3657600" lvl="7" indent="-317500">
               <a:spcBef>
                 <a:spcPts val="1600"/>
               </a:spcBef>
@@ -5567,7 +5705,7 @@
                 </a:solidFill>
               </a:defRPr>
             </a:lvl8pPr>
-            <a:lvl9pPr indent="-317500" lvl="8" marL="4114800">
+            <a:lvl9pPr marL="4114800" lvl="8" indent="-317500">
               <a:spcBef>
                 <a:spcPts val="1600"/>
               </a:spcBef>
@@ -5586,15 +5724,19 @@
               </a:defRPr>
             </a:lvl9pPr>
           </a:lstStyle>
-          <a:p/>
+          <a:p>
+            <a:endParaRPr/>
+          </a:p>
         </p:txBody>
       </p:sp>
       <p:sp>
         <p:nvSpPr>
           <p:cNvPr id="45" name="Google Shape;45;p9"/>
-          <p:cNvSpPr txBox="1"/>
+          <p:cNvSpPr txBox="1">
+            <a:spLocks noGrp="1"/>
+          </p:cNvSpPr>
           <p:nvPr>
-            <p:ph idx="12" type="sldNum"/>
+            <p:ph type="sldNum" idx="12"/>
           </p:nvPr>
         </p:nvSpPr>
         <p:spPr>
@@ -5607,7 +5749,7 @@
           </a:prstGeom>
         </p:spPr>
         <p:txBody>
-          <a:bodyPr anchorCtr="0" anchor="ctr" bIns="91425" lIns="91425" spcFirstLastPara="1" rIns="91425" wrap="square" tIns="91425">
+          <a:bodyPr spcFirstLastPara="1" wrap="square" lIns="91425" tIns="91425" rIns="91425" bIns="91425" anchor="ctr" anchorCtr="0">
             <a:noAutofit/>
           </a:bodyPr>
           <a:lstStyle>
@@ -5685,7 +5827,7 @@
             </a:lvl9pPr>
           </a:lstStyle>
           <a:p>
-            <a:pPr indent="0" lvl="0" marL="0" rtl="0" algn="r">
+            <a:pPr marL="0" lvl="0" indent="0" algn="r" rtl="0">
               <a:spcBef>
                 <a:spcPts val="0"/>
               </a:spcBef>
@@ -5711,11 +5853,11 @@
 </file>
 
 <file path=ppt/slideLayouts/slideLayout9.xml><?xml version="1.0" encoding="utf-8"?>
-<p:sldLayout xmlns:a="http://schemas.openxmlformats.org/drawingml/2006/main" xmlns:r="http://schemas.openxmlformats.org/officeDocument/2006/relationships" xmlns:mc="http://schemas.openxmlformats.org/markup-compatibility/2006" xmlns:mv="urn:schemas-microsoft-com:mac:vml" xmlns:p="http://schemas.openxmlformats.org/presentationml/2006/main" xmlns:c="http://schemas.openxmlformats.org/drawingml/2006/chart" xmlns:dgm="http://schemas.openxmlformats.org/drawingml/2006/diagram" xmlns:o="urn:schemas-microsoft-com:office:office" xmlns:v="urn:schemas-microsoft-com:vml" xmlns:pvml="urn:schemas-microsoft-com:office:powerpoint" xmlns:com="http://schemas.openxmlformats.org/drawingml/2006/compatibility" xmlns:p14="http://schemas.microsoft.com/office/powerpoint/2010/main" xmlns:p15="http://schemas.microsoft.com/office/powerpoint/2012/main" matchingName="Caption">
+<p:sldLayout xmlns:a="http://schemas.openxmlformats.org/drawingml/2006/main" xmlns:r="http://schemas.openxmlformats.org/officeDocument/2006/relationships" xmlns:p="http://schemas.openxmlformats.org/presentationml/2006/main" matchingName="Caption">
   <p:cSld name="CAPTION_ONLY">
     <p:spTree>
       <p:nvGrpSpPr>
-        <p:cNvPr id="46" name="Shape 46"/>
+        <p:cNvPr id="1" name="Shape 46"/>
         <p:cNvGrpSpPr/>
         <p:nvPr/>
       </p:nvGrpSpPr>
@@ -5730,9 +5872,11 @@
       <p:sp>
         <p:nvSpPr>
           <p:cNvPr id="47" name="Google Shape;47;p10"/>
-          <p:cNvSpPr txBox="1"/>
+          <p:cNvSpPr txBox="1">
+            <a:spLocks noGrp="1"/>
+          </p:cNvSpPr>
           <p:nvPr>
-            <p:ph idx="1" type="body"/>
+            <p:ph type="body" idx="1"/>
           </p:nvPr>
         </p:nvSpPr>
         <p:spPr>
@@ -5745,9 +5889,9 @@
           </a:prstGeom>
         </p:spPr>
         <p:txBody>
-          <a:bodyPr anchorCtr="0" anchor="ctr" bIns="91425" lIns="91425" spcFirstLastPara="1" rIns="91425" wrap="square" tIns="91425"/>
+          <a:bodyPr spcFirstLastPara="1" wrap="square" lIns="91425" tIns="91425" rIns="91425" bIns="91425" anchor="ctr" anchorCtr="0"/>
           <a:lstStyle>
-            <a:lvl1pPr indent="-228600" lvl="0" marL="457200">
+            <a:lvl1pPr marL="457200" lvl="0" indent="-228600">
               <a:lnSpc>
                 <a:spcPct val="100000"/>
               </a:lnSpc>
@@ -5762,15 +5906,19 @@
               <a:defRPr/>
             </a:lvl1pPr>
           </a:lstStyle>
-          <a:p/>
+          <a:p>
+            <a:endParaRPr/>
+          </a:p>
         </p:txBody>
       </p:sp>
       <p:sp>
         <p:nvSpPr>
           <p:cNvPr id="48" name="Google Shape;48;p10"/>
-          <p:cNvSpPr txBox="1"/>
+          <p:cNvSpPr txBox="1">
+            <a:spLocks noGrp="1"/>
+          </p:cNvSpPr>
           <p:nvPr>
-            <p:ph idx="12" type="sldNum"/>
+            <p:ph type="sldNum" idx="12"/>
           </p:nvPr>
         </p:nvSpPr>
         <p:spPr>
@@ -5783,7 +5931,7 @@
           </a:prstGeom>
         </p:spPr>
         <p:txBody>
-          <a:bodyPr anchorCtr="0" anchor="ctr" bIns="91425" lIns="91425" spcFirstLastPara="1" rIns="91425" wrap="square" tIns="91425">
+          <a:bodyPr spcFirstLastPara="1" wrap="square" lIns="91425" tIns="91425" rIns="91425" bIns="91425" anchor="ctr" anchorCtr="0">
             <a:noAutofit/>
           </a:bodyPr>
           <a:lstStyle>
@@ -5825,7 +5973,7 @@
             </a:lvl9pPr>
           </a:lstStyle>
           <a:p>
-            <a:pPr indent="0" lvl="0" marL="0" rtl="0" algn="r">
+            <a:pPr marL="0" lvl="0" indent="0" algn="r" rtl="0">
               <a:spcBef>
                 <a:spcPts val="0"/>
               </a:spcBef>
@@ -5851,18 +5999,19 @@
 </file>
 
 <file path=ppt/slideMasters/slideMaster1.xml><?xml version="1.0" encoding="utf-8"?>
-<p:sldMaster xmlns:a="http://schemas.openxmlformats.org/drawingml/2006/main" xmlns:r="http://schemas.openxmlformats.org/officeDocument/2006/relationships" xmlns:mc="http://schemas.openxmlformats.org/markup-compatibility/2006" xmlns:mv="urn:schemas-microsoft-com:mac:vml" xmlns:p="http://schemas.openxmlformats.org/presentationml/2006/main" xmlns:c="http://schemas.openxmlformats.org/drawingml/2006/chart" xmlns:dgm="http://schemas.openxmlformats.org/drawingml/2006/diagram" xmlns:o="urn:schemas-microsoft-com:office:office" xmlns:v="urn:schemas-microsoft-com:vml" xmlns:pvml="urn:schemas-microsoft-com:office:powerpoint" xmlns:com="http://schemas.openxmlformats.org/drawingml/2006/compatibility" xmlns:p14="http://schemas.microsoft.com/office/powerpoint/2010/main" xmlns:p15="http://schemas.microsoft.com/office/powerpoint/2012/main">
+<p:sldMaster xmlns:a="http://schemas.openxmlformats.org/drawingml/2006/main" xmlns:r="http://schemas.openxmlformats.org/officeDocument/2006/relationships" xmlns:p="http://schemas.openxmlformats.org/presentationml/2006/main">
   <p:cSld name="paperback">
     <p:bg>
       <p:bgPr>
         <a:solidFill>
           <a:schemeClr val="accent1"/>
         </a:solidFill>
+        <a:effectLst/>
       </p:bgPr>
     </p:bg>
     <p:spTree>
       <p:nvGrpSpPr>
-        <p:cNvPr id="5" name="Shape 5"/>
+        <p:cNvPr id="1" name="Shape 5"/>
         <p:cNvGrpSpPr/>
         <p:nvPr/>
       </p:nvGrpSpPr>
@@ -5877,7 +6026,9 @@
       <p:sp>
         <p:nvSpPr>
           <p:cNvPr id="6" name="Google Shape;6;p1"/>
-          <p:cNvSpPr txBox="1"/>
+          <p:cNvSpPr txBox="1">
+            <a:spLocks noGrp="1"/>
+          </p:cNvSpPr>
           <p:nvPr>
             <p:ph type="title"/>
           </p:nvPr>
@@ -5896,7 +6047,7 @@
           </a:ln>
         </p:spPr>
         <p:txBody>
-          <a:bodyPr anchorCtr="0" anchor="t" bIns="91425" lIns="91425" spcFirstLastPara="1" rIns="91425" wrap="square" tIns="91425"/>
+          <a:bodyPr spcFirstLastPara="1" wrap="square" lIns="91425" tIns="91425" rIns="91425" bIns="91425" anchor="t" anchorCtr="0"/>
           <a:lstStyle>
             <a:lvl1pPr lvl="0">
               <a:spcBef>
@@ -6106,15 +6257,19 @@
               </a:defRPr>
             </a:lvl9pPr>
           </a:lstStyle>
-          <a:p/>
+          <a:p>
+            <a:endParaRPr/>
+          </a:p>
         </p:txBody>
       </p:sp>
       <p:sp>
         <p:nvSpPr>
           <p:cNvPr id="7" name="Google Shape;7;p1"/>
-          <p:cNvSpPr txBox="1"/>
+          <p:cNvSpPr txBox="1">
+            <a:spLocks noGrp="1"/>
+          </p:cNvSpPr>
           <p:nvPr>
-            <p:ph idx="1" type="body"/>
+            <p:ph type="body" idx="1"/>
           </p:nvPr>
         </p:nvSpPr>
         <p:spPr>
@@ -6131,9 +6286,9 @@
           </a:ln>
         </p:spPr>
         <p:txBody>
-          <a:bodyPr anchorCtr="0" anchor="t" bIns="91425" lIns="91425" spcFirstLastPara="1" rIns="91425" wrap="square" tIns="91425"/>
+          <a:bodyPr spcFirstLastPara="1" wrap="square" lIns="91425" tIns="91425" rIns="91425" bIns="91425" anchor="t" anchorCtr="0"/>
           <a:lstStyle>
-            <a:lvl1pPr indent="-342900" lvl="0" marL="457200">
+            <a:lvl1pPr marL="457200" lvl="0" indent="-342900">
               <a:lnSpc>
                 <a:spcPct val="115000"/>
               </a:lnSpc>
@@ -6159,7 +6314,7 @@
                 <a:sym typeface="Old Standard TT"/>
               </a:defRPr>
             </a:lvl1pPr>
-            <a:lvl2pPr indent="-317500" lvl="1" marL="914400">
+            <a:lvl2pPr marL="914400" lvl="1" indent="-317500">
               <a:lnSpc>
                 <a:spcPct val="115000"/>
               </a:lnSpc>
@@ -6185,7 +6340,7 @@
                 <a:sym typeface="Old Standard TT"/>
               </a:defRPr>
             </a:lvl2pPr>
-            <a:lvl3pPr indent="-317500" lvl="2" marL="1371600">
+            <a:lvl3pPr marL="1371600" lvl="2" indent="-317500">
               <a:lnSpc>
                 <a:spcPct val="115000"/>
               </a:lnSpc>
@@ -6211,7 +6366,7 @@
                 <a:sym typeface="Old Standard TT"/>
               </a:defRPr>
             </a:lvl3pPr>
-            <a:lvl4pPr indent="-317500" lvl="3" marL="1828800">
+            <a:lvl4pPr marL="1828800" lvl="3" indent="-317500">
               <a:lnSpc>
                 <a:spcPct val="115000"/>
               </a:lnSpc>
@@ -6237,7 +6392,7 @@
                 <a:sym typeface="Old Standard TT"/>
               </a:defRPr>
             </a:lvl4pPr>
-            <a:lvl5pPr indent="-317500" lvl="4" marL="2286000">
+            <a:lvl5pPr marL="2286000" lvl="4" indent="-317500">
               <a:lnSpc>
                 <a:spcPct val="115000"/>
               </a:lnSpc>
@@ -6263,7 +6418,7 @@
                 <a:sym typeface="Old Standard TT"/>
               </a:defRPr>
             </a:lvl5pPr>
-            <a:lvl6pPr indent="-317500" lvl="5" marL="2743200">
+            <a:lvl6pPr marL="2743200" lvl="5" indent="-317500">
               <a:lnSpc>
                 <a:spcPct val="115000"/>
               </a:lnSpc>
@@ -6289,7 +6444,7 @@
                 <a:sym typeface="Old Standard TT"/>
               </a:defRPr>
             </a:lvl6pPr>
-            <a:lvl7pPr indent="-317500" lvl="6" marL="3200400">
+            <a:lvl7pPr marL="3200400" lvl="6" indent="-317500">
               <a:lnSpc>
                 <a:spcPct val="115000"/>
               </a:lnSpc>
@@ -6315,7 +6470,7 @@
                 <a:sym typeface="Old Standard TT"/>
               </a:defRPr>
             </a:lvl7pPr>
-            <a:lvl8pPr indent="-317500" lvl="7" marL="3657600">
+            <a:lvl8pPr marL="3657600" lvl="7" indent="-317500">
               <a:lnSpc>
                 <a:spcPct val="115000"/>
               </a:lnSpc>
@@ -6341,7 +6496,7 @@
                 <a:sym typeface="Old Standard TT"/>
               </a:defRPr>
             </a:lvl8pPr>
-            <a:lvl9pPr indent="-317500" lvl="8" marL="4114800">
+            <a:lvl9pPr marL="4114800" lvl="8" indent="-317500">
               <a:lnSpc>
                 <a:spcPct val="115000"/>
               </a:lnSpc>
@@ -6368,15 +6523,19 @@
               </a:defRPr>
             </a:lvl9pPr>
           </a:lstStyle>
-          <a:p/>
+          <a:p>
+            <a:endParaRPr/>
+          </a:p>
         </p:txBody>
       </p:sp>
       <p:sp>
         <p:nvSpPr>
           <p:cNvPr id="8" name="Google Shape;8;p1"/>
-          <p:cNvSpPr txBox="1"/>
+          <p:cNvSpPr txBox="1">
+            <a:spLocks noGrp="1"/>
+          </p:cNvSpPr>
           <p:nvPr>
-            <p:ph idx="12" type="sldNum"/>
+            <p:ph type="sldNum" idx="12"/>
           </p:nvPr>
         </p:nvSpPr>
         <p:spPr>
@@ -6393,7 +6552,7 @@
           </a:ln>
         </p:spPr>
         <p:txBody>
-          <a:bodyPr anchorCtr="0" anchor="ctr" bIns="91425" lIns="91425" spcFirstLastPara="1" rIns="91425" wrap="square" tIns="91425">
+          <a:bodyPr spcFirstLastPara="1" wrap="square" lIns="91425" tIns="91425" rIns="91425" bIns="91425" anchor="ctr" anchorCtr="0">
             <a:noAutofit/>
           </a:bodyPr>
           <a:lstStyle>
@@ -6507,7 +6666,7 @@
             </a:lvl9pPr>
           </a:lstStyle>
           <a:p>
-            <a:pPr indent="0" lvl="0" marL="0" rtl="0" algn="r">
+            <a:pPr marL="0" lvl="0" indent="0" algn="r" rtl="0">
               <a:spcBef>
                 <a:spcPts val="0"/>
               </a:spcBef>
@@ -6526,7 +6685,7 @@
       </p:sp>
     </p:spTree>
   </p:cSld>
-  <p:clrMap accent1="accent1" accent2="accent2" accent3="accent3" accent4="accent4" accent5="accent5" accent6="accent6" bg1="lt1" bg2="dk2" tx1="dk1" tx2="lt2" folHlink="folHlink" hlink="hlink"/>
+  <p:clrMap bg1="lt1" tx1="dk1" bg2="dk2" tx2="lt2" accent1="accent1" accent2="accent2" accent3="accent3" accent4="accent4" accent5="accent5" accent6="accent6" hlink="hlink" folHlink="folHlink"/>
   <p:sldLayoutIdLst>
     <p:sldLayoutId id="2147483648" r:id="rId1"/>
     <p:sldLayoutId id="2147483649" r:id="rId2"/>
@@ -6540,10 +6699,10 @@
     <p:sldLayoutId id="2147483657" r:id="rId10"/>
     <p:sldLayoutId id="2147483658" r:id="rId11"/>
   </p:sldLayoutIdLst>
-  <p:hf dt="0" ftr="0" hdr="0" sldNum="0"/>
+  <p:hf sldNum="0" hdr="0" ftr="0" dt="0"/>
   <p:txStyles>
     <p:titleStyle>
-      <a:defPPr lvl="0" marR="0" rtl="0" algn="l">
+      <a:defPPr marR="0" lvl="0" algn="l" rtl="0">
         <a:lnSpc>
           <a:spcPct val="100000"/>
         </a:lnSpc>
@@ -6554,7 +6713,7 @@
           <a:spcPts val="0"/>
         </a:spcAft>
       </a:defPPr>
-      <a:lvl1pPr lvl="0" marR="0" rtl="0" algn="l">
+      <a:lvl1pPr marR="0" lvl="0" algn="l" rtl="0">
         <a:lnSpc>
           <a:spcPct val="100000"/>
         </a:lnSpc>
@@ -6568,7 +6727,7 @@
           <a:srgbClr val="000000"/>
         </a:buClr>
         <a:buFont typeface="Arial"/>
-        <a:defRPr b="0" i="0" sz="1400" u="none" cap="none" strike="noStrike">
+        <a:defRPr sz="1400" b="0" i="0" u="none" strike="noStrike" cap="none">
           <a:solidFill>
             <a:srgbClr val="000000"/>
           </a:solidFill>
@@ -6578,7 +6737,7 @@
           <a:sym typeface="Arial"/>
         </a:defRPr>
       </a:lvl1pPr>
-      <a:lvl2pPr lvl="1" marR="0" rtl="0" algn="l">
+      <a:lvl2pPr marR="0" lvl="1" algn="l" rtl="0">
         <a:lnSpc>
           <a:spcPct val="100000"/>
         </a:lnSpc>
@@ -6592,7 +6751,7 @@
           <a:srgbClr val="000000"/>
         </a:buClr>
         <a:buFont typeface="Arial"/>
-        <a:defRPr b="0" i="0" sz="1400" u="none" cap="none" strike="noStrike">
+        <a:defRPr sz="1400" b="0" i="0" u="none" strike="noStrike" cap="none">
           <a:solidFill>
             <a:srgbClr val="000000"/>
           </a:solidFill>
@@ -6602,7 +6761,7 @@
           <a:sym typeface="Arial"/>
         </a:defRPr>
       </a:lvl2pPr>
-      <a:lvl3pPr lvl="2" marR="0" rtl="0" algn="l">
+      <a:lvl3pPr marR="0" lvl="2" algn="l" rtl="0">
         <a:lnSpc>
           <a:spcPct val="100000"/>
         </a:lnSpc>
@@ -6616,7 +6775,7 @@
           <a:srgbClr val="000000"/>
         </a:buClr>
         <a:buFont typeface="Arial"/>
-        <a:defRPr b="0" i="0" sz="1400" u="none" cap="none" strike="noStrike">
+        <a:defRPr sz="1400" b="0" i="0" u="none" strike="noStrike" cap="none">
           <a:solidFill>
             <a:srgbClr val="000000"/>
           </a:solidFill>
@@ -6626,7 +6785,7 @@
           <a:sym typeface="Arial"/>
         </a:defRPr>
       </a:lvl3pPr>
-      <a:lvl4pPr lvl="3" marR="0" rtl="0" algn="l">
+      <a:lvl4pPr marR="0" lvl="3" algn="l" rtl="0">
         <a:lnSpc>
           <a:spcPct val="100000"/>
         </a:lnSpc>
@@ -6640,7 +6799,7 @@
           <a:srgbClr val="000000"/>
         </a:buClr>
         <a:buFont typeface="Arial"/>
-        <a:defRPr b="0" i="0" sz="1400" u="none" cap="none" strike="noStrike">
+        <a:defRPr sz="1400" b="0" i="0" u="none" strike="noStrike" cap="none">
           <a:solidFill>
             <a:srgbClr val="000000"/>
           </a:solidFill>
@@ -6650,7 +6809,7 @@
           <a:sym typeface="Arial"/>
         </a:defRPr>
       </a:lvl4pPr>
-      <a:lvl5pPr lvl="4" marR="0" rtl="0" algn="l">
+      <a:lvl5pPr marR="0" lvl="4" algn="l" rtl="0">
         <a:lnSpc>
           <a:spcPct val="100000"/>
         </a:lnSpc>
@@ -6664,7 +6823,7 @@
           <a:srgbClr val="000000"/>
         </a:buClr>
         <a:buFont typeface="Arial"/>
-        <a:defRPr b="0" i="0" sz="1400" u="none" cap="none" strike="noStrike">
+        <a:defRPr sz="1400" b="0" i="0" u="none" strike="noStrike" cap="none">
           <a:solidFill>
             <a:srgbClr val="000000"/>
           </a:solidFill>
@@ -6674,7 +6833,7 @@
           <a:sym typeface="Arial"/>
         </a:defRPr>
       </a:lvl5pPr>
-      <a:lvl6pPr lvl="5" marR="0" rtl="0" algn="l">
+      <a:lvl6pPr marR="0" lvl="5" algn="l" rtl="0">
         <a:lnSpc>
           <a:spcPct val="100000"/>
         </a:lnSpc>
@@ -6688,7 +6847,7 @@
           <a:srgbClr val="000000"/>
         </a:buClr>
         <a:buFont typeface="Arial"/>
-        <a:defRPr b="0" i="0" sz="1400" u="none" cap="none" strike="noStrike">
+        <a:defRPr sz="1400" b="0" i="0" u="none" strike="noStrike" cap="none">
           <a:solidFill>
             <a:srgbClr val="000000"/>
           </a:solidFill>
@@ -6698,7 +6857,7 @@
           <a:sym typeface="Arial"/>
         </a:defRPr>
       </a:lvl6pPr>
-      <a:lvl7pPr lvl="6" marR="0" rtl="0" algn="l">
+      <a:lvl7pPr marR="0" lvl="6" algn="l" rtl="0">
         <a:lnSpc>
           <a:spcPct val="100000"/>
         </a:lnSpc>
@@ -6712,7 +6871,7 @@
           <a:srgbClr val="000000"/>
         </a:buClr>
         <a:buFont typeface="Arial"/>
-        <a:defRPr b="0" i="0" sz="1400" u="none" cap="none" strike="noStrike">
+        <a:defRPr sz="1400" b="0" i="0" u="none" strike="noStrike" cap="none">
           <a:solidFill>
             <a:srgbClr val="000000"/>
           </a:solidFill>
@@ -6722,7 +6881,7 @@
           <a:sym typeface="Arial"/>
         </a:defRPr>
       </a:lvl7pPr>
-      <a:lvl8pPr lvl="7" marR="0" rtl="0" algn="l">
+      <a:lvl8pPr marR="0" lvl="7" algn="l" rtl="0">
         <a:lnSpc>
           <a:spcPct val="100000"/>
         </a:lnSpc>
@@ -6736,7 +6895,7 @@
           <a:srgbClr val="000000"/>
         </a:buClr>
         <a:buFont typeface="Arial"/>
-        <a:defRPr b="0" i="0" sz="1400" u="none" cap="none" strike="noStrike">
+        <a:defRPr sz="1400" b="0" i="0" u="none" strike="noStrike" cap="none">
           <a:solidFill>
             <a:srgbClr val="000000"/>
           </a:solidFill>
@@ -6746,7 +6905,7 @@
           <a:sym typeface="Arial"/>
         </a:defRPr>
       </a:lvl8pPr>
-      <a:lvl9pPr lvl="8" marR="0" rtl="0" algn="l">
+      <a:lvl9pPr marR="0" lvl="8" algn="l" rtl="0">
         <a:lnSpc>
           <a:spcPct val="100000"/>
         </a:lnSpc>
@@ -6760,7 +6919,7 @@
           <a:srgbClr val="000000"/>
         </a:buClr>
         <a:buFont typeface="Arial"/>
-        <a:defRPr b="0" i="0" sz="1400" u="none" cap="none" strike="noStrike">
+        <a:defRPr sz="1400" b="0" i="0" u="none" strike="noStrike" cap="none">
           <a:solidFill>
             <a:srgbClr val="000000"/>
           </a:solidFill>
@@ -6772,7 +6931,7 @@
       </a:lvl9pPr>
     </p:titleStyle>
     <p:bodyStyle>
-      <a:defPPr lvl="0" marR="0" rtl="0" algn="l">
+      <a:defPPr marR="0" lvl="0" algn="l" rtl="0">
         <a:lnSpc>
           <a:spcPct val="100000"/>
         </a:lnSpc>
@@ -6783,7 +6942,7 @@
           <a:spcPts val="0"/>
         </a:spcAft>
       </a:defPPr>
-      <a:lvl1pPr lvl="0" marR="0" rtl="0" algn="l">
+      <a:lvl1pPr marR="0" lvl="0" algn="l" rtl="0">
         <a:lnSpc>
           <a:spcPct val="100000"/>
         </a:lnSpc>
@@ -6797,7 +6956,7 @@
           <a:srgbClr val="000000"/>
         </a:buClr>
         <a:buFont typeface="Arial"/>
-        <a:defRPr b="0" i="0" sz="1400" u="none" cap="none" strike="noStrike">
+        <a:defRPr sz="1400" b="0" i="0" u="none" strike="noStrike" cap="none">
           <a:solidFill>
             <a:srgbClr val="000000"/>
           </a:solidFill>
@@ -6807,7 +6966,7 @@
           <a:sym typeface="Arial"/>
         </a:defRPr>
       </a:lvl1pPr>
-      <a:lvl2pPr lvl="1" marR="0" rtl="0" algn="l">
+      <a:lvl2pPr marR="0" lvl="1" algn="l" rtl="0">
         <a:lnSpc>
           <a:spcPct val="100000"/>
         </a:lnSpc>
@@ -6821,7 +6980,7 @@
           <a:srgbClr val="000000"/>
         </a:buClr>
         <a:buFont typeface="Arial"/>
-        <a:defRPr b="0" i="0" sz="1400" u="none" cap="none" strike="noStrike">
+        <a:defRPr sz="1400" b="0" i="0" u="none" strike="noStrike" cap="none">
           <a:solidFill>
             <a:srgbClr val="000000"/>
           </a:solidFill>
@@ -6831,7 +6990,7 @@
           <a:sym typeface="Arial"/>
         </a:defRPr>
       </a:lvl2pPr>
-      <a:lvl3pPr lvl="2" marR="0" rtl="0" algn="l">
+      <a:lvl3pPr marR="0" lvl="2" algn="l" rtl="0">
         <a:lnSpc>
           <a:spcPct val="100000"/>
         </a:lnSpc>
@@ -6845,7 +7004,7 @@
           <a:srgbClr val="000000"/>
         </a:buClr>
         <a:buFont typeface="Arial"/>
-        <a:defRPr b="0" i="0" sz="1400" u="none" cap="none" strike="noStrike">
+        <a:defRPr sz="1400" b="0" i="0" u="none" strike="noStrike" cap="none">
           <a:solidFill>
             <a:srgbClr val="000000"/>
           </a:solidFill>
@@ -6855,7 +7014,7 @@
           <a:sym typeface="Arial"/>
         </a:defRPr>
       </a:lvl3pPr>
-      <a:lvl4pPr lvl="3" marR="0" rtl="0" algn="l">
+      <a:lvl4pPr marR="0" lvl="3" algn="l" rtl="0">
         <a:lnSpc>
           <a:spcPct val="100000"/>
         </a:lnSpc>
@@ -6869,7 +7028,7 @@
           <a:srgbClr val="000000"/>
         </a:buClr>
         <a:buFont typeface="Arial"/>
-        <a:defRPr b="0" i="0" sz="1400" u="none" cap="none" strike="noStrike">
+        <a:defRPr sz="1400" b="0" i="0" u="none" strike="noStrike" cap="none">
           <a:solidFill>
             <a:srgbClr val="000000"/>
           </a:solidFill>
@@ -6879,7 +7038,7 @@
           <a:sym typeface="Arial"/>
         </a:defRPr>
       </a:lvl4pPr>
-      <a:lvl5pPr lvl="4" marR="0" rtl="0" algn="l">
+      <a:lvl5pPr marR="0" lvl="4" algn="l" rtl="0">
         <a:lnSpc>
           <a:spcPct val="100000"/>
         </a:lnSpc>
@@ -6893,7 +7052,7 @@
           <a:srgbClr val="000000"/>
         </a:buClr>
         <a:buFont typeface="Arial"/>
-        <a:defRPr b="0" i="0" sz="1400" u="none" cap="none" strike="noStrike">
+        <a:defRPr sz="1400" b="0" i="0" u="none" strike="noStrike" cap="none">
           <a:solidFill>
             <a:srgbClr val="000000"/>
           </a:solidFill>
@@ -6903,7 +7062,7 @@
           <a:sym typeface="Arial"/>
         </a:defRPr>
       </a:lvl5pPr>
-      <a:lvl6pPr lvl="5" marR="0" rtl="0" algn="l">
+      <a:lvl6pPr marR="0" lvl="5" algn="l" rtl="0">
         <a:lnSpc>
           <a:spcPct val="100000"/>
         </a:lnSpc>
@@ -6917,7 +7076,7 @@
           <a:srgbClr val="000000"/>
         </a:buClr>
         <a:buFont typeface="Arial"/>
-        <a:defRPr b="0" i="0" sz="1400" u="none" cap="none" strike="noStrike">
+        <a:defRPr sz="1400" b="0" i="0" u="none" strike="noStrike" cap="none">
           <a:solidFill>
             <a:srgbClr val="000000"/>
           </a:solidFill>
@@ -6927,7 +7086,7 @@
           <a:sym typeface="Arial"/>
         </a:defRPr>
       </a:lvl6pPr>
-      <a:lvl7pPr lvl="6" marR="0" rtl="0" algn="l">
+      <a:lvl7pPr marR="0" lvl="6" algn="l" rtl="0">
         <a:lnSpc>
           <a:spcPct val="100000"/>
         </a:lnSpc>
@@ -6941,7 +7100,7 @@
           <a:srgbClr val="000000"/>
         </a:buClr>
         <a:buFont typeface="Arial"/>
-        <a:defRPr b="0" i="0" sz="1400" u="none" cap="none" strike="noStrike">
+        <a:defRPr sz="1400" b="0" i="0" u="none" strike="noStrike" cap="none">
           <a:solidFill>
             <a:srgbClr val="000000"/>
           </a:solidFill>
@@ -6951,7 +7110,7 @@
           <a:sym typeface="Arial"/>
         </a:defRPr>
       </a:lvl7pPr>
-      <a:lvl8pPr lvl="7" marR="0" rtl="0" algn="l">
+      <a:lvl8pPr marR="0" lvl="7" algn="l" rtl="0">
         <a:lnSpc>
           <a:spcPct val="100000"/>
         </a:lnSpc>
@@ -6965,7 +7124,7 @@
           <a:srgbClr val="000000"/>
         </a:buClr>
         <a:buFont typeface="Arial"/>
-        <a:defRPr b="0" i="0" sz="1400" u="none" cap="none" strike="noStrike">
+        <a:defRPr sz="1400" b="0" i="0" u="none" strike="noStrike" cap="none">
           <a:solidFill>
             <a:srgbClr val="000000"/>
           </a:solidFill>
@@ -6975,7 +7134,7 @@
           <a:sym typeface="Arial"/>
         </a:defRPr>
       </a:lvl8pPr>
-      <a:lvl9pPr lvl="8" marR="0" rtl="0" algn="l">
+      <a:lvl9pPr marR="0" lvl="8" algn="l" rtl="0">
         <a:lnSpc>
           <a:spcPct val="100000"/>
         </a:lnSpc>
@@ -6989,7 +7148,7 @@
           <a:srgbClr val="000000"/>
         </a:buClr>
         <a:buFont typeface="Arial"/>
-        <a:defRPr b="0" i="0" sz="1400" u="none" cap="none" strike="noStrike">
+        <a:defRPr sz="1400" b="0" i="0" u="none" strike="noStrike" cap="none">
           <a:solidFill>
             <a:srgbClr val="000000"/>
           </a:solidFill>
@@ -7001,7 +7160,7 @@
       </a:lvl9pPr>
     </p:bodyStyle>
     <p:otherStyle>
-      <a:defPPr lvl="0" marR="0" rtl="0" algn="l">
+      <a:defPPr marR="0" lvl="0" algn="l" rtl="0">
         <a:lnSpc>
           <a:spcPct val="100000"/>
         </a:lnSpc>
@@ -7012,7 +7171,7 @@
           <a:spcPts val="0"/>
         </a:spcAft>
       </a:defPPr>
-      <a:lvl1pPr lvl="0" marR="0" rtl="0" algn="l">
+      <a:lvl1pPr marR="0" lvl="0" algn="l" rtl="0">
         <a:lnSpc>
           <a:spcPct val="100000"/>
         </a:lnSpc>
@@ -7026,7 +7185,7 @@
           <a:srgbClr val="000000"/>
         </a:buClr>
         <a:buFont typeface="Arial"/>
-        <a:defRPr b="0" i="0" sz="1400" u="none" cap="none" strike="noStrike">
+        <a:defRPr sz="1400" b="0" i="0" u="none" strike="noStrike" cap="none">
           <a:solidFill>
             <a:srgbClr val="000000"/>
           </a:solidFill>
@@ -7036,7 +7195,7 @@
           <a:sym typeface="Arial"/>
         </a:defRPr>
       </a:lvl1pPr>
-      <a:lvl2pPr lvl="1" marR="0" rtl="0" algn="l">
+      <a:lvl2pPr marR="0" lvl="1" algn="l" rtl="0">
         <a:lnSpc>
           <a:spcPct val="100000"/>
         </a:lnSpc>
@@ -7050,7 +7209,7 @@
           <a:srgbClr val="000000"/>
         </a:buClr>
         <a:buFont typeface="Arial"/>
-        <a:defRPr b="0" i="0" sz="1400" u="none" cap="none" strike="noStrike">
+        <a:defRPr sz="1400" b="0" i="0" u="none" strike="noStrike" cap="none">
           <a:solidFill>
             <a:srgbClr val="000000"/>
           </a:solidFill>
@@ -7060,7 +7219,7 @@
           <a:sym typeface="Arial"/>
         </a:defRPr>
       </a:lvl2pPr>
-      <a:lvl3pPr lvl="2" marR="0" rtl="0" algn="l">
+      <a:lvl3pPr marR="0" lvl="2" algn="l" rtl="0">
         <a:lnSpc>
           <a:spcPct val="100000"/>
         </a:lnSpc>
@@ -7074,7 +7233,7 @@
           <a:srgbClr val="000000"/>
         </a:buClr>
         <a:buFont typeface="Arial"/>
-        <a:defRPr b="0" i="0" sz="1400" u="none" cap="none" strike="noStrike">
+        <a:defRPr sz="1400" b="0" i="0" u="none" strike="noStrike" cap="none">
           <a:solidFill>
             <a:srgbClr val="000000"/>
           </a:solidFill>
@@ -7084,7 +7243,7 @@
           <a:sym typeface="Arial"/>
         </a:defRPr>
       </a:lvl3pPr>
-      <a:lvl4pPr lvl="3" marR="0" rtl="0" algn="l">
+      <a:lvl4pPr marR="0" lvl="3" algn="l" rtl="0">
         <a:lnSpc>
           <a:spcPct val="100000"/>
         </a:lnSpc>
@@ -7098,7 +7257,7 @@
           <a:srgbClr val="000000"/>
         </a:buClr>
         <a:buFont typeface="Arial"/>
-        <a:defRPr b="0" i="0" sz="1400" u="none" cap="none" strike="noStrike">
+        <a:defRPr sz="1400" b="0" i="0" u="none" strike="noStrike" cap="none">
           <a:solidFill>
             <a:srgbClr val="000000"/>
           </a:solidFill>
@@ -7108,7 +7267,7 @@
           <a:sym typeface="Arial"/>
         </a:defRPr>
       </a:lvl4pPr>
-      <a:lvl5pPr lvl="4" marR="0" rtl="0" algn="l">
+      <a:lvl5pPr marR="0" lvl="4" algn="l" rtl="0">
         <a:lnSpc>
           <a:spcPct val="100000"/>
         </a:lnSpc>
@@ -7122,7 +7281,7 @@
           <a:srgbClr val="000000"/>
         </a:buClr>
         <a:buFont typeface="Arial"/>
-        <a:defRPr b="0" i="0" sz="1400" u="none" cap="none" strike="noStrike">
+        <a:defRPr sz="1400" b="0" i="0" u="none" strike="noStrike" cap="none">
           <a:solidFill>
             <a:srgbClr val="000000"/>
           </a:solidFill>
@@ -7132,7 +7291,7 @@
           <a:sym typeface="Arial"/>
         </a:defRPr>
       </a:lvl5pPr>
-      <a:lvl6pPr lvl="5" marR="0" rtl="0" algn="l">
+      <a:lvl6pPr marR="0" lvl="5" algn="l" rtl="0">
         <a:lnSpc>
           <a:spcPct val="100000"/>
         </a:lnSpc>
@@ -7146,7 +7305,7 @@
           <a:srgbClr val="000000"/>
         </a:buClr>
         <a:buFont typeface="Arial"/>
-        <a:defRPr b="0" i="0" sz="1400" u="none" cap="none" strike="noStrike">
+        <a:defRPr sz="1400" b="0" i="0" u="none" strike="noStrike" cap="none">
           <a:solidFill>
             <a:srgbClr val="000000"/>
           </a:solidFill>
@@ -7156,7 +7315,7 @@
           <a:sym typeface="Arial"/>
         </a:defRPr>
       </a:lvl6pPr>
-      <a:lvl7pPr lvl="6" marR="0" rtl="0" algn="l">
+      <a:lvl7pPr marR="0" lvl="6" algn="l" rtl="0">
         <a:lnSpc>
           <a:spcPct val="100000"/>
         </a:lnSpc>
@@ -7170,7 +7329,7 @@
           <a:srgbClr val="000000"/>
         </a:buClr>
         <a:buFont typeface="Arial"/>
-        <a:defRPr b="0" i="0" sz="1400" u="none" cap="none" strike="noStrike">
+        <a:defRPr sz="1400" b="0" i="0" u="none" strike="noStrike" cap="none">
           <a:solidFill>
             <a:srgbClr val="000000"/>
           </a:solidFill>
@@ -7180,7 +7339,7 @@
           <a:sym typeface="Arial"/>
         </a:defRPr>
       </a:lvl7pPr>
-      <a:lvl8pPr lvl="7" marR="0" rtl="0" algn="l">
+      <a:lvl8pPr marR="0" lvl="7" algn="l" rtl="0">
         <a:lnSpc>
           <a:spcPct val="100000"/>
         </a:lnSpc>
@@ -7194,7 +7353,7 @@
           <a:srgbClr val="000000"/>
         </a:buClr>
         <a:buFont typeface="Arial"/>
-        <a:defRPr b="0" i="0" sz="1400" u="none" cap="none" strike="noStrike">
+        <a:defRPr sz="1400" b="0" i="0" u="none" strike="noStrike" cap="none">
           <a:solidFill>
             <a:srgbClr val="000000"/>
           </a:solidFill>
@@ -7204,7 +7363,7 @@
           <a:sym typeface="Arial"/>
         </a:defRPr>
       </a:lvl8pPr>
-      <a:lvl9pPr lvl="8" marR="0" rtl="0" algn="l">
+      <a:lvl9pPr marR="0" lvl="8" algn="l" rtl="0">
         <a:lnSpc>
           <a:spcPct val="100000"/>
         </a:lnSpc>
@@ -7218,7 +7377,7 @@
           <a:srgbClr val="000000"/>
         </a:buClr>
         <a:buFont typeface="Arial"/>
-        <a:defRPr b="0" i="0" sz="1400" u="none" cap="none" strike="noStrike">
+        <a:defRPr sz="1400" b="0" i="0" u="none" strike="noStrike" cap="none">
           <a:solidFill>
             <a:srgbClr val="000000"/>
           </a:solidFill>
@@ -7234,11 +7393,11 @@
 </file>
 
 <file path=ppt/slides/slide1.xml><?xml version="1.0" encoding="utf-8"?>
-<p:sld xmlns:a="http://schemas.openxmlformats.org/drawingml/2006/main" xmlns:r="http://schemas.openxmlformats.org/officeDocument/2006/relationships" xmlns:mc="http://schemas.openxmlformats.org/markup-compatibility/2006" xmlns:mv="urn:schemas-microsoft-com:mac:vml" xmlns:p="http://schemas.openxmlformats.org/presentationml/2006/main" xmlns:c="http://schemas.openxmlformats.org/drawingml/2006/chart" xmlns:dgm="http://schemas.openxmlformats.org/drawingml/2006/diagram" xmlns:o="urn:schemas-microsoft-com:office:office" xmlns:v="urn:schemas-microsoft-com:vml" xmlns:pvml="urn:schemas-microsoft-com:office:powerpoint" xmlns:com="http://schemas.openxmlformats.org/drawingml/2006/compatibility" xmlns:p14="http://schemas.microsoft.com/office/powerpoint/2010/main" xmlns:p15="http://schemas.microsoft.com/office/powerpoint/2012/main">
+<p:sld xmlns:a="http://schemas.openxmlformats.org/drawingml/2006/main" xmlns:r="http://schemas.openxmlformats.org/officeDocument/2006/relationships" xmlns:p="http://schemas.openxmlformats.org/presentationml/2006/main">
   <p:cSld>
     <p:spTree>
       <p:nvGrpSpPr>
-        <p:cNvPr id="58" name="Shape 58"/>
+        <p:cNvPr id="1" name="Shape 58"/>
         <p:cNvGrpSpPr/>
         <p:nvPr/>
       </p:nvGrpSpPr>
@@ -7253,7 +7412,9 @@
       <p:sp>
         <p:nvSpPr>
           <p:cNvPr id="59" name="Google Shape;59;p13"/>
-          <p:cNvSpPr txBox="1"/>
+          <p:cNvSpPr txBox="1">
+            <a:spLocks noGrp="1"/>
+          </p:cNvSpPr>
           <p:nvPr>
             <p:ph type="ctrTitle"/>
           </p:nvPr>
@@ -7268,12 +7429,12 @@
           </a:prstGeom>
         </p:spPr>
         <p:txBody>
-          <a:bodyPr anchorCtr="0" anchor="b" bIns="91425" lIns="91425" spcFirstLastPara="1" rIns="91425" wrap="square" tIns="91425">
+          <a:bodyPr spcFirstLastPara="1" wrap="square" lIns="91425" tIns="91425" rIns="91425" bIns="91425" anchor="b" anchorCtr="0">
             <a:noAutofit/>
           </a:bodyPr>
           <a:lstStyle/>
           <a:p>
-            <a:pPr indent="0" lvl="0" marL="0" rtl="0" algn="l">
+            <a:pPr marL="0" lvl="0" indent="0" algn="l" rtl="0">
               <a:spcBef>
                 <a:spcPts val="0"/>
               </a:spcBef>
@@ -7283,19 +7444,29 @@
               <a:buNone/>
             </a:pPr>
             <a:r>
-              <a:rPr lang="en"/>
-              <a:t>Cruise and Pay</a:t>
+              <a:rPr lang="en" dirty="0"/>
+              <a:t>Cruise and </a:t>
             </a:r>
-            <a:endParaRPr/>
+            <a:r>
+              <a:rPr lang="en" dirty="0" smtClean="0"/>
+              <a:t>Pa</a:t>
+            </a:r>
+            <a:r>
+              <a:rPr lang="en-US" dirty="0" err="1" smtClean="0"/>
+              <a:t>rk</a:t>
+            </a:r>
+            <a:endParaRPr dirty="0"/>
           </a:p>
         </p:txBody>
       </p:sp>
       <p:sp>
         <p:nvSpPr>
           <p:cNvPr id="60" name="Google Shape;60;p13"/>
-          <p:cNvSpPr txBox="1"/>
+          <p:cNvSpPr txBox="1">
+            <a:spLocks noGrp="1"/>
+          </p:cNvSpPr>
           <p:nvPr>
-            <p:ph idx="1" type="subTitle"/>
+            <p:ph type="subTitle" idx="1"/>
           </p:nvPr>
         </p:nvSpPr>
         <p:spPr>
@@ -7308,12 +7479,12 @@
           </a:prstGeom>
         </p:spPr>
         <p:txBody>
-          <a:bodyPr anchorCtr="0" anchor="t" bIns="91425" lIns="91425" spcFirstLastPara="1" rIns="91425" wrap="square" tIns="91425">
+          <a:bodyPr spcFirstLastPara="1" wrap="square" lIns="91425" tIns="91425" rIns="91425" bIns="91425" anchor="t" anchorCtr="0">
             <a:noAutofit/>
           </a:bodyPr>
           <a:lstStyle/>
           <a:p>
-            <a:pPr indent="0" lvl="0" marL="0" rtl="0" algn="l">
+            <a:pPr marL="0" lvl="0" indent="0" algn="l" rtl="0">
               <a:spcBef>
                 <a:spcPts val="0"/>
               </a:spcBef>
@@ -7328,15 +7499,7 @@
                   <a:schemeClr val="accent1"/>
                 </a:solidFill>
               </a:rPr>
-              <a:t>By: Mark, Garav &amp; </a:t>
-            </a:r>
-            <a:r>
-              <a:rPr lang="en" sz="4200">
-                <a:solidFill>
-                  <a:schemeClr val="accent1"/>
-                </a:solidFill>
-              </a:rPr>
-              <a:t>Riyazh</a:t>
+              <a:t>By: Mark, Garav &amp; Riyazh</a:t>
             </a:r>
             <a:endParaRPr/>
           </a:p>
@@ -7362,12 +7525,12 @@
           </a:ln>
         </p:spPr>
         <p:txBody>
-          <a:bodyPr anchorCtr="0" anchor="t" bIns="91425" lIns="91425" spcFirstLastPara="1" rIns="91425" wrap="square" tIns="91425">
+          <a:bodyPr spcFirstLastPara="1" wrap="square" lIns="91425" tIns="91425" rIns="91425" bIns="91425" anchor="t" anchorCtr="0">
             <a:noAutofit/>
           </a:bodyPr>
           <a:lstStyle/>
           <a:p>
-            <a:pPr indent="0" lvl="0" marL="0" rtl="0" algn="l">
+            <a:pPr marL="0" lvl="0" indent="0" algn="l" rtl="0">
               <a:spcBef>
                 <a:spcPts val="0"/>
               </a:spcBef>
@@ -7393,15 +7556,22 @@
   <p:clrMapOvr>
     <a:masterClrMapping/>
   </p:clrMapOvr>
+  <p:timing>
+    <p:tnLst>
+      <p:par>
+        <p:cTn id="1" dur="indefinite" restart="never" nodeType="tmRoot"/>
+      </p:par>
+    </p:tnLst>
+  </p:timing>
 </p:sld>
 </file>
 
 <file path=ppt/slides/slide10.xml><?xml version="1.0" encoding="utf-8"?>
-<p:sld xmlns:a="http://schemas.openxmlformats.org/drawingml/2006/main" xmlns:r="http://schemas.openxmlformats.org/officeDocument/2006/relationships" xmlns:mc="http://schemas.openxmlformats.org/markup-compatibility/2006" xmlns:mv="urn:schemas-microsoft-com:mac:vml" xmlns:p="http://schemas.openxmlformats.org/presentationml/2006/main" xmlns:c="http://schemas.openxmlformats.org/drawingml/2006/chart" xmlns:dgm="http://schemas.openxmlformats.org/drawingml/2006/diagram" xmlns:o="urn:schemas-microsoft-com:office:office" xmlns:v="urn:schemas-microsoft-com:vml" xmlns:pvml="urn:schemas-microsoft-com:office:powerpoint" xmlns:com="http://schemas.openxmlformats.org/drawingml/2006/compatibility" xmlns:p14="http://schemas.microsoft.com/office/powerpoint/2010/main" xmlns:p15="http://schemas.microsoft.com/office/powerpoint/2012/main">
+<p:sld xmlns:a="http://schemas.openxmlformats.org/drawingml/2006/main" xmlns:r="http://schemas.openxmlformats.org/officeDocument/2006/relationships" xmlns:p="http://schemas.openxmlformats.org/presentationml/2006/main">
   <p:cSld>
     <p:spTree>
       <p:nvGrpSpPr>
-        <p:cNvPr id="149" name="Shape 149"/>
+        <p:cNvPr id="1" name="Shape 149"/>
         <p:cNvGrpSpPr/>
         <p:nvPr/>
       </p:nvGrpSpPr>
@@ -7416,7 +7586,9 @@
       <p:sp>
         <p:nvSpPr>
           <p:cNvPr id="150" name="Google Shape;150;p22"/>
-          <p:cNvSpPr txBox="1"/>
+          <p:cNvSpPr txBox="1">
+            <a:spLocks noGrp="1"/>
+          </p:cNvSpPr>
           <p:nvPr>
             <p:ph type="title"/>
           </p:nvPr>
@@ -7431,12 +7603,12 @@
           </a:prstGeom>
         </p:spPr>
         <p:txBody>
-          <a:bodyPr anchorCtr="0" anchor="t" bIns="91425" lIns="91425" spcFirstLastPara="1" rIns="91425" wrap="square" tIns="91425">
+          <a:bodyPr spcFirstLastPara="1" wrap="square" lIns="91425" tIns="91425" rIns="91425" bIns="91425" anchor="t" anchorCtr="0">
             <a:noAutofit/>
           </a:bodyPr>
           <a:lstStyle/>
           <a:p>
-            <a:pPr indent="0" lvl="0" marL="0" rtl="0" algn="l">
+            <a:pPr marL="0" lvl="0" indent="0" algn="l" rtl="0">
               <a:spcBef>
                 <a:spcPts val="0"/>
               </a:spcBef>
@@ -7456,9 +7628,11 @@
       <p:sp>
         <p:nvSpPr>
           <p:cNvPr id="151" name="Google Shape;151;p22"/>
-          <p:cNvSpPr txBox="1"/>
+          <p:cNvSpPr txBox="1">
+            <a:spLocks noGrp="1"/>
+          </p:cNvSpPr>
           <p:nvPr>
-            <p:ph idx="1" type="body"/>
+            <p:ph type="body" idx="1"/>
           </p:nvPr>
         </p:nvSpPr>
         <p:spPr>
@@ -7471,12 +7645,12 @@
           </a:prstGeom>
         </p:spPr>
         <p:txBody>
-          <a:bodyPr anchorCtr="0" anchor="t" bIns="91425" lIns="91425" spcFirstLastPara="1" rIns="91425" wrap="square" tIns="91425">
+          <a:bodyPr spcFirstLastPara="1" wrap="square" lIns="91425" tIns="91425" rIns="91425" bIns="91425" anchor="t" anchorCtr="0">
             <a:noAutofit/>
           </a:bodyPr>
           <a:lstStyle/>
           <a:p>
-            <a:pPr indent="-342900" lvl="0" marL="457200" rtl="0" algn="l">
+            <a:pPr marL="457200" lvl="0" indent="-342900" algn="l" rtl="0">
               <a:spcBef>
                 <a:spcPts val="0"/>
               </a:spcBef>
@@ -7493,7 +7667,7 @@
             <a:endParaRPr/>
           </a:p>
           <a:p>
-            <a:pPr indent="-342900" lvl="0" marL="457200" rtl="0" algn="l">
+            <a:pPr marL="457200" lvl="0" indent="-342900" algn="l" rtl="0">
               <a:spcBef>
                 <a:spcPts val="0"/>
               </a:spcBef>
@@ -7510,7 +7684,7 @@
             <a:endParaRPr/>
           </a:p>
           <a:p>
-            <a:pPr indent="-342900" lvl="0" marL="457200" rtl="0" algn="l">
+            <a:pPr marL="457200" lvl="0" indent="-342900" algn="l" rtl="0">
               <a:spcBef>
                 <a:spcPts val="0"/>
               </a:spcBef>
@@ -7527,7 +7701,7 @@
             <a:endParaRPr/>
           </a:p>
           <a:p>
-            <a:pPr indent="0" lvl="0" marL="457200" rtl="0" algn="l">
+            <a:pPr marL="457200" lvl="0" indent="0" algn="l" rtl="0">
               <a:spcBef>
                 <a:spcPts val="1600"/>
               </a:spcBef>
@@ -7536,13 +7710,10 @@
               </a:spcAft>
               <a:buNone/>
             </a:pPr>
-            <a:r>
-              <a:t/>
-            </a:r>
             <a:endParaRPr/>
           </a:p>
           <a:p>
-            <a:pPr indent="0" lvl="0" marL="0" rtl="0" algn="l">
+            <a:pPr marL="0" lvl="0" indent="0" algn="l" rtl="0">
               <a:spcBef>
                 <a:spcPts val="1600"/>
               </a:spcBef>
@@ -7551,9 +7722,6 @@
               </a:spcAft>
               <a:buNone/>
             </a:pPr>
-            <a:r>
-              <a:t/>
-            </a:r>
             <a:endParaRPr/>
           </a:p>
         </p:txBody>
@@ -7563,15 +7731,22 @@
   <p:clrMapOvr>
     <a:masterClrMapping/>
   </p:clrMapOvr>
+  <p:timing>
+    <p:tnLst>
+      <p:par>
+        <p:cTn id="1" dur="indefinite" restart="never" nodeType="tmRoot"/>
+      </p:par>
+    </p:tnLst>
+  </p:timing>
 </p:sld>
 </file>
 
 <file path=ppt/slides/slide11.xml><?xml version="1.0" encoding="utf-8"?>
-<p:sld xmlns:a="http://schemas.openxmlformats.org/drawingml/2006/main" xmlns:r="http://schemas.openxmlformats.org/officeDocument/2006/relationships" xmlns:mc="http://schemas.openxmlformats.org/markup-compatibility/2006" xmlns:mv="urn:schemas-microsoft-com:mac:vml" xmlns:p="http://schemas.openxmlformats.org/presentationml/2006/main" xmlns:c="http://schemas.openxmlformats.org/drawingml/2006/chart" xmlns:dgm="http://schemas.openxmlformats.org/drawingml/2006/diagram" xmlns:o="urn:schemas-microsoft-com:office:office" xmlns:v="urn:schemas-microsoft-com:vml" xmlns:pvml="urn:schemas-microsoft-com:office:powerpoint" xmlns:com="http://schemas.openxmlformats.org/drawingml/2006/compatibility" xmlns:p14="http://schemas.microsoft.com/office/powerpoint/2010/main" xmlns:p15="http://schemas.microsoft.com/office/powerpoint/2012/main">
+<p:sld xmlns:a="http://schemas.openxmlformats.org/drawingml/2006/main" xmlns:r="http://schemas.openxmlformats.org/officeDocument/2006/relationships" xmlns:p="http://schemas.openxmlformats.org/presentationml/2006/main">
   <p:cSld>
     <p:spTree>
       <p:nvGrpSpPr>
-        <p:cNvPr id="155" name="Shape 155"/>
+        <p:cNvPr id="1" name="Shape 155"/>
         <p:cNvGrpSpPr/>
         <p:nvPr/>
       </p:nvGrpSpPr>
@@ -7586,7 +7761,9 @@
       <p:sp>
         <p:nvSpPr>
           <p:cNvPr id="156" name="Google Shape;156;p23"/>
-          <p:cNvSpPr txBox="1"/>
+          <p:cNvSpPr txBox="1">
+            <a:spLocks noGrp="1"/>
+          </p:cNvSpPr>
           <p:nvPr>
             <p:ph type="title"/>
           </p:nvPr>
@@ -7601,12 +7778,12 @@
           </a:prstGeom>
         </p:spPr>
         <p:txBody>
-          <a:bodyPr anchorCtr="0" anchor="t" bIns="91425" lIns="91425" spcFirstLastPara="1" rIns="91425" wrap="square" tIns="91425">
+          <a:bodyPr spcFirstLastPara="1" wrap="square" lIns="91425" tIns="91425" rIns="91425" bIns="91425" anchor="t" anchorCtr="0">
             <a:noAutofit/>
           </a:bodyPr>
           <a:lstStyle/>
           <a:p>
-            <a:pPr indent="0" lvl="0" marL="0" rtl="0" algn="l">
+            <a:pPr marL="0" lvl="0" indent="0" algn="l" rtl="0">
               <a:spcBef>
                 <a:spcPts val="0"/>
               </a:spcBef>
@@ -7626,9 +7803,11 @@
       <p:sp>
         <p:nvSpPr>
           <p:cNvPr id="157" name="Google Shape;157;p23"/>
-          <p:cNvSpPr txBox="1"/>
+          <p:cNvSpPr txBox="1">
+            <a:spLocks noGrp="1"/>
+          </p:cNvSpPr>
           <p:nvPr>
-            <p:ph idx="1" type="body"/>
+            <p:ph type="body" idx="1"/>
           </p:nvPr>
         </p:nvSpPr>
         <p:spPr>
@@ -7641,12 +7820,12 @@
           </a:prstGeom>
         </p:spPr>
         <p:txBody>
-          <a:bodyPr anchorCtr="0" anchor="t" bIns="91425" lIns="91425" spcFirstLastPara="1" rIns="91425" wrap="square" tIns="91425">
+          <a:bodyPr spcFirstLastPara="1" wrap="square" lIns="91425" tIns="91425" rIns="91425" bIns="91425" anchor="t" anchorCtr="0">
             <a:noAutofit/>
           </a:bodyPr>
           <a:lstStyle/>
           <a:p>
-            <a:pPr indent="0" lvl="0" marL="0" rtl="0" algn="l">
+            <a:pPr marL="0" lvl="0" indent="0" algn="l" rtl="0">
               <a:spcBef>
                 <a:spcPts val="0"/>
               </a:spcBef>
@@ -7668,15 +7847,22 @@
   <p:clrMapOvr>
     <a:masterClrMapping/>
   </p:clrMapOvr>
+  <p:timing>
+    <p:tnLst>
+      <p:par>
+        <p:cTn id="1" dur="indefinite" restart="never" nodeType="tmRoot"/>
+      </p:par>
+    </p:tnLst>
+  </p:timing>
 </p:sld>
 </file>
 
 <file path=ppt/slides/slide2.xml><?xml version="1.0" encoding="utf-8"?>
-<p:sld xmlns:a="http://schemas.openxmlformats.org/drawingml/2006/main" xmlns:r="http://schemas.openxmlformats.org/officeDocument/2006/relationships" xmlns:mc="http://schemas.openxmlformats.org/markup-compatibility/2006" xmlns:mv="urn:schemas-microsoft-com:mac:vml" xmlns:p="http://schemas.openxmlformats.org/presentationml/2006/main" xmlns:c="http://schemas.openxmlformats.org/drawingml/2006/chart" xmlns:dgm="http://schemas.openxmlformats.org/drawingml/2006/diagram" xmlns:o="urn:schemas-microsoft-com:office:office" xmlns:v="urn:schemas-microsoft-com:vml" xmlns:pvml="urn:schemas-microsoft-com:office:powerpoint" xmlns:com="http://schemas.openxmlformats.org/drawingml/2006/compatibility" xmlns:p14="http://schemas.microsoft.com/office/powerpoint/2010/main" xmlns:p15="http://schemas.microsoft.com/office/powerpoint/2012/main">
+<p:sld xmlns:a="http://schemas.openxmlformats.org/drawingml/2006/main" xmlns:r="http://schemas.openxmlformats.org/officeDocument/2006/relationships" xmlns:p="http://schemas.openxmlformats.org/presentationml/2006/main">
   <p:cSld>
     <p:spTree>
       <p:nvGrpSpPr>
-        <p:cNvPr id="65" name="Shape 65"/>
+        <p:cNvPr id="1" name="Shape 65"/>
         <p:cNvGrpSpPr/>
         <p:nvPr/>
       </p:nvGrpSpPr>
@@ -7691,7 +7877,9 @@
       <p:sp>
         <p:nvSpPr>
           <p:cNvPr id="66" name="Google Shape;66;p14"/>
-          <p:cNvSpPr txBox="1"/>
+          <p:cNvSpPr txBox="1">
+            <a:spLocks noGrp="1"/>
+          </p:cNvSpPr>
           <p:nvPr>
             <p:ph type="title"/>
           </p:nvPr>
@@ -7706,12 +7894,12 @@
           </a:prstGeom>
         </p:spPr>
         <p:txBody>
-          <a:bodyPr anchorCtr="0" anchor="t" bIns="91425" lIns="91425" spcFirstLastPara="1" rIns="91425" wrap="square" tIns="91425">
+          <a:bodyPr spcFirstLastPara="1" wrap="square" lIns="91425" tIns="91425" rIns="91425" bIns="91425" anchor="t" anchorCtr="0">
             <a:noAutofit/>
           </a:bodyPr>
           <a:lstStyle/>
           <a:p>
-            <a:pPr indent="0" lvl="0" marL="0" rtl="0" algn="l">
+            <a:pPr marL="0" lvl="0" indent="0" algn="l" rtl="0">
               <a:spcBef>
                 <a:spcPts val="0"/>
               </a:spcBef>
@@ -7731,9 +7919,11 @@
       <p:sp>
         <p:nvSpPr>
           <p:cNvPr id="67" name="Google Shape;67;p14"/>
-          <p:cNvSpPr txBox="1"/>
+          <p:cNvSpPr txBox="1">
+            <a:spLocks noGrp="1"/>
+          </p:cNvSpPr>
           <p:nvPr>
-            <p:ph idx="1" type="body"/>
+            <p:ph type="body" idx="1"/>
           </p:nvPr>
         </p:nvSpPr>
         <p:spPr>
@@ -7746,12 +7936,12 @@
           </a:prstGeom>
         </p:spPr>
         <p:txBody>
-          <a:bodyPr anchorCtr="0" anchor="t" bIns="91425" lIns="91425" spcFirstLastPara="1" rIns="91425" wrap="square" tIns="91425">
+          <a:bodyPr spcFirstLastPara="1" wrap="square" lIns="91425" tIns="91425" rIns="91425" bIns="91425" anchor="t" anchorCtr="0">
             <a:noAutofit/>
           </a:bodyPr>
           <a:lstStyle/>
           <a:p>
-            <a:pPr indent="0" lvl="0" marL="0" rtl="0" algn="l">
+            <a:pPr marL="0" lvl="0" indent="0" algn="l" rtl="0">
               <a:spcBef>
                 <a:spcPts val="0"/>
               </a:spcBef>
@@ -7767,7 +7957,7 @@
             <a:endParaRPr/>
           </a:p>
           <a:p>
-            <a:pPr indent="0" lvl="0" marL="0" rtl="0" algn="l">
+            <a:pPr marL="0" lvl="0" indent="0" algn="l" rtl="0">
               <a:spcBef>
                 <a:spcPts val="1600"/>
               </a:spcBef>
@@ -7783,7 +7973,7 @@
             <a:endParaRPr/>
           </a:p>
           <a:p>
-            <a:pPr indent="0" lvl="0" marL="0" rtl="0" algn="l">
+            <a:pPr marL="0" lvl="0" indent="0" algn="l" rtl="0">
               <a:spcBef>
                 <a:spcPts val="1600"/>
               </a:spcBef>
@@ -7799,7 +7989,7 @@
             <a:endParaRPr/>
           </a:p>
           <a:p>
-            <a:pPr indent="0" lvl="0" marL="0" rtl="0" algn="l">
+            <a:pPr marL="0" lvl="0" indent="0" algn="l" rtl="0">
               <a:spcBef>
                 <a:spcPts val="1600"/>
               </a:spcBef>
@@ -7808,9 +7998,6 @@
               </a:spcAft>
               <a:buNone/>
             </a:pPr>
-            <a:r>
-              <a:t/>
-            </a:r>
             <a:endParaRPr/>
           </a:p>
         </p:txBody>
@@ -7820,15 +8007,22 @@
   <p:clrMapOvr>
     <a:masterClrMapping/>
   </p:clrMapOvr>
+  <p:timing>
+    <p:tnLst>
+      <p:par>
+        <p:cTn id="1" dur="indefinite" restart="never" nodeType="tmRoot"/>
+      </p:par>
+    </p:tnLst>
+  </p:timing>
 </p:sld>
 </file>
 
 <file path=ppt/slides/slide3.xml><?xml version="1.0" encoding="utf-8"?>
-<p:sld xmlns:a="http://schemas.openxmlformats.org/drawingml/2006/main" xmlns:r="http://schemas.openxmlformats.org/officeDocument/2006/relationships" xmlns:mc="http://schemas.openxmlformats.org/markup-compatibility/2006" xmlns:mv="urn:schemas-microsoft-com:mac:vml" xmlns:p="http://schemas.openxmlformats.org/presentationml/2006/main" xmlns:c="http://schemas.openxmlformats.org/drawingml/2006/chart" xmlns:dgm="http://schemas.openxmlformats.org/drawingml/2006/diagram" xmlns:o="urn:schemas-microsoft-com:office:office" xmlns:v="urn:schemas-microsoft-com:vml" xmlns:pvml="urn:schemas-microsoft-com:office:powerpoint" xmlns:com="http://schemas.openxmlformats.org/drawingml/2006/compatibility" xmlns:p14="http://schemas.microsoft.com/office/powerpoint/2010/main" xmlns:p15="http://schemas.microsoft.com/office/powerpoint/2012/main">
+<p:sld xmlns:a="http://schemas.openxmlformats.org/drawingml/2006/main" xmlns:r="http://schemas.openxmlformats.org/officeDocument/2006/relationships" xmlns:p="http://schemas.openxmlformats.org/presentationml/2006/main">
   <p:cSld>
     <p:spTree>
       <p:nvGrpSpPr>
-        <p:cNvPr id="71" name="Shape 71"/>
+        <p:cNvPr id="1" name="Shape 71"/>
         <p:cNvGrpSpPr/>
         <p:nvPr/>
       </p:nvGrpSpPr>
@@ -7843,7 +8037,9 @@
       <p:sp>
         <p:nvSpPr>
           <p:cNvPr id="72" name="Google Shape;72;p15"/>
-          <p:cNvSpPr txBox="1"/>
+          <p:cNvSpPr txBox="1">
+            <a:spLocks noGrp="1"/>
+          </p:cNvSpPr>
           <p:nvPr>
             <p:ph type="title"/>
           </p:nvPr>
@@ -7858,12 +8054,12 @@
           </a:prstGeom>
         </p:spPr>
         <p:txBody>
-          <a:bodyPr anchorCtr="0" anchor="t" bIns="91425" lIns="91425" spcFirstLastPara="1" rIns="91425" wrap="square" tIns="91425">
+          <a:bodyPr spcFirstLastPara="1" wrap="square" lIns="91425" tIns="91425" rIns="91425" bIns="91425" anchor="t" anchorCtr="0">
             <a:noAutofit/>
           </a:bodyPr>
           <a:lstStyle/>
           <a:p>
-            <a:pPr indent="0" lvl="0" marL="0" rtl="0" algn="l">
+            <a:pPr marL="0" lvl="0" indent="0" algn="l" rtl="0">
               <a:spcBef>
                 <a:spcPts val="0"/>
               </a:spcBef>
@@ -7883,9 +8079,11 @@
       <p:sp>
         <p:nvSpPr>
           <p:cNvPr id="73" name="Google Shape;73;p15"/>
-          <p:cNvSpPr txBox="1"/>
+          <p:cNvSpPr txBox="1">
+            <a:spLocks noGrp="1"/>
+          </p:cNvSpPr>
           <p:nvPr>
-            <p:ph idx="1" type="body"/>
+            <p:ph type="body" idx="1"/>
           </p:nvPr>
         </p:nvSpPr>
         <p:spPr>
@@ -7898,12 +8096,12 @@
           </a:prstGeom>
         </p:spPr>
         <p:txBody>
-          <a:bodyPr anchorCtr="0" anchor="t" bIns="91425" lIns="91425" spcFirstLastPara="1" rIns="91425" wrap="square" tIns="91425">
+          <a:bodyPr spcFirstLastPara="1" wrap="square" lIns="91425" tIns="91425" rIns="91425" bIns="91425" anchor="t" anchorCtr="0">
             <a:noAutofit/>
           </a:bodyPr>
           <a:lstStyle/>
           <a:p>
-            <a:pPr indent="0" lvl="0" marL="0" rtl="0" algn="l">
+            <a:pPr marL="0" lvl="0" indent="0" algn="l" rtl="0">
               <a:spcBef>
                 <a:spcPts val="0"/>
               </a:spcBef>
@@ -7925,15 +8123,22 @@
   <p:clrMapOvr>
     <a:masterClrMapping/>
   </p:clrMapOvr>
+  <p:timing>
+    <p:tnLst>
+      <p:par>
+        <p:cTn id="1" dur="indefinite" restart="never" nodeType="tmRoot"/>
+      </p:par>
+    </p:tnLst>
+  </p:timing>
 </p:sld>
 </file>
 
 <file path=ppt/slides/slide4.xml><?xml version="1.0" encoding="utf-8"?>
-<p:sld xmlns:a="http://schemas.openxmlformats.org/drawingml/2006/main" xmlns:r="http://schemas.openxmlformats.org/officeDocument/2006/relationships" xmlns:mc="http://schemas.openxmlformats.org/markup-compatibility/2006" xmlns:mv="urn:schemas-microsoft-com:mac:vml" xmlns:p="http://schemas.openxmlformats.org/presentationml/2006/main" xmlns:c="http://schemas.openxmlformats.org/drawingml/2006/chart" xmlns:dgm="http://schemas.openxmlformats.org/drawingml/2006/diagram" xmlns:o="urn:schemas-microsoft-com:office:office" xmlns:v="urn:schemas-microsoft-com:vml" xmlns:pvml="urn:schemas-microsoft-com:office:powerpoint" xmlns:com="http://schemas.openxmlformats.org/drawingml/2006/compatibility" xmlns:p14="http://schemas.microsoft.com/office/powerpoint/2010/main" xmlns:p15="http://schemas.microsoft.com/office/powerpoint/2012/main">
+<p:sld xmlns:a="http://schemas.openxmlformats.org/drawingml/2006/main" xmlns:r="http://schemas.openxmlformats.org/officeDocument/2006/relationships" xmlns:p="http://schemas.openxmlformats.org/presentationml/2006/main">
   <p:cSld>
     <p:spTree>
       <p:nvGrpSpPr>
-        <p:cNvPr id="77" name="Shape 77"/>
+        <p:cNvPr id="1" name="Shape 77"/>
         <p:cNvGrpSpPr/>
         <p:nvPr/>
       </p:nvGrpSpPr>
@@ -7948,7 +8153,9 @@
       <p:sp>
         <p:nvSpPr>
           <p:cNvPr id="78" name="Google Shape;78;p16"/>
-          <p:cNvSpPr txBox="1"/>
+          <p:cNvSpPr txBox="1">
+            <a:spLocks noGrp="1"/>
+          </p:cNvSpPr>
           <p:nvPr>
             <p:ph type="title"/>
           </p:nvPr>
@@ -7963,12 +8170,12 @@
           </a:prstGeom>
         </p:spPr>
         <p:txBody>
-          <a:bodyPr anchorCtr="0" anchor="t" bIns="91425" lIns="91425" spcFirstLastPara="1" rIns="91425" wrap="square" tIns="91425">
+          <a:bodyPr spcFirstLastPara="1" wrap="square" lIns="91425" tIns="91425" rIns="91425" bIns="91425" anchor="t" anchorCtr="0">
             <a:noAutofit/>
           </a:bodyPr>
           <a:lstStyle/>
           <a:p>
-            <a:pPr indent="0" lvl="0" marL="0" rtl="0" algn="l">
+            <a:pPr marL="0" lvl="0" indent="0" algn="l" rtl="0">
               <a:spcBef>
                 <a:spcPts val="0"/>
               </a:spcBef>
@@ -8002,23 +8209,23 @@
           <a:solidFill>
             <a:schemeClr val="lt2"/>
           </a:solidFill>
-          <a:ln cap="flat" cmpd="sng" w="9525">
+          <a:ln w="9525" cap="flat" cmpd="sng">
             <a:solidFill>
               <a:schemeClr val="dk2"/>
             </a:solidFill>
             <a:prstDash val="solid"/>
             <a:round/>
-            <a:headEnd len="sm" w="sm" type="none"/>
-            <a:tailEnd len="sm" w="sm" type="none"/>
+            <a:headEnd type="none" w="sm" len="sm"/>
+            <a:tailEnd type="none" w="sm" len="sm"/>
           </a:ln>
         </p:spPr>
         <p:txBody>
-          <a:bodyPr anchorCtr="0" anchor="ctr" bIns="91425" lIns="91425" spcFirstLastPara="1" rIns="91425" wrap="square" tIns="91425">
+          <a:bodyPr spcFirstLastPara="1" wrap="square" lIns="91425" tIns="91425" rIns="91425" bIns="91425" anchor="ctr" anchorCtr="0">
             <a:noAutofit/>
           </a:bodyPr>
           <a:lstStyle/>
           <a:p>
-            <a:pPr indent="0" lvl="0" marL="0" rtl="0" algn="l">
+            <a:pPr marL="0" lvl="0" indent="0" algn="l" rtl="0">
               <a:spcBef>
                 <a:spcPts val="0"/>
               </a:spcBef>
@@ -8027,9 +8234,6 @@
               </a:spcAft>
               <a:buNone/>
             </a:pPr>
-            <a:r>
-              <a:t/>
-            </a:r>
             <a:endParaRPr/>
           </a:p>
         </p:txBody>
@@ -8054,12 +8258,12 @@
           </a:ln>
         </p:spPr>
         <p:txBody>
-          <a:bodyPr anchorCtr="0" anchor="t" bIns="91425" lIns="91425" spcFirstLastPara="1" rIns="91425" wrap="square" tIns="91425">
+          <a:bodyPr spcFirstLastPara="1" wrap="square" lIns="91425" tIns="91425" rIns="91425" bIns="91425" anchor="t" anchorCtr="0">
             <a:noAutofit/>
           </a:bodyPr>
           <a:lstStyle/>
           <a:p>
-            <a:pPr indent="0" lvl="0" marL="0" rtl="0" algn="l">
+            <a:pPr marL="0" lvl="0" indent="0" algn="l" rtl="0">
               <a:spcBef>
                 <a:spcPts val="0"/>
               </a:spcBef>
@@ -8093,23 +8297,23 @@
           <a:solidFill>
             <a:schemeClr val="lt2"/>
           </a:solidFill>
-          <a:ln cap="flat" cmpd="sng" w="9525">
+          <a:ln w="9525" cap="flat" cmpd="sng">
             <a:solidFill>
               <a:schemeClr val="dk2"/>
             </a:solidFill>
             <a:prstDash val="solid"/>
             <a:round/>
-            <a:headEnd len="sm" w="sm" type="none"/>
-            <a:tailEnd len="sm" w="sm" type="none"/>
+            <a:headEnd type="none" w="sm" len="sm"/>
+            <a:tailEnd type="none" w="sm" len="sm"/>
           </a:ln>
         </p:spPr>
         <p:txBody>
-          <a:bodyPr anchorCtr="0" anchor="ctr" bIns="91425" lIns="91425" spcFirstLastPara="1" rIns="91425" wrap="square" tIns="91425">
+          <a:bodyPr spcFirstLastPara="1" wrap="square" lIns="91425" tIns="91425" rIns="91425" bIns="91425" anchor="ctr" anchorCtr="0">
             <a:noAutofit/>
           </a:bodyPr>
           <a:lstStyle/>
           <a:p>
-            <a:pPr indent="0" lvl="0" marL="0" rtl="0" algn="l">
+            <a:pPr marL="0" lvl="0" indent="0" algn="l" rtl="0">
               <a:spcBef>
                 <a:spcPts val="0"/>
               </a:spcBef>
@@ -8118,9 +8322,6 @@
               </a:spcAft>
               <a:buNone/>
             </a:pPr>
-            <a:r>
-              <a:t/>
-            </a:r>
             <a:endParaRPr/>
           </a:p>
         </p:txBody>
@@ -8145,12 +8346,12 @@
           </a:ln>
         </p:spPr>
         <p:txBody>
-          <a:bodyPr anchorCtr="0" anchor="t" bIns="91425" lIns="91425" spcFirstLastPara="1" rIns="91425" wrap="square" tIns="91425">
+          <a:bodyPr spcFirstLastPara="1" wrap="square" lIns="91425" tIns="91425" rIns="91425" bIns="91425" anchor="t" anchorCtr="0">
             <a:noAutofit/>
           </a:bodyPr>
           <a:lstStyle/>
           <a:p>
-            <a:pPr indent="0" lvl="0" marL="0" rtl="0" algn="l">
+            <a:pPr marL="0" lvl="0" indent="0" algn="l" rtl="0">
               <a:spcBef>
                 <a:spcPts val="0"/>
               </a:spcBef>
@@ -8185,14 +8386,14 @@
             <a:avLst/>
           </a:prstGeom>
           <a:noFill/>
-          <a:ln cap="flat" cmpd="sng" w="9525">
+          <a:ln w="9525" cap="flat" cmpd="sng">
             <a:solidFill>
               <a:srgbClr val="000000"/>
             </a:solidFill>
             <a:prstDash val="solid"/>
             <a:round/>
-            <a:headEnd len="med" w="med" type="none"/>
-            <a:tailEnd len="med" w="med" type="triangle"/>
+            <a:headEnd type="none" w="med" len="med"/>
+            <a:tailEnd type="triangle" w="med" len="med"/>
           </a:ln>
         </p:spPr>
       </p:cxnSp>
@@ -8213,23 +8414,23 @@
           <a:solidFill>
             <a:schemeClr val="lt2"/>
           </a:solidFill>
-          <a:ln cap="flat" cmpd="sng" w="9525">
+          <a:ln w="9525" cap="flat" cmpd="sng">
             <a:solidFill>
               <a:schemeClr val="dk2"/>
             </a:solidFill>
             <a:prstDash val="solid"/>
             <a:round/>
-            <a:headEnd len="sm" w="sm" type="none"/>
-            <a:tailEnd len="sm" w="sm" type="none"/>
+            <a:headEnd type="none" w="sm" len="sm"/>
+            <a:tailEnd type="none" w="sm" len="sm"/>
           </a:ln>
         </p:spPr>
         <p:txBody>
-          <a:bodyPr anchorCtr="0" anchor="ctr" bIns="91425" lIns="91425" spcFirstLastPara="1" rIns="91425" wrap="square" tIns="91425">
+          <a:bodyPr spcFirstLastPara="1" wrap="square" lIns="91425" tIns="91425" rIns="91425" bIns="91425" anchor="ctr" anchorCtr="0">
             <a:noAutofit/>
           </a:bodyPr>
           <a:lstStyle/>
           <a:p>
-            <a:pPr indent="0" lvl="0" marL="0" rtl="0" algn="l">
+            <a:pPr marL="0" lvl="0" indent="0" algn="l" rtl="0">
               <a:spcBef>
                 <a:spcPts val="0"/>
               </a:spcBef>
@@ -8238,9 +8439,6 @@
               </a:spcAft>
               <a:buNone/>
             </a:pPr>
-            <a:r>
-              <a:t/>
-            </a:r>
             <a:endParaRPr/>
           </a:p>
         </p:txBody>
@@ -8265,12 +8463,12 @@
           </a:ln>
         </p:spPr>
         <p:txBody>
-          <a:bodyPr anchorCtr="0" anchor="t" bIns="91425" lIns="91425" spcFirstLastPara="1" rIns="91425" wrap="square" tIns="91425">
+          <a:bodyPr spcFirstLastPara="1" wrap="square" lIns="91425" tIns="91425" rIns="91425" bIns="91425" anchor="t" anchorCtr="0">
             <a:noAutofit/>
           </a:bodyPr>
           <a:lstStyle/>
           <a:p>
-            <a:pPr indent="0" lvl="0" marL="0" rtl="0" algn="l">
+            <a:pPr marL="0" lvl="0" indent="0" algn="l" rtl="0">
               <a:spcBef>
                 <a:spcPts val="0"/>
               </a:spcBef>
@@ -8305,14 +8503,14 @@
             <a:avLst/>
           </a:prstGeom>
           <a:noFill/>
-          <a:ln cap="flat" cmpd="sng" w="9525">
+          <a:ln w="9525" cap="flat" cmpd="sng">
             <a:solidFill>
               <a:srgbClr val="000000"/>
             </a:solidFill>
             <a:prstDash val="solid"/>
             <a:round/>
-            <a:headEnd len="med" w="med" type="none"/>
-            <a:tailEnd len="med" w="med" type="triangle"/>
+            <a:headEnd type="none" w="med" len="med"/>
+            <a:tailEnd type="triangle" w="med" len="med"/>
           </a:ln>
         </p:spPr>
       </p:cxnSp>
@@ -8333,23 +8531,23 @@
           <a:solidFill>
             <a:schemeClr val="lt2"/>
           </a:solidFill>
-          <a:ln cap="flat" cmpd="sng" w="9525">
+          <a:ln w="9525" cap="flat" cmpd="sng">
             <a:solidFill>
               <a:schemeClr val="dk2"/>
             </a:solidFill>
             <a:prstDash val="solid"/>
             <a:round/>
-            <a:headEnd len="sm" w="sm" type="none"/>
-            <a:tailEnd len="sm" w="sm" type="none"/>
+            <a:headEnd type="none" w="sm" len="sm"/>
+            <a:tailEnd type="none" w="sm" len="sm"/>
           </a:ln>
         </p:spPr>
         <p:txBody>
-          <a:bodyPr anchorCtr="0" anchor="ctr" bIns="91425" lIns="91425" spcFirstLastPara="1" rIns="91425" wrap="square" tIns="91425">
+          <a:bodyPr spcFirstLastPara="1" wrap="square" lIns="91425" tIns="91425" rIns="91425" bIns="91425" anchor="ctr" anchorCtr="0">
             <a:noAutofit/>
           </a:bodyPr>
           <a:lstStyle/>
           <a:p>
-            <a:pPr indent="0" lvl="0" marL="0" rtl="0" algn="l">
+            <a:pPr marL="0" lvl="0" indent="0" algn="l" rtl="0">
               <a:spcBef>
                 <a:spcPts val="0"/>
               </a:spcBef>
@@ -8358,9 +8556,6 @@
               </a:spcAft>
               <a:buNone/>
             </a:pPr>
-            <a:r>
-              <a:t/>
-            </a:r>
             <a:endParaRPr/>
           </a:p>
         </p:txBody>
@@ -8385,12 +8580,12 @@
           </a:ln>
         </p:spPr>
         <p:txBody>
-          <a:bodyPr anchorCtr="0" anchor="t" bIns="91425" lIns="91425" spcFirstLastPara="1" rIns="91425" wrap="square" tIns="91425">
+          <a:bodyPr spcFirstLastPara="1" wrap="square" lIns="91425" tIns="91425" rIns="91425" bIns="91425" anchor="t" anchorCtr="0">
             <a:noAutofit/>
           </a:bodyPr>
           <a:lstStyle/>
           <a:p>
-            <a:pPr indent="0" lvl="0" marL="0" rtl="0" algn="l">
+            <a:pPr marL="0" lvl="0" indent="0" algn="l" rtl="0">
               <a:spcBef>
                 <a:spcPts val="0"/>
               </a:spcBef>
@@ -8425,14 +8620,14 @@
             <a:avLst/>
           </a:prstGeom>
           <a:noFill/>
-          <a:ln cap="flat" cmpd="sng" w="9525">
+          <a:ln w="9525" cap="flat" cmpd="sng">
             <a:solidFill>
               <a:srgbClr val="000000"/>
             </a:solidFill>
             <a:prstDash val="solid"/>
             <a:round/>
-            <a:headEnd len="med" w="med" type="none"/>
-            <a:tailEnd len="med" w="med" type="triangle"/>
+            <a:headEnd type="none" w="med" len="med"/>
+            <a:tailEnd type="triangle" w="med" len="med"/>
           </a:ln>
         </p:spPr>
       </p:cxnSp>
@@ -8454,14 +8649,14 @@
             <a:avLst/>
           </a:prstGeom>
           <a:noFill/>
-          <a:ln cap="flat" cmpd="sng" w="9525">
+          <a:ln w="9525" cap="flat" cmpd="sng">
             <a:solidFill>
               <a:srgbClr val="000000"/>
             </a:solidFill>
             <a:prstDash val="solid"/>
             <a:round/>
-            <a:headEnd len="med" w="med" type="none"/>
-            <a:tailEnd len="med" w="med" type="none"/>
+            <a:headEnd type="none" w="med" len="med"/>
+            <a:tailEnd type="none" w="med" len="med"/>
           </a:ln>
         </p:spPr>
       </p:cxnSp>
@@ -8482,23 +8677,23 @@
           <a:solidFill>
             <a:schemeClr val="lt2"/>
           </a:solidFill>
-          <a:ln cap="flat" cmpd="sng" w="9525">
+          <a:ln w="9525" cap="flat" cmpd="sng">
             <a:solidFill>
               <a:schemeClr val="dk2"/>
             </a:solidFill>
             <a:prstDash val="solid"/>
             <a:round/>
-            <a:headEnd len="sm" w="sm" type="none"/>
-            <a:tailEnd len="sm" w="sm" type="none"/>
+            <a:headEnd type="none" w="sm" len="sm"/>
+            <a:tailEnd type="none" w="sm" len="sm"/>
           </a:ln>
         </p:spPr>
         <p:txBody>
-          <a:bodyPr anchorCtr="0" anchor="ctr" bIns="91425" lIns="91425" spcFirstLastPara="1" rIns="91425" wrap="square" tIns="91425">
+          <a:bodyPr spcFirstLastPara="1" wrap="square" lIns="91425" tIns="91425" rIns="91425" bIns="91425" anchor="ctr" anchorCtr="0">
             <a:noAutofit/>
           </a:bodyPr>
           <a:lstStyle/>
           <a:p>
-            <a:pPr indent="0" lvl="0" marL="0" rtl="0" algn="l">
+            <a:pPr marL="0" lvl="0" indent="0" algn="l" rtl="0">
               <a:spcBef>
                 <a:spcPts val="0"/>
               </a:spcBef>
@@ -8507,9 +8702,6 @@
               </a:spcAft>
               <a:buNone/>
             </a:pPr>
-            <a:r>
-              <a:t/>
-            </a:r>
             <a:endParaRPr/>
           </a:p>
         </p:txBody>
@@ -8534,12 +8726,12 @@
           </a:ln>
         </p:spPr>
         <p:txBody>
-          <a:bodyPr anchorCtr="0" anchor="t" bIns="91425" lIns="91425" spcFirstLastPara="1" rIns="91425" wrap="square" tIns="91425">
+          <a:bodyPr spcFirstLastPara="1" wrap="square" lIns="91425" tIns="91425" rIns="91425" bIns="91425" anchor="t" anchorCtr="0">
             <a:noAutofit/>
           </a:bodyPr>
           <a:lstStyle/>
           <a:p>
-            <a:pPr indent="0" lvl="0" marL="0" rtl="0" algn="l">
+            <a:pPr marL="0" lvl="0" indent="0" algn="l" rtl="0">
               <a:spcBef>
                 <a:spcPts val="0"/>
               </a:spcBef>
@@ -8574,14 +8766,14 @@
             <a:avLst/>
           </a:prstGeom>
           <a:noFill/>
-          <a:ln cap="flat" cmpd="sng" w="9525">
+          <a:ln w="9525" cap="flat" cmpd="sng">
             <a:solidFill>
               <a:srgbClr val="000000"/>
             </a:solidFill>
             <a:prstDash val="solid"/>
             <a:round/>
-            <a:headEnd len="med" w="med" type="none"/>
-            <a:tailEnd len="med" w="med" type="triangle"/>
+            <a:headEnd type="none" w="med" len="med"/>
+            <a:tailEnd type="triangle" w="med" len="med"/>
           </a:ln>
         </p:spPr>
       </p:cxnSp>
@@ -8602,23 +8794,23 @@
           <a:solidFill>
             <a:schemeClr val="lt2"/>
           </a:solidFill>
-          <a:ln cap="flat" cmpd="sng" w="9525">
+          <a:ln w="9525" cap="flat" cmpd="sng">
             <a:solidFill>
               <a:schemeClr val="dk2"/>
             </a:solidFill>
             <a:prstDash val="solid"/>
             <a:round/>
-            <a:headEnd len="sm" w="sm" type="none"/>
-            <a:tailEnd len="sm" w="sm" type="none"/>
+            <a:headEnd type="none" w="sm" len="sm"/>
+            <a:tailEnd type="none" w="sm" len="sm"/>
           </a:ln>
         </p:spPr>
         <p:txBody>
-          <a:bodyPr anchorCtr="0" anchor="ctr" bIns="91425" lIns="91425" spcFirstLastPara="1" rIns="91425" wrap="square" tIns="91425">
+          <a:bodyPr spcFirstLastPara="1" wrap="square" lIns="91425" tIns="91425" rIns="91425" bIns="91425" anchor="ctr" anchorCtr="0">
             <a:noAutofit/>
           </a:bodyPr>
           <a:lstStyle/>
           <a:p>
-            <a:pPr indent="0" lvl="0" marL="0" rtl="0" algn="l">
+            <a:pPr marL="0" lvl="0" indent="0" algn="l" rtl="0">
               <a:spcBef>
                 <a:spcPts val="0"/>
               </a:spcBef>
@@ -8627,9 +8819,6 @@
               </a:spcAft>
               <a:buNone/>
             </a:pPr>
-            <a:r>
-              <a:t/>
-            </a:r>
             <a:endParaRPr/>
           </a:p>
         </p:txBody>
@@ -8654,12 +8843,12 @@
           </a:ln>
         </p:spPr>
         <p:txBody>
-          <a:bodyPr anchorCtr="0" anchor="t" bIns="91425" lIns="91425" spcFirstLastPara="1" rIns="91425" wrap="square" tIns="91425">
+          <a:bodyPr spcFirstLastPara="1" wrap="square" lIns="91425" tIns="91425" rIns="91425" bIns="91425" anchor="t" anchorCtr="0">
             <a:noAutofit/>
           </a:bodyPr>
           <a:lstStyle/>
           <a:p>
-            <a:pPr indent="0" lvl="0" marL="0" rtl="0" algn="l">
+            <a:pPr marL="0" lvl="0" indent="0" algn="l" rtl="0">
               <a:spcBef>
                 <a:spcPts val="0"/>
               </a:spcBef>
@@ -8693,14 +8882,14 @@
             <a:avLst/>
           </a:prstGeom>
           <a:noFill/>
-          <a:ln cap="flat" cmpd="sng" w="9525">
+          <a:ln w="9525" cap="flat" cmpd="sng">
             <a:solidFill>
               <a:srgbClr val="000000"/>
             </a:solidFill>
             <a:prstDash val="solid"/>
             <a:round/>
-            <a:headEnd len="med" w="med" type="none"/>
-            <a:tailEnd len="med" w="med" type="triangle"/>
+            <a:headEnd type="none" w="med" len="med"/>
+            <a:tailEnd type="triangle" w="med" len="med"/>
           </a:ln>
         </p:spPr>
       </p:cxnSp>
@@ -8721,23 +8910,23 @@
           <a:solidFill>
             <a:schemeClr val="lt2"/>
           </a:solidFill>
-          <a:ln cap="flat" cmpd="sng" w="9525">
+          <a:ln w="9525" cap="flat" cmpd="sng">
             <a:solidFill>
               <a:schemeClr val="dk2"/>
             </a:solidFill>
             <a:prstDash val="solid"/>
             <a:round/>
-            <a:headEnd len="sm" w="sm" type="none"/>
-            <a:tailEnd len="sm" w="sm" type="none"/>
+            <a:headEnd type="none" w="sm" len="sm"/>
+            <a:tailEnd type="none" w="sm" len="sm"/>
           </a:ln>
         </p:spPr>
         <p:txBody>
-          <a:bodyPr anchorCtr="0" anchor="ctr" bIns="91425" lIns="91425" spcFirstLastPara="1" rIns="91425" wrap="square" tIns="91425">
+          <a:bodyPr spcFirstLastPara="1" wrap="square" lIns="91425" tIns="91425" rIns="91425" bIns="91425" anchor="ctr" anchorCtr="0">
             <a:noAutofit/>
           </a:bodyPr>
           <a:lstStyle/>
           <a:p>
-            <a:pPr indent="0" lvl="0" marL="0" rtl="0" algn="l">
+            <a:pPr marL="0" lvl="0" indent="0" algn="l" rtl="0">
               <a:spcBef>
                 <a:spcPts val="0"/>
               </a:spcBef>
@@ -8746,9 +8935,6 @@
               </a:spcAft>
               <a:buNone/>
             </a:pPr>
-            <a:r>
-              <a:t/>
-            </a:r>
             <a:endParaRPr/>
           </a:p>
         </p:txBody>
@@ -8773,12 +8959,12 @@
           </a:ln>
         </p:spPr>
         <p:txBody>
-          <a:bodyPr anchorCtr="0" anchor="t" bIns="91425" lIns="91425" spcFirstLastPara="1" rIns="91425" wrap="square" tIns="91425">
+          <a:bodyPr spcFirstLastPara="1" wrap="square" lIns="91425" tIns="91425" rIns="91425" bIns="91425" anchor="t" anchorCtr="0">
             <a:noAutofit/>
           </a:bodyPr>
           <a:lstStyle/>
           <a:p>
-            <a:pPr indent="0" lvl="0" marL="0" rtl="0" algn="l">
+            <a:pPr marL="0" lvl="0" indent="0" algn="l" rtl="0">
               <a:spcBef>
                 <a:spcPts val="0"/>
               </a:spcBef>
@@ -8810,14 +8996,14 @@
             <a:avLst/>
           </a:prstGeom>
           <a:noFill/>
-          <a:ln cap="flat" cmpd="sng" w="9525">
+          <a:ln w="9525" cap="flat" cmpd="sng">
             <a:solidFill>
               <a:srgbClr val="000000"/>
             </a:solidFill>
             <a:prstDash val="solid"/>
             <a:round/>
-            <a:headEnd len="med" w="med" type="none"/>
-            <a:tailEnd len="med" w="med" type="triangle"/>
+            <a:headEnd type="none" w="med" len="med"/>
+            <a:tailEnd type="triangle" w="med" len="med"/>
           </a:ln>
         </p:spPr>
       </p:cxnSp>
@@ -8838,23 +9024,23 @@
           <a:solidFill>
             <a:schemeClr val="lt2"/>
           </a:solidFill>
-          <a:ln cap="flat" cmpd="sng" w="9525">
+          <a:ln w="9525" cap="flat" cmpd="sng">
             <a:solidFill>
               <a:schemeClr val="dk2"/>
             </a:solidFill>
             <a:prstDash val="solid"/>
             <a:round/>
-            <a:headEnd len="sm" w="sm" type="none"/>
-            <a:tailEnd len="sm" w="sm" type="none"/>
+            <a:headEnd type="none" w="sm" len="sm"/>
+            <a:tailEnd type="none" w="sm" len="sm"/>
           </a:ln>
         </p:spPr>
         <p:txBody>
-          <a:bodyPr anchorCtr="0" anchor="ctr" bIns="91425" lIns="91425" spcFirstLastPara="1" rIns="91425" wrap="square" tIns="91425">
+          <a:bodyPr spcFirstLastPara="1" wrap="square" lIns="91425" tIns="91425" rIns="91425" bIns="91425" anchor="ctr" anchorCtr="0">
             <a:noAutofit/>
           </a:bodyPr>
           <a:lstStyle/>
           <a:p>
-            <a:pPr indent="0" lvl="0" marL="0" rtl="0" algn="l">
+            <a:pPr marL="0" lvl="0" indent="0" algn="l" rtl="0">
               <a:spcBef>
                 <a:spcPts val="0"/>
               </a:spcBef>
@@ -8863,9 +9049,6 @@
               </a:spcAft>
               <a:buNone/>
             </a:pPr>
-            <a:r>
-              <a:t/>
-            </a:r>
             <a:endParaRPr/>
           </a:p>
         </p:txBody>
@@ -8890,12 +9073,12 @@
           </a:ln>
         </p:spPr>
         <p:txBody>
-          <a:bodyPr anchorCtr="0" anchor="t" bIns="91425" lIns="91425" spcFirstLastPara="1" rIns="91425" wrap="square" tIns="91425">
+          <a:bodyPr spcFirstLastPara="1" wrap="square" lIns="91425" tIns="91425" rIns="91425" bIns="91425" anchor="t" anchorCtr="0">
             <a:noAutofit/>
           </a:bodyPr>
           <a:lstStyle/>
           <a:p>
-            <a:pPr indent="0" lvl="0" marL="0" rtl="0" algn="l">
+            <a:pPr marL="0" lvl="0" indent="0" algn="l" rtl="0">
               <a:spcBef>
                 <a:spcPts val="0"/>
               </a:spcBef>
@@ -8930,14 +9113,14 @@
             <a:avLst/>
           </a:prstGeom>
           <a:noFill/>
-          <a:ln cap="flat" cmpd="sng" w="9525">
+          <a:ln w="9525" cap="flat" cmpd="sng">
             <a:solidFill>
               <a:srgbClr val="000000"/>
             </a:solidFill>
             <a:prstDash val="solid"/>
             <a:round/>
-            <a:headEnd len="med" w="med" type="none"/>
-            <a:tailEnd len="med" w="med" type="triangle"/>
+            <a:headEnd type="none" w="med" len="med"/>
+            <a:tailEnd type="triangle" w="med" len="med"/>
           </a:ln>
         </p:spPr>
       </p:cxnSp>
@@ -8958,23 +9141,23 @@
           <a:solidFill>
             <a:schemeClr val="lt2"/>
           </a:solidFill>
-          <a:ln cap="flat" cmpd="sng" w="9525">
+          <a:ln w="9525" cap="flat" cmpd="sng">
             <a:solidFill>
               <a:schemeClr val="dk2"/>
             </a:solidFill>
             <a:prstDash val="solid"/>
             <a:round/>
-            <a:headEnd len="sm" w="sm" type="none"/>
-            <a:tailEnd len="sm" w="sm" type="none"/>
+            <a:headEnd type="none" w="sm" len="sm"/>
+            <a:tailEnd type="none" w="sm" len="sm"/>
           </a:ln>
         </p:spPr>
         <p:txBody>
-          <a:bodyPr anchorCtr="0" anchor="ctr" bIns="91425" lIns="91425" spcFirstLastPara="1" rIns="91425" wrap="square" tIns="91425">
+          <a:bodyPr spcFirstLastPara="1" wrap="square" lIns="91425" tIns="91425" rIns="91425" bIns="91425" anchor="ctr" anchorCtr="0">
             <a:noAutofit/>
           </a:bodyPr>
           <a:lstStyle/>
           <a:p>
-            <a:pPr indent="0" lvl="0" marL="0" rtl="0" algn="l">
+            <a:pPr marL="0" lvl="0" indent="0" algn="l" rtl="0">
               <a:spcBef>
                 <a:spcPts val="0"/>
               </a:spcBef>
@@ -8983,9 +9166,6 @@
               </a:spcAft>
               <a:buNone/>
             </a:pPr>
-            <a:r>
-              <a:t/>
-            </a:r>
             <a:endParaRPr/>
           </a:p>
         </p:txBody>
@@ -9010,12 +9190,12 @@
           </a:ln>
         </p:spPr>
         <p:txBody>
-          <a:bodyPr anchorCtr="0" anchor="t" bIns="91425" lIns="91425" spcFirstLastPara="1" rIns="91425" wrap="square" tIns="91425">
+          <a:bodyPr spcFirstLastPara="1" wrap="square" lIns="91425" tIns="91425" rIns="91425" bIns="91425" anchor="t" anchorCtr="0">
             <a:noAutofit/>
           </a:bodyPr>
           <a:lstStyle/>
           <a:p>
-            <a:pPr indent="0" lvl="0" marL="0" rtl="0" algn="l">
+            <a:pPr marL="0" lvl="0" indent="0" algn="l" rtl="0">
               <a:spcBef>
                 <a:spcPts val="0"/>
               </a:spcBef>
@@ -9049,14 +9229,14 @@
             <a:avLst/>
           </a:prstGeom>
           <a:noFill/>
-          <a:ln cap="flat" cmpd="sng" w="9525">
+          <a:ln w="9525" cap="flat" cmpd="sng">
             <a:solidFill>
               <a:srgbClr val="000000"/>
             </a:solidFill>
             <a:prstDash val="solid"/>
             <a:round/>
-            <a:headEnd len="med" w="med" type="none"/>
-            <a:tailEnd len="med" w="med" type="triangle"/>
+            <a:headEnd type="none" w="med" len="med"/>
+            <a:tailEnd type="triangle" w="med" len="med"/>
           </a:ln>
         </p:spPr>
       </p:cxnSp>
@@ -9077,23 +9257,23 @@
           <a:solidFill>
             <a:schemeClr val="lt2"/>
           </a:solidFill>
-          <a:ln cap="flat" cmpd="sng" w="9525">
+          <a:ln w="9525" cap="flat" cmpd="sng">
             <a:solidFill>
               <a:schemeClr val="dk2"/>
             </a:solidFill>
             <a:prstDash val="solid"/>
             <a:round/>
-            <a:headEnd len="sm" w="sm" type="none"/>
-            <a:tailEnd len="sm" w="sm" type="none"/>
+            <a:headEnd type="none" w="sm" len="sm"/>
+            <a:tailEnd type="none" w="sm" len="sm"/>
           </a:ln>
         </p:spPr>
         <p:txBody>
-          <a:bodyPr anchorCtr="0" anchor="ctr" bIns="91425" lIns="91425" spcFirstLastPara="1" rIns="91425" wrap="square" tIns="91425">
+          <a:bodyPr spcFirstLastPara="1" wrap="square" lIns="91425" tIns="91425" rIns="91425" bIns="91425" anchor="ctr" anchorCtr="0">
             <a:noAutofit/>
           </a:bodyPr>
           <a:lstStyle/>
           <a:p>
-            <a:pPr indent="0" lvl="0" marL="0" rtl="0" algn="l">
+            <a:pPr marL="0" lvl="0" indent="0" algn="l" rtl="0">
               <a:spcBef>
                 <a:spcPts val="0"/>
               </a:spcBef>
@@ -9102,9 +9282,6 @@
               </a:spcAft>
               <a:buNone/>
             </a:pPr>
-            <a:r>
-              <a:t/>
-            </a:r>
             <a:endParaRPr/>
           </a:p>
         </p:txBody>
@@ -9129,12 +9306,12 @@
           </a:ln>
         </p:spPr>
         <p:txBody>
-          <a:bodyPr anchorCtr="0" anchor="t" bIns="91425" lIns="91425" spcFirstLastPara="1" rIns="91425" wrap="square" tIns="91425">
+          <a:bodyPr spcFirstLastPara="1" wrap="square" lIns="91425" tIns="91425" rIns="91425" bIns="91425" anchor="t" anchorCtr="0">
             <a:noAutofit/>
           </a:bodyPr>
           <a:lstStyle/>
           <a:p>
-            <a:pPr indent="0" lvl="0" marL="0" rtl="0" algn="l">
+            <a:pPr marL="0" lvl="0" indent="0" algn="l" rtl="0">
               <a:spcBef>
                 <a:spcPts val="0"/>
               </a:spcBef>
@@ -9168,23 +9345,23 @@
           <a:solidFill>
             <a:schemeClr val="lt2"/>
           </a:solidFill>
-          <a:ln cap="flat" cmpd="sng" w="9525">
+          <a:ln w="9525" cap="flat" cmpd="sng">
             <a:solidFill>
               <a:schemeClr val="dk2"/>
             </a:solidFill>
             <a:prstDash val="solid"/>
             <a:round/>
-            <a:headEnd len="sm" w="sm" type="none"/>
-            <a:tailEnd len="sm" w="sm" type="none"/>
+            <a:headEnd type="none" w="sm" len="sm"/>
+            <a:tailEnd type="none" w="sm" len="sm"/>
           </a:ln>
         </p:spPr>
         <p:txBody>
-          <a:bodyPr anchorCtr="0" anchor="ctr" bIns="91425" lIns="91425" spcFirstLastPara="1" rIns="91425" wrap="square" tIns="91425">
+          <a:bodyPr spcFirstLastPara="1" wrap="square" lIns="91425" tIns="91425" rIns="91425" bIns="91425" anchor="ctr" anchorCtr="0">
             <a:noAutofit/>
           </a:bodyPr>
           <a:lstStyle/>
           <a:p>
-            <a:pPr indent="0" lvl="0" marL="0" rtl="0" algn="l">
+            <a:pPr marL="0" lvl="0" indent="0" algn="l" rtl="0">
               <a:spcBef>
                 <a:spcPts val="0"/>
               </a:spcBef>
@@ -9193,9 +9370,6 @@
               </a:spcAft>
               <a:buNone/>
             </a:pPr>
-            <a:r>
-              <a:t/>
-            </a:r>
             <a:endParaRPr/>
           </a:p>
         </p:txBody>
@@ -9220,12 +9394,12 @@
           </a:ln>
         </p:spPr>
         <p:txBody>
-          <a:bodyPr anchorCtr="0" anchor="t" bIns="91425" lIns="91425" spcFirstLastPara="1" rIns="91425" wrap="square" tIns="91425">
+          <a:bodyPr spcFirstLastPara="1" wrap="square" lIns="91425" tIns="91425" rIns="91425" bIns="91425" anchor="t" anchorCtr="0">
             <a:noAutofit/>
           </a:bodyPr>
           <a:lstStyle/>
           <a:p>
-            <a:pPr indent="0" lvl="0" marL="0" rtl="0" algn="l">
+            <a:pPr marL="0" lvl="0" indent="0" algn="l" rtl="0">
               <a:spcBef>
                 <a:spcPts val="0"/>
               </a:spcBef>
@@ -9260,14 +9434,14 @@
             <a:avLst/>
           </a:prstGeom>
           <a:noFill/>
-          <a:ln cap="flat" cmpd="sng" w="9525">
+          <a:ln w="9525" cap="flat" cmpd="sng">
             <a:solidFill>
               <a:srgbClr val="000000"/>
             </a:solidFill>
             <a:prstDash val="solid"/>
             <a:round/>
-            <a:headEnd len="med" w="med" type="none"/>
-            <a:tailEnd len="med" w="med" type="triangle"/>
+            <a:headEnd type="none" w="med" len="med"/>
+            <a:tailEnd type="triangle" w="med" len="med"/>
           </a:ln>
         </p:spPr>
       </p:cxnSp>
@@ -9289,14 +9463,14 @@
             <a:avLst/>
           </a:prstGeom>
           <a:noFill/>
-          <a:ln cap="flat" cmpd="sng" w="9525">
+          <a:ln w="9525" cap="flat" cmpd="sng">
             <a:solidFill>
               <a:srgbClr val="000000"/>
             </a:solidFill>
             <a:prstDash val="solid"/>
             <a:round/>
-            <a:headEnd len="med" w="med" type="none"/>
-            <a:tailEnd len="med" w="med" type="triangle"/>
+            <a:headEnd type="none" w="med" len="med"/>
+            <a:tailEnd type="triangle" w="med" len="med"/>
           </a:ln>
         </p:spPr>
       </p:cxnSp>
@@ -9317,14 +9491,14 @@
             <a:avLst/>
           </a:prstGeom>
           <a:noFill/>
-          <a:ln cap="flat" cmpd="sng" w="9525">
+          <a:ln w="9525" cap="flat" cmpd="sng">
             <a:solidFill>
               <a:srgbClr val="000000"/>
             </a:solidFill>
             <a:prstDash val="solid"/>
             <a:round/>
-            <a:headEnd len="med" w="med" type="none"/>
-            <a:tailEnd len="med" w="med" type="triangle"/>
+            <a:headEnd type="none" w="med" len="med"/>
+            <a:tailEnd type="triangle" w="med" len="med"/>
           </a:ln>
         </p:spPr>
       </p:cxnSp>
@@ -9343,18 +9517,18 @@
           </a:xfrm>
           <a:prstGeom prst="bentConnector3">
             <a:avLst>
-              <a:gd fmla="val 50000" name="adj1"/>
+              <a:gd name="adj1" fmla="val 50000"/>
             </a:avLst>
           </a:prstGeom>
           <a:noFill/>
-          <a:ln cap="flat" cmpd="sng" w="9525">
+          <a:ln w="9525" cap="flat" cmpd="sng">
             <a:solidFill>
               <a:srgbClr val="000000"/>
             </a:solidFill>
             <a:prstDash val="solid"/>
             <a:round/>
-            <a:headEnd len="med" w="med" type="none"/>
-            <a:tailEnd len="med" w="med" type="none"/>
+            <a:headEnd type="none" w="med" len="med"/>
+            <a:tailEnd type="none" w="med" len="med"/>
           </a:ln>
         </p:spPr>
       </p:cxnSp>
@@ -9375,14 +9549,14 @@
             <a:avLst/>
           </a:prstGeom>
           <a:noFill/>
-          <a:ln cap="flat" cmpd="sng" w="9525">
+          <a:ln w="9525" cap="flat" cmpd="sng">
             <a:solidFill>
               <a:srgbClr val="000000"/>
             </a:solidFill>
             <a:prstDash val="solid"/>
             <a:round/>
-            <a:headEnd len="med" w="med" type="none"/>
-            <a:tailEnd len="med" w="med" type="triangle"/>
+            <a:headEnd type="none" w="med" len="med"/>
+            <a:tailEnd type="triangle" w="med" len="med"/>
           </a:ln>
         </p:spPr>
       </p:cxnSp>
@@ -9391,15 +9565,22 @@
   <p:clrMapOvr>
     <a:masterClrMapping/>
   </p:clrMapOvr>
+  <p:timing>
+    <p:tnLst>
+      <p:par>
+        <p:cTn id="1" dur="indefinite" restart="never" nodeType="tmRoot"/>
+      </p:par>
+    </p:tnLst>
+  </p:timing>
 </p:sld>
 </file>
 
 <file path=ppt/slides/slide5.xml><?xml version="1.0" encoding="utf-8"?>
-<p:sld xmlns:a="http://schemas.openxmlformats.org/drawingml/2006/main" xmlns:r="http://schemas.openxmlformats.org/officeDocument/2006/relationships" xmlns:mc="http://schemas.openxmlformats.org/markup-compatibility/2006" xmlns:mv="urn:schemas-microsoft-com:mac:vml" xmlns:p="http://schemas.openxmlformats.org/presentationml/2006/main" xmlns:c="http://schemas.openxmlformats.org/drawingml/2006/chart" xmlns:dgm="http://schemas.openxmlformats.org/drawingml/2006/diagram" xmlns:o="urn:schemas-microsoft-com:office:office" xmlns:v="urn:schemas-microsoft-com:vml" xmlns:pvml="urn:schemas-microsoft-com:office:powerpoint" xmlns:com="http://schemas.openxmlformats.org/drawingml/2006/compatibility" xmlns:p14="http://schemas.microsoft.com/office/powerpoint/2010/main" xmlns:p15="http://schemas.microsoft.com/office/powerpoint/2012/main">
+<p:sld xmlns:a="http://schemas.openxmlformats.org/drawingml/2006/main" xmlns:r="http://schemas.openxmlformats.org/officeDocument/2006/relationships" xmlns:p="http://schemas.openxmlformats.org/presentationml/2006/main">
   <p:cSld>
     <p:spTree>
       <p:nvGrpSpPr>
-        <p:cNvPr id="118" name="Shape 118"/>
+        <p:cNvPr id="1" name="Shape 118"/>
         <p:cNvGrpSpPr/>
         <p:nvPr/>
       </p:nvGrpSpPr>
@@ -9414,7 +9595,9 @@
       <p:sp>
         <p:nvSpPr>
           <p:cNvPr id="119" name="Google Shape;119;p17"/>
-          <p:cNvSpPr txBox="1"/>
+          <p:cNvSpPr txBox="1">
+            <a:spLocks noGrp="1"/>
+          </p:cNvSpPr>
           <p:nvPr>
             <p:ph type="title"/>
           </p:nvPr>
@@ -9429,12 +9612,12 @@
           </a:prstGeom>
         </p:spPr>
         <p:txBody>
-          <a:bodyPr anchorCtr="0" anchor="t" bIns="91425" lIns="91425" spcFirstLastPara="1" rIns="91425" wrap="square" tIns="91425">
+          <a:bodyPr spcFirstLastPara="1" wrap="square" lIns="91425" tIns="91425" rIns="91425" bIns="91425" anchor="t" anchorCtr="0">
             <a:noAutofit/>
           </a:bodyPr>
           <a:lstStyle/>
           <a:p>
-            <a:pPr indent="0" lvl="0" marL="0" rtl="0" algn="l">
+            <a:pPr marL="0" lvl="0" indent="0" algn="l" rtl="0">
               <a:spcBef>
                 <a:spcPts val="0"/>
               </a:spcBef>
@@ -9454,9 +9637,11 @@
       <p:sp>
         <p:nvSpPr>
           <p:cNvPr id="120" name="Google Shape;120;p17"/>
-          <p:cNvSpPr txBox="1"/>
+          <p:cNvSpPr txBox="1">
+            <a:spLocks noGrp="1"/>
+          </p:cNvSpPr>
           <p:nvPr>
-            <p:ph idx="1" type="body"/>
+            <p:ph type="body" idx="1"/>
           </p:nvPr>
         </p:nvSpPr>
         <p:spPr>
@@ -9469,12 +9654,12 @@
           </a:prstGeom>
         </p:spPr>
         <p:txBody>
-          <a:bodyPr anchorCtr="0" anchor="t" bIns="91425" lIns="91425" spcFirstLastPara="1" rIns="91425" wrap="square" tIns="91425">
+          <a:bodyPr spcFirstLastPara="1" wrap="square" lIns="91425" tIns="91425" rIns="91425" bIns="91425" anchor="t" anchorCtr="0">
             <a:noAutofit/>
           </a:bodyPr>
           <a:lstStyle/>
           <a:p>
-            <a:pPr indent="-342900" lvl="0" marL="457200" rtl="0" algn="l">
+            <a:pPr marL="457200" lvl="0" indent="-342900" algn="l" rtl="0">
               <a:spcBef>
                 <a:spcPts val="0"/>
               </a:spcBef>
@@ -9491,7 +9676,7 @@
             <a:endParaRPr/>
           </a:p>
           <a:p>
-            <a:pPr indent="-342900" lvl="0" marL="457200" rtl="0" algn="l">
+            <a:pPr marL="457200" lvl="0" indent="-342900" algn="l" rtl="0">
               <a:spcBef>
                 <a:spcPts val="0"/>
               </a:spcBef>
@@ -9508,7 +9693,7 @@
             <a:endParaRPr/>
           </a:p>
           <a:p>
-            <a:pPr indent="-342900" lvl="0" marL="457200" rtl="0" algn="l">
+            <a:pPr marL="457200" lvl="0" indent="-342900" algn="l" rtl="0">
               <a:spcBef>
                 <a:spcPts val="0"/>
               </a:spcBef>
@@ -9525,7 +9710,7 @@
             <a:endParaRPr/>
           </a:p>
           <a:p>
-            <a:pPr indent="-342900" lvl="0" marL="457200" rtl="0" algn="l">
+            <a:pPr marL="457200" lvl="0" indent="-342900" algn="l" rtl="0">
               <a:spcBef>
                 <a:spcPts val="0"/>
               </a:spcBef>
@@ -9542,7 +9727,7 @@
             <a:endParaRPr/>
           </a:p>
           <a:p>
-            <a:pPr indent="-342900" lvl="0" marL="457200" rtl="0" algn="l">
+            <a:pPr marL="457200" lvl="0" indent="-342900" algn="l" rtl="0">
               <a:spcBef>
                 <a:spcPts val="0"/>
               </a:spcBef>
@@ -9559,7 +9744,7 @@
             <a:endParaRPr/>
           </a:p>
           <a:p>
-            <a:pPr indent="-342900" lvl="0" marL="457200" rtl="0" algn="l">
+            <a:pPr marL="457200" lvl="0" indent="-342900" algn="l" rtl="0">
               <a:spcBef>
                 <a:spcPts val="0"/>
               </a:spcBef>
@@ -9571,16 +9756,12 @@
             </a:pPr>
             <a:r>
               <a:rPr lang="en"/>
-              <a:t>Regular </a:t>
-            </a:r>
-            <a:r>
-              <a:rPr lang="en"/>
-              <a:t>Expressions</a:t>
+              <a:t>Regular Expressions</a:t>
             </a:r>
             <a:endParaRPr/>
           </a:p>
           <a:p>
-            <a:pPr indent="-342900" lvl="0" marL="457200" rtl="0" algn="l">
+            <a:pPr marL="457200" lvl="0" indent="-342900" algn="l" rtl="0">
               <a:spcBef>
                 <a:spcPts val="0"/>
               </a:spcBef>
@@ -9597,7 +9778,7 @@
             <a:endParaRPr/>
           </a:p>
           <a:p>
-            <a:pPr indent="-342900" lvl="0" marL="457200" rtl="0" algn="l">
+            <a:pPr marL="457200" lvl="0" indent="-342900" algn="l" rtl="0">
               <a:spcBef>
                 <a:spcPts val="0"/>
               </a:spcBef>
@@ -9614,7 +9795,7 @@
             <a:endParaRPr/>
           </a:p>
           <a:p>
-            <a:pPr indent="-342900" lvl="0" marL="457200" rtl="0" algn="l">
+            <a:pPr marL="457200" lvl="0" indent="-342900" algn="l" rtl="0">
               <a:spcBef>
                 <a:spcPts val="0"/>
               </a:spcBef>
@@ -9637,15 +9818,22 @@
   <p:clrMapOvr>
     <a:masterClrMapping/>
   </p:clrMapOvr>
+  <p:timing>
+    <p:tnLst>
+      <p:par>
+        <p:cTn id="1" dur="indefinite" restart="never" nodeType="tmRoot"/>
+      </p:par>
+    </p:tnLst>
+  </p:timing>
 </p:sld>
 </file>
 
 <file path=ppt/slides/slide6.xml><?xml version="1.0" encoding="utf-8"?>
-<p:sld xmlns:a="http://schemas.openxmlformats.org/drawingml/2006/main" xmlns:r="http://schemas.openxmlformats.org/officeDocument/2006/relationships" xmlns:mc="http://schemas.openxmlformats.org/markup-compatibility/2006" xmlns:mv="urn:schemas-microsoft-com:mac:vml" xmlns:p="http://schemas.openxmlformats.org/presentationml/2006/main" xmlns:c="http://schemas.openxmlformats.org/drawingml/2006/chart" xmlns:dgm="http://schemas.openxmlformats.org/drawingml/2006/diagram" xmlns:o="urn:schemas-microsoft-com:office:office" xmlns:v="urn:schemas-microsoft-com:vml" xmlns:pvml="urn:schemas-microsoft-com:office:powerpoint" xmlns:com="http://schemas.openxmlformats.org/drawingml/2006/compatibility" xmlns:p14="http://schemas.microsoft.com/office/powerpoint/2010/main" xmlns:p15="http://schemas.microsoft.com/office/powerpoint/2012/main">
+<p:sld xmlns:a="http://schemas.openxmlformats.org/drawingml/2006/main" xmlns:r="http://schemas.openxmlformats.org/officeDocument/2006/relationships" xmlns:p="http://schemas.openxmlformats.org/presentationml/2006/main">
   <p:cSld>
     <p:spTree>
       <p:nvGrpSpPr>
-        <p:cNvPr id="124" name="Shape 124"/>
+        <p:cNvPr id="1" name="Shape 124"/>
         <p:cNvGrpSpPr/>
         <p:nvPr/>
       </p:nvGrpSpPr>
@@ -9660,7 +9848,9 @@
       <p:sp>
         <p:nvSpPr>
           <p:cNvPr id="125" name="Google Shape;125;p18"/>
-          <p:cNvSpPr txBox="1"/>
+          <p:cNvSpPr txBox="1">
+            <a:spLocks noGrp="1"/>
+          </p:cNvSpPr>
           <p:nvPr>
             <p:ph type="title"/>
           </p:nvPr>
@@ -9675,12 +9865,12 @@
           </a:prstGeom>
         </p:spPr>
         <p:txBody>
-          <a:bodyPr anchorCtr="0" anchor="t" bIns="91425" lIns="91425" spcFirstLastPara="1" rIns="91425" wrap="square" tIns="91425">
+          <a:bodyPr spcFirstLastPara="1" wrap="square" lIns="91425" tIns="91425" rIns="91425" bIns="91425" anchor="t" anchorCtr="0">
             <a:noAutofit/>
           </a:bodyPr>
           <a:lstStyle/>
           <a:p>
-            <a:pPr indent="0" lvl="0" marL="0" rtl="0" algn="l">
+            <a:pPr marL="0" lvl="0" indent="0" algn="l" rtl="0">
               <a:spcBef>
                 <a:spcPts val="0"/>
               </a:spcBef>
@@ -9730,15 +9920,22 @@
   <p:clrMapOvr>
     <a:masterClrMapping/>
   </p:clrMapOvr>
+  <p:timing>
+    <p:tnLst>
+      <p:par>
+        <p:cTn id="1" dur="indefinite" restart="never" nodeType="tmRoot"/>
+      </p:par>
+    </p:tnLst>
+  </p:timing>
 </p:sld>
 </file>
 
 <file path=ppt/slides/slide7.xml><?xml version="1.0" encoding="utf-8"?>
-<p:sld xmlns:a="http://schemas.openxmlformats.org/drawingml/2006/main" xmlns:r="http://schemas.openxmlformats.org/officeDocument/2006/relationships" xmlns:mc="http://schemas.openxmlformats.org/markup-compatibility/2006" xmlns:mv="urn:schemas-microsoft-com:mac:vml" xmlns:p="http://schemas.openxmlformats.org/presentationml/2006/main" xmlns:c="http://schemas.openxmlformats.org/drawingml/2006/chart" xmlns:dgm="http://schemas.openxmlformats.org/drawingml/2006/diagram" xmlns:o="urn:schemas-microsoft-com:office:office" xmlns:v="urn:schemas-microsoft-com:vml" xmlns:pvml="urn:schemas-microsoft-com:office:powerpoint" xmlns:com="http://schemas.openxmlformats.org/drawingml/2006/compatibility" xmlns:p14="http://schemas.microsoft.com/office/powerpoint/2010/main" xmlns:p15="http://schemas.microsoft.com/office/powerpoint/2012/main">
+<p:sld xmlns:a="http://schemas.openxmlformats.org/drawingml/2006/main" xmlns:r="http://schemas.openxmlformats.org/officeDocument/2006/relationships" xmlns:p="http://schemas.openxmlformats.org/presentationml/2006/main">
   <p:cSld>
     <p:spTree>
       <p:nvGrpSpPr>
-        <p:cNvPr id="130" name="Shape 130"/>
+        <p:cNvPr id="1" name="Shape 130"/>
         <p:cNvGrpSpPr/>
         <p:nvPr/>
       </p:nvGrpSpPr>
@@ -9753,7 +9950,9 @@
       <p:sp>
         <p:nvSpPr>
           <p:cNvPr id="131" name="Google Shape;131;p19"/>
-          <p:cNvSpPr txBox="1"/>
+          <p:cNvSpPr txBox="1">
+            <a:spLocks noGrp="1"/>
+          </p:cNvSpPr>
           <p:nvPr>
             <p:ph type="title"/>
           </p:nvPr>
@@ -9768,12 +9967,12 @@
           </a:prstGeom>
         </p:spPr>
         <p:txBody>
-          <a:bodyPr anchorCtr="0" anchor="t" bIns="91425" lIns="91425" spcFirstLastPara="1" rIns="91425" wrap="square" tIns="91425">
+          <a:bodyPr spcFirstLastPara="1" wrap="square" lIns="91425" tIns="91425" rIns="91425" bIns="91425" anchor="t" anchorCtr="0">
             <a:noAutofit/>
           </a:bodyPr>
           <a:lstStyle/>
           <a:p>
-            <a:pPr indent="0" lvl="0" marL="0" rtl="0" algn="l">
+            <a:pPr marL="0" lvl="0" indent="0" algn="l" rtl="0">
               <a:spcBef>
                 <a:spcPts val="0"/>
               </a:spcBef>
@@ -9828,15 +10027,22 @@
   <p:clrMapOvr>
     <a:masterClrMapping/>
   </p:clrMapOvr>
+  <p:timing>
+    <p:tnLst>
+      <p:par>
+        <p:cTn id="1" dur="indefinite" restart="never" nodeType="tmRoot"/>
+      </p:par>
+    </p:tnLst>
+  </p:timing>
 </p:sld>
 </file>
 
 <file path=ppt/slides/slide8.xml><?xml version="1.0" encoding="utf-8"?>
-<p:sld xmlns:a="http://schemas.openxmlformats.org/drawingml/2006/main" xmlns:r="http://schemas.openxmlformats.org/officeDocument/2006/relationships" xmlns:mc="http://schemas.openxmlformats.org/markup-compatibility/2006" xmlns:mv="urn:schemas-microsoft-com:mac:vml" xmlns:p="http://schemas.openxmlformats.org/presentationml/2006/main" xmlns:c="http://schemas.openxmlformats.org/drawingml/2006/chart" xmlns:dgm="http://schemas.openxmlformats.org/drawingml/2006/diagram" xmlns:o="urn:schemas-microsoft-com:office:office" xmlns:v="urn:schemas-microsoft-com:vml" xmlns:pvml="urn:schemas-microsoft-com:office:powerpoint" xmlns:com="http://schemas.openxmlformats.org/drawingml/2006/compatibility" xmlns:p14="http://schemas.microsoft.com/office/powerpoint/2010/main" xmlns:p15="http://schemas.microsoft.com/office/powerpoint/2012/main">
+<p:sld xmlns:a="http://schemas.openxmlformats.org/drawingml/2006/main" xmlns:r="http://schemas.openxmlformats.org/officeDocument/2006/relationships" xmlns:p="http://schemas.openxmlformats.org/presentationml/2006/main">
   <p:cSld>
     <p:spTree>
       <p:nvGrpSpPr>
-        <p:cNvPr id="136" name="Shape 136"/>
+        <p:cNvPr id="1" name="Shape 136"/>
         <p:cNvGrpSpPr/>
         <p:nvPr/>
       </p:nvGrpSpPr>
@@ -9851,7 +10057,9 @@
       <p:sp>
         <p:nvSpPr>
           <p:cNvPr id="137" name="Google Shape;137;p20"/>
-          <p:cNvSpPr txBox="1"/>
+          <p:cNvSpPr txBox="1">
+            <a:spLocks noGrp="1"/>
+          </p:cNvSpPr>
           <p:nvPr>
             <p:ph type="title"/>
           </p:nvPr>
@@ -9866,12 +10074,12 @@
           </a:prstGeom>
         </p:spPr>
         <p:txBody>
-          <a:bodyPr anchorCtr="0" anchor="t" bIns="91425" lIns="91425" spcFirstLastPara="1" rIns="91425" wrap="square" tIns="91425">
+          <a:bodyPr spcFirstLastPara="1" wrap="square" lIns="91425" tIns="91425" rIns="91425" bIns="91425" anchor="t" anchorCtr="0">
             <a:noAutofit/>
           </a:bodyPr>
           <a:lstStyle/>
           <a:p>
-            <a:pPr indent="0" lvl="0" marL="0" rtl="0" algn="l">
+            <a:pPr marL="0" lvl="0" indent="0" algn="l" rtl="0">
               <a:spcBef>
                 <a:spcPts val="0"/>
               </a:spcBef>
@@ -9926,15 +10134,22 @@
   <p:clrMapOvr>
     <a:masterClrMapping/>
   </p:clrMapOvr>
+  <p:timing>
+    <p:tnLst>
+      <p:par>
+        <p:cTn id="1" dur="indefinite" restart="never" nodeType="tmRoot"/>
+      </p:par>
+    </p:tnLst>
+  </p:timing>
 </p:sld>
 </file>
 
 <file path=ppt/slides/slide9.xml><?xml version="1.0" encoding="utf-8"?>
-<p:sld xmlns:a="http://schemas.openxmlformats.org/drawingml/2006/main" xmlns:r="http://schemas.openxmlformats.org/officeDocument/2006/relationships" xmlns:mc="http://schemas.openxmlformats.org/markup-compatibility/2006" xmlns:mv="urn:schemas-microsoft-com:mac:vml" xmlns:p="http://schemas.openxmlformats.org/presentationml/2006/main" xmlns:c="http://schemas.openxmlformats.org/drawingml/2006/chart" xmlns:dgm="http://schemas.openxmlformats.org/drawingml/2006/diagram" xmlns:o="urn:schemas-microsoft-com:office:office" xmlns:v="urn:schemas-microsoft-com:vml" xmlns:pvml="urn:schemas-microsoft-com:office:powerpoint" xmlns:com="http://schemas.openxmlformats.org/drawingml/2006/compatibility" xmlns:p14="http://schemas.microsoft.com/office/powerpoint/2010/main" xmlns:p15="http://schemas.microsoft.com/office/powerpoint/2012/main">
+<p:sld xmlns:a="http://schemas.openxmlformats.org/drawingml/2006/main" xmlns:r="http://schemas.openxmlformats.org/officeDocument/2006/relationships" xmlns:p="http://schemas.openxmlformats.org/presentationml/2006/main">
   <p:cSld>
     <p:spTree>
       <p:nvGrpSpPr>
-        <p:cNvPr id="142" name="Shape 142"/>
+        <p:cNvPr id="1" name="Shape 142"/>
         <p:cNvGrpSpPr/>
         <p:nvPr/>
       </p:nvGrpSpPr>
@@ -9949,7 +10164,9 @@
       <p:sp>
         <p:nvSpPr>
           <p:cNvPr id="143" name="Google Shape;143;p21"/>
-          <p:cNvSpPr txBox="1"/>
+          <p:cNvSpPr txBox="1">
+            <a:spLocks noGrp="1"/>
+          </p:cNvSpPr>
           <p:nvPr>
             <p:ph type="title"/>
           </p:nvPr>
@@ -9964,12 +10181,12 @@
           </a:prstGeom>
         </p:spPr>
         <p:txBody>
-          <a:bodyPr anchorCtr="0" anchor="t" bIns="91425" lIns="91425" spcFirstLastPara="1" rIns="91425" wrap="square" tIns="91425">
+          <a:bodyPr spcFirstLastPara="1" wrap="square" lIns="91425" tIns="91425" rIns="91425" bIns="91425" anchor="t" anchorCtr="0">
             <a:noAutofit/>
           </a:bodyPr>
           <a:lstStyle/>
           <a:p>
-            <a:pPr indent="0" lvl="0" marL="0" rtl="0" algn="l">
+            <a:pPr marL="0" lvl="0" indent="0" algn="l" rtl="0">
               <a:spcBef>
                 <a:spcPts val="0"/>
               </a:spcBef>
@@ -9989,9 +10206,11 @@
       <p:sp>
         <p:nvSpPr>
           <p:cNvPr id="144" name="Google Shape;144;p21"/>
-          <p:cNvSpPr txBox="1"/>
+          <p:cNvSpPr txBox="1">
+            <a:spLocks noGrp="1"/>
+          </p:cNvSpPr>
           <p:nvPr>
-            <p:ph idx="1" type="body"/>
+            <p:ph type="body" idx="1"/>
           </p:nvPr>
         </p:nvSpPr>
         <p:spPr>
@@ -10004,12 +10223,12 @@
           </a:prstGeom>
         </p:spPr>
         <p:txBody>
-          <a:bodyPr anchorCtr="0" anchor="t" bIns="91425" lIns="91425" spcFirstLastPara="1" rIns="91425" wrap="square" tIns="91425">
+          <a:bodyPr spcFirstLastPara="1" wrap="square" lIns="91425" tIns="91425" rIns="91425" bIns="91425" anchor="t" anchorCtr="0">
             <a:noAutofit/>
           </a:bodyPr>
           <a:lstStyle/>
           <a:p>
-            <a:pPr indent="0" lvl="0" marL="0" rtl="0" algn="l">
+            <a:pPr marL="0" lvl="0" indent="0" algn="l" rtl="0">
               <a:spcBef>
                 <a:spcPts val="0"/>
               </a:spcBef>
@@ -10069,11 +10288,18 @@
   <p:clrMapOvr>
     <a:masterClrMapping/>
   </p:clrMapOvr>
+  <p:timing>
+    <p:tnLst>
+      <p:par>
+        <p:cTn id="1" dur="indefinite" restart="never" nodeType="tmRoot"/>
+      </p:par>
+    </p:tnLst>
+  </p:timing>
 </p:sld>
 </file>
 
 <file path=ppt/theme/theme1.xml><?xml version="1.0" encoding="utf-8"?>
-<a:theme xmlns:a="http://schemas.openxmlformats.org/drawingml/2006/main" xmlns:r="http://schemas.openxmlformats.org/officeDocument/2006/relationships" name="Paperback">
+<a:theme xmlns:a="http://schemas.openxmlformats.org/drawingml/2006/main" name="Paperback">
   <a:themeElements>
     <a:clrScheme name="Paperback">
       <a:dk1>
@@ -10348,11 +10574,13 @@
       </a:bgFillStyleLst>
     </a:fmtScheme>
   </a:themeElements>
+  <a:objectDefaults/>
+  <a:extraClrSchemeLst/>
 </a:theme>
 </file>
 
 <file path=ppt/theme/theme2.xml><?xml version="1.0" encoding="utf-8"?>
-<a:theme xmlns:a="http://schemas.openxmlformats.org/drawingml/2006/main" xmlns:r="http://schemas.openxmlformats.org/officeDocument/2006/relationships">
+<a:theme xmlns:a="http://schemas.openxmlformats.org/drawingml/2006/main">
   <a:themeElements>
     <a:clrScheme name="Default">
       <a:dk1>
@@ -10627,5 +10855,7 @@
       </a:bgFillStyleLst>
     </a:fmtScheme>
   </a:themeElements>
+  <a:objectDefaults/>
+  <a:extraClrSchemeLst/>
 </a:theme>
 </file>